--- a/assets/PresentationTemplate.pptx
+++ b/assets/PresentationTemplate.pptx
@@ -105,328 +105,7 @@
       </a:defRPr>
     </a:lvl9pPr>
   </p:defaultTextStyle>
-  <p:extLst>
-    <p:ext uri="{EFAFB233-063F-42B5-8137-9DF3F51BA10A}">
-      <p15:sldGuideLst xmlns:p15="http://schemas.microsoft.com/office/powerpoint/2012/main"/>
-    </p:ext>
-  </p:extLst>
 </p:presentation>
-</file>
-
-<file path=ppt/revisionInfo.xml><?xml version="1.0" encoding="utf-8"?>
-<p1510:revInfo xmlns:a="http://schemas.openxmlformats.org/drawingml/2006/main" xmlns:r="http://schemas.openxmlformats.org/officeDocument/2006/relationships" xmlns:p1510="http://schemas.microsoft.com/office/powerpoint/2015/10/main">
-  <p1510:revLst>
-    <p1510:client id="{F613443F-DC8E-4D40-B362-51FAAD0F681F}" v="3" dt="2025-01-30T17:50:21.358"/>
-  </p1510:revLst>
-</p1510:revInfo>
-</file>
-
-<file path=ppt/changesInfos/changesInfo1.xml><?xml version="1.0" encoding="utf-8"?>
-<pc:chgInfo xmlns:a="http://schemas.openxmlformats.org/drawingml/2006/main" xmlns:r="http://schemas.openxmlformats.org/officeDocument/2006/relationships" xmlns:ac="http://schemas.microsoft.com/office/drawing/2013/main/command" xmlns:pc="http://schemas.microsoft.com/office/powerpoint/2013/main/command">
-  <pc:docChgLst>
-    <pc:chgData name="Florent RAVENEL" userId="2f2e9a1aff29c702" providerId="LiveId" clId="{F613443F-DC8E-4D40-B362-51FAAD0F681F}"/>
-    <pc:docChg chg="undo custSel modSld">
-      <pc:chgData name="Florent RAVENEL" userId="2f2e9a1aff29c702" providerId="LiveId" clId="{F613443F-DC8E-4D40-B362-51FAAD0F681F}" dt="2025-01-30T17:51:07.605" v="20" actId="26606"/>
-      <pc:docMkLst>
-        <pc:docMk/>
-      </pc:docMkLst>
-      <pc:sldChg chg="addSp delSp modSp mod setBg">
-        <pc:chgData name="Florent RAVENEL" userId="2f2e9a1aff29c702" providerId="LiveId" clId="{F613443F-DC8E-4D40-B362-51FAAD0F681F}" dt="2025-01-30T17:50:57.759" v="19" actId="26606"/>
-        <pc:sldMkLst>
-          <pc:docMk/>
-          <pc:sldMk cId="1256506707" sldId="256"/>
-        </pc:sldMkLst>
-        <pc:spChg chg="mod">
-          <ac:chgData name="Florent RAVENEL" userId="2f2e9a1aff29c702" providerId="LiveId" clId="{F613443F-DC8E-4D40-B362-51FAAD0F681F}" dt="2025-01-30T17:50:57.759" v="19" actId="26606"/>
-          <ac:spMkLst>
-            <pc:docMk/>
-            <pc:sldMk cId="1256506707" sldId="256"/>
-            <ac:spMk id="2" creationId="{53AFA96C-BF42-B18A-E6EA-2CC58746410C}"/>
-          </ac:spMkLst>
-        </pc:spChg>
-        <pc:spChg chg="mod">
-          <ac:chgData name="Florent RAVENEL" userId="2f2e9a1aff29c702" providerId="LiveId" clId="{F613443F-DC8E-4D40-B362-51FAAD0F681F}" dt="2025-01-30T17:50:57.759" v="19" actId="26606"/>
-          <ac:spMkLst>
-            <pc:docMk/>
-            <pc:sldMk cId="1256506707" sldId="256"/>
-            <ac:spMk id="3" creationId="{7F96D901-7072-E096-9E66-44CB9B4C9513}"/>
-          </ac:spMkLst>
-        </pc:spChg>
-        <pc:spChg chg="add del">
-          <ac:chgData name="Florent RAVENEL" userId="2f2e9a1aff29c702" providerId="LiveId" clId="{F613443F-DC8E-4D40-B362-51FAAD0F681F}" dt="2025-01-30T17:46:08.447" v="2" actId="26606"/>
-          <ac:spMkLst>
-            <pc:docMk/>
-            <pc:sldMk cId="1256506707" sldId="256"/>
-            <ac:spMk id="10" creationId="{A3363022-C969-41E9-8EB2-E4C94908C1FA}"/>
-          </ac:spMkLst>
-        </pc:spChg>
-        <pc:spChg chg="add del">
-          <ac:chgData name="Florent RAVENEL" userId="2f2e9a1aff29c702" providerId="LiveId" clId="{F613443F-DC8E-4D40-B362-51FAAD0F681F}" dt="2025-01-30T17:46:08.447" v="2" actId="26606"/>
-          <ac:spMkLst>
-            <pc:docMk/>
-            <pc:sldMk cId="1256506707" sldId="256"/>
-            <ac:spMk id="12" creationId="{8D1AD6B3-BE88-4CEB-BA17-790657CC4729}"/>
-          </ac:spMkLst>
-        </pc:spChg>
-        <pc:spChg chg="add del">
-          <ac:chgData name="Florent RAVENEL" userId="2f2e9a1aff29c702" providerId="LiveId" clId="{F613443F-DC8E-4D40-B362-51FAAD0F681F}" dt="2025-01-30T17:46:20.044" v="6" actId="26606"/>
-          <ac:spMkLst>
-            <pc:docMk/>
-            <pc:sldMk cId="1256506707" sldId="256"/>
-            <ac:spMk id="19" creationId="{0671A8AE-40A1-4631-A6B8-581AFF065482}"/>
-          </ac:spMkLst>
-        </pc:spChg>
-        <pc:spChg chg="add del">
-          <ac:chgData name="Florent RAVENEL" userId="2f2e9a1aff29c702" providerId="LiveId" clId="{F613443F-DC8E-4D40-B362-51FAAD0F681F}" dt="2025-01-30T17:46:20.044" v="6" actId="26606"/>
-          <ac:spMkLst>
-            <pc:docMk/>
-            <pc:sldMk cId="1256506707" sldId="256"/>
-            <ac:spMk id="20" creationId="{AB58EF07-17C2-48CF-ABB0-EEF1F17CB8F0}"/>
-          </ac:spMkLst>
-        </pc:spChg>
-        <pc:spChg chg="add del">
-          <ac:chgData name="Florent RAVENEL" userId="2f2e9a1aff29c702" providerId="LiveId" clId="{F613443F-DC8E-4D40-B362-51FAAD0F681F}" dt="2025-01-30T17:46:20.044" v="6" actId="26606"/>
-          <ac:spMkLst>
-            <pc:docMk/>
-            <pc:sldMk cId="1256506707" sldId="256"/>
-            <ac:spMk id="21" creationId="{AF2F604E-43BE-4DC3-B983-E071523364F8}"/>
-          </ac:spMkLst>
-        </pc:spChg>
-        <pc:spChg chg="add del">
-          <ac:chgData name="Florent RAVENEL" userId="2f2e9a1aff29c702" providerId="LiveId" clId="{F613443F-DC8E-4D40-B362-51FAAD0F681F}" dt="2025-01-30T17:46:20.044" v="6" actId="26606"/>
-          <ac:spMkLst>
-            <pc:docMk/>
-            <pc:sldMk cId="1256506707" sldId="256"/>
-            <ac:spMk id="22" creationId="{08C9B587-E65E-4B52-B37C-ABEBB6E87928}"/>
-          </ac:spMkLst>
-        </pc:spChg>
-        <pc:spChg chg="add del">
-          <ac:chgData name="Florent RAVENEL" userId="2f2e9a1aff29c702" providerId="LiveId" clId="{F613443F-DC8E-4D40-B362-51FAAD0F681F}" dt="2025-01-30T17:46:20.044" v="5" actId="26606"/>
-          <ac:spMkLst>
-            <pc:docMk/>
-            <pc:sldMk cId="1256506707" sldId="256"/>
-            <ac:spMk id="27" creationId="{9203DE33-2CD4-4CA8-9AF3-37C3B65133B0}"/>
-          </ac:spMkLst>
-        </pc:spChg>
-        <pc:spChg chg="add del">
-          <ac:chgData name="Florent RAVENEL" userId="2f2e9a1aff29c702" providerId="LiveId" clId="{F613443F-DC8E-4D40-B362-51FAAD0F681F}" dt="2025-01-30T17:46:20.044" v="5" actId="26606"/>
-          <ac:spMkLst>
-            <pc:docMk/>
-            <pc:sldMk cId="1256506707" sldId="256"/>
-            <ac:spMk id="29" creationId="{0AF57B88-1D4C-41FA-A761-EC1DD10C35CB}"/>
-          </ac:spMkLst>
-        </pc:spChg>
-        <pc:spChg chg="add del">
-          <ac:chgData name="Florent RAVENEL" userId="2f2e9a1aff29c702" providerId="LiveId" clId="{F613443F-DC8E-4D40-B362-51FAAD0F681F}" dt="2025-01-30T17:46:20.044" v="5" actId="26606"/>
-          <ac:spMkLst>
-            <pc:docMk/>
-            <pc:sldMk cId="1256506707" sldId="256"/>
-            <ac:spMk id="31" creationId="{D2548F45-5164-4ABB-8212-7F293FDED8D4}"/>
-          </ac:spMkLst>
-        </pc:spChg>
-        <pc:spChg chg="add del">
-          <ac:chgData name="Florent RAVENEL" userId="2f2e9a1aff29c702" providerId="LiveId" clId="{F613443F-DC8E-4D40-B362-51FAAD0F681F}" dt="2025-01-30T17:46:20.044" v="5" actId="26606"/>
-          <ac:spMkLst>
-            <pc:docMk/>
-            <pc:sldMk cId="1256506707" sldId="256"/>
-            <ac:spMk id="33" creationId="{5E81CCFB-7BEF-4186-86FB-D09450B4D02D}"/>
-          </ac:spMkLst>
-        </pc:spChg>
-        <pc:spChg chg="add del">
-          <ac:chgData name="Florent RAVENEL" userId="2f2e9a1aff29c702" providerId="LiveId" clId="{F613443F-DC8E-4D40-B362-51FAAD0F681F}" dt="2025-01-30T17:50:57.759" v="19" actId="26606"/>
-          <ac:spMkLst>
-            <pc:docMk/>
-            <pc:sldMk cId="1256506707" sldId="256"/>
-            <ac:spMk id="35" creationId="{0671A8AE-40A1-4631-A6B8-581AFF065482}"/>
-          </ac:spMkLst>
-        </pc:spChg>
-        <pc:spChg chg="add del">
-          <ac:chgData name="Florent RAVENEL" userId="2f2e9a1aff29c702" providerId="LiveId" clId="{F613443F-DC8E-4D40-B362-51FAAD0F681F}" dt="2025-01-30T17:50:57.759" v="19" actId="26606"/>
-          <ac:spMkLst>
-            <pc:docMk/>
-            <pc:sldMk cId="1256506707" sldId="256"/>
-            <ac:spMk id="36" creationId="{AB58EF07-17C2-48CF-ABB0-EEF1F17CB8F0}"/>
-          </ac:spMkLst>
-        </pc:spChg>
-        <pc:spChg chg="add del">
-          <ac:chgData name="Florent RAVENEL" userId="2f2e9a1aff29c702" providerId="LiveId" clId="{F613443F-DC8E-4D40-B362-51FAAD0F681F}" dt="2025-01-30T17:50:57.759" v="19" actId="26606"/>
-          <ac:spMkLst>
-            <pc:docMk/>
-            <pc:sldMk cId="1256506707" sldId="256"/>
-            <ac:spMk id="37" creationId="{AF2F604E-43BE-4DC3-B983-E071523364F8}"/>
-          </ac:spMkLst>
-        </pc:spChg>
-        <pc:spChg chg="add del">
-          <ac:chgData name="Florent RAVENEL" userId="2f2e9a1aff29c702" providerId="LiveId" clId="{F613443F-DC8E-4D40-B362-51FAAD0F681F}" dt="2025-01-30T17:50:57.759" v="19" actId="26606"/>
-          <ac:spMkLst>
-            <pc:docMk/>
-            <pc:sldMk cId="1256506707" sldId="256"/>
-            <ac:spMk id="38" creationId="{08C9B587-E65E-4B52-B37C-ABEBB6E87928}"/>
-          </ac:spMkLst>
-        </pc:spChg>
-        <pc:spChg chg="add del">
-          <ac:chgData name="Florent RAVENEL" userId="2f2e9a1aff29c702" providerId="LiveId" clId="{F613443F-DC8E-4D40-B362-51FAAD0F681F}" dt="2025-01-30T17:50:57.759" v="19" actId="26606"/>
-          <ac:spMkLst>
-            <pc:docMk/>
-            <pc:sldMk cId="1256506707" sldId="256"/>
-            <ac:spMk id="40" creationId="{5A59F003-E00A-43F9-91DC-CC54E3B87466}"/>
-          </ac:spMkLst>
-        </pc:spChg>
-        <pc:spChg chg="add del">
-          <ac:chgData name="Florent RAVENEL" userId="2f2e9a1aff29c702" providerId="LiveId" clId="{F613443F-DC8E-4D40-B362-51FAAD0F681F}" dt="2025-01-30T17:50:57.759" v="19" actId="26606"/>
-          <ac:spMkLst>
-            <pc:docMk/>
-            <pc:sldMk cId="1256506707" sldId="256"/>
-            <ac:spMk id="41" creationId="{D74A4382-E3AD-430A-9A1F-DFA3E0E77A7D}"/>
-          </ac:spMkLst>
-        </pc:spChg>
-        <pc:spChg chg="add del">
-          <ac:chgData name="Florent RAVENEL" userId="2f2e9a1aff29c702" providerId="LiveId" clId="{F613443F-DC8E-4D40-B362-51FAAD0F681F}" dt="2025-01-30T17:50:16.273" v="10" actId="26606"/>
-          <ac:spMkLst>
-            <pc:docMk/>
-            <pc:sldMk cId="1256506707" sldId="256"/>
-            <ac:spMk id="43" creationId="{27427488-068E-4B55-AC8D-CD070B8CD46D}"/>
-          </ac:spMkLst>
-        </pc:spChg>
-        <pc:spChg chg="add del">
-          <ac:chgData name="Florent RAVENEL" userId="2f2e9a1aff29c702" providerId="LiveId" clId="{F613443F-DC8E-4D40-B362-51FAAD0F681F}" dt="2025-01-30T17:50:57.759" v="19" actId="26606"/>
-          <ac:spMkLst>
-            <pc:docMk/>
-            <pc:sldMk cId="1256506707" sldId="256"/>
-            <ac:spMk id="47" creationId="{79F40191-0F44-4FD1-82CC-ACB507C14BE6}"/>
-          </ac:spMkLst>
-        </pc:spChg>
-        <pc:spChg chg="add del">
-          <ac:chgData name="Florent RAVENEL" userId="2f2e9a1aff29c702" providerId="LiveId" clId="{F613443F-DC8E-4D40-B362-51FAAD0F681F}" dt="2025-01-30T17:50:16.273" v="10" actId="26606"/>
-          <ac:spMkLst>
-            <pc:docMk/>
-            <pc:sldMk cId="1256506707" sldId="256"/>
-            <ac:spMk id="49" creationId="{3FE49A6B-0100-4397-88F8-FE2410D089A8}"/>
-          </ac:spMkLst>
-        </pc:spChg>
-        <pc:spChg chg="add del">
-          <ac:chgData name="Florent RAVENEL" userId="2f2e9a1aff29c702" providerId="LiveId" clId="{F613443F-DC8E-4D40-B362-51FAAD0F681F}" dt="2025-01-30T17:50:16.273" v="10" actId="26606"/>
-          <ac:spMkLst>
-            <pc:docMk/>
-            <pc:sldMk cId="1256506707" sldId="256"/>
-            <ac:spMk id="51" creationId="{A20AF199-99C2-4569-9CAF-24514AE5E82A}"/>
-          </ac:spMkLst>
-        </pc:spChg>
-        <pc:spChg chg="add del">
-          <ac:chgData name="Florent RAVENEL" userId="2f2e9a1aff29c702" providerId="LiveId" clId="{F613443F-DC8E-4D40-B362-51FAAD0F681F}" dt="2025-01-30T17:50:19.004" v="12" actId="26606"/>
-          <ac:spMkLst>
-            <pc:docMk/>
-            <pc:sldMk cId="1256506707" sldId="256"/>
-            <ac:spMk id="53" creationId="{5F18414D-1626-4996-AACB-23D3DE45B03B}"/>
-          </ac:spMkLst>
-        </pc:spChg>
-        <pc:spChg chg="add del">
-          <ac:chgData name="Florent RAVENEL" userId="2f2e9a1aff29c702" providerId="LiveId" clId="{F613443F-DC8E-4D40-B362-51FAAD0F681F}" dt="2025-01-30T17:50:19.004" v="12" actId="26606"/>
-          <ac:spMkLst>
-            <pc:docMk/>
-            <pc:sldMk cId="1256506707" sldId="256"/>
-            <ac:spMk id="55" creationId="{D84C2E9E-0B5D-4B5F-9A1F-70EBDCE39034}"/>
-          </ac:spMkLst>
-        </pc:spChg>
-        <pc:grpChg chg="add del">
-          <ac:chgData name="Florent RAVENEL" userId="2f2e9a1aff29c702" providerId="LiveId" clId="{F613443F-DC8E-4D40-B362-51FAAD0F681F}" dt="2025-01-30T17:46:08.447" v="2" actId="26606"/>
-          <ac:grpSpMkLst>
-            <pc:docMk/>
-            <pc:sldMk cId="1256506707" sldId="256"/>
-            <ac:grpSpMk id="14" creationId="{89D1390B-7E13-4B4F-9CB2-391063412E54}"/>
-          </ac:grpSpMkLst>
-        </pc:grpChg>
-        <pc:picChg chg="add mod ord">
-          <ac:chgData name="Florent RAVENEL" userId="2f2e9a1aff29c702" providerId="LiveId" clId="{F613443F-DC8E-4D40-B362-51FAAD0F681F}" dt="2025-01-30T17:50:57.759" v="19" actId="26606"/>
-          <ac:picMkLst>
-            <pc:docMk/>
-            <pc:sldMk cId="1256506707" sldId="256"/>
-            <ac:picMk id="5" creationId="{24C2E288-0B39-D9EE-30BB-AC7C4E489869}"/>
-          </ac:picMkLst>
-        </pc:picChg>
-        <pc:cxnChg chg="add del">
-          <ac:chgData name="Florent RAVENEL" userId="2f2e9a1aff29c702" providerId="LiveId" clId="{F613443F-DC8E-4D40-B362-51FAAD0F681F}" dt="2025-01-30T17:50:19.004" v="12" actId="26606"/>
-          <ac:cxnSpMkLst>
-            <pc:docMk/>
-            <pc:sldMk cId="1256506707" sldId="256"/>
-            <ac:cxnSpMk id="54" creationId="{07A9243D-8FC3-4B36-874B-55906B03F484}"/>
-          </ac:cxnSpMkLst>
-        </pc:cxnChg>
-      </pc:sldChg>
-      <pc:sldChg chg="addSp delSp modSp mod setBg">
-        <pc:chgData name="Florent RAVENEL" userId="2f2e9a1aff29c702" providerId="LiveId" clId="{F613443F-DC8E-4D40-B362-51FAAD0F681F}" dt="2025-01-30T17:51:07.605" v="20" actId="26606"/>
-        <pc:sldMkLst>
-          <pc:docMk/>
-          <pc:sldMk cId="2627065407" sldId="257"/>
-        </pc:sldMkLst>
-        <pc:spChg chg="mod">
-          <ac:chgData name="Florent RAVENEL" userId="2f2e9a1aff29c702" providerId="LiveId" clId="{F613443F-DC8E-4D40-B362-51FAAD0F681F}" dt="2025-01-30T17:51:07.605" v="20" actId="26606"/>
-          <ac:spMkLst>
-            <pc:docMk/>
-            <pc:sldMk cId="2627065407" sldId="257"/>
-            <ac:spMk id="2" creationId="{DEF16B24-8BEA-F7FD-81A1-3CB673BB86E3}"/>
-          </ac:spMkLst>
-        </pc:spChg>
-        <pc:spChg chg="mod">
-          <ac:chgData name="Florent RAVENEL" userId="2f2e9a1aff29c702" providerId="LiveId" clId="{F613443F-DC8E-4D40-B362-51FAAD0F681F}" dt="2025-01-30T17:51:07.605" v="20" actId="26606"/>
-          <ac:spMkLst>
-            <pc:docMk/>
-            <pc:sldMk cId="2627065407" sldId="257"/>
-            <ac:spMk id="3" creationId="{7AEC15A1-7C6F-782E-1DEC-3D3AC2FCE286}"/>
-          </ac:spMkLst>
-        </pc:spChg>
-        <pc:spChg chg="add del">
-          <ac:chgData name="Florent RAVENEL" userId="2f2e9a1aff29c702" providerId="LiveId" clId="{F613443F-DC8E-4D40-B362-51FAAD0F681F}" dt="2025-01-30T17:51:07.605" v="20" actId="26606"/>
-          <ac:spMkLst>
-            <pc:docMk/>
-            <pc:sldMk cId="2627065407" sldId="257"/>
-            <ac:spMk id="8" creationId="{A7AE9375-4664-4DB2-922D-2782A6E439AC}"/>
-          </ac:spMkLst>
-        </pc:spChg>
-        <pc:spChg chg="add del">
-          <ac:chgData name="Florent RAVENEL" userId="2f2e9a1aff29c702" providerId="LiveId" clId="{F613443F-DC8E-4D40-B362-51FAAD0F681F}" dt="2025-01-30T17:51:07.605" v="20" actId="26606"/>
-          <ac:spMkLst>
-            <pc:docMk/>
-            <pc:sldMk cId="2627065407" sldId="257"/>
-            <ac:spMk id="12" creationId="{9DD005C1-8C51-42D6-9BEE-B9B83849743D}"/>
-          </ac:spMkLst>
-        </pc:spChg>
-        <pc:spChg chg="add del">
-          <ac:chgData name="Florent RAVENEL" userId="2f2e9a1aff29c702" providerId="LiveId" clId="{F613443F-DC8E-4D40-B362-51FAAD0F681F}" dt="2025-01-30T17:51:07.605" v="20" actId="26606"/>
-          <ac:spMkLst>
-            <pc:docMk/>
-            <pc:sldMk cId="2627065407" sldId="257"/>
-            <ac:spMk id="17" creationId="{70DFC902-7D23-471A-B557-B6B6917D7A0D}"/>
-          </ac:spMkLst>
-        </pc:spChg>
-        <pc:spChg chg="add del">
-          <ac:chgData name="Florent RAVENEL" userId="2f2e9a1aff29c702" providerId="LiveId" clId="{F613443F-DC8E-4D40-B362-51FAAD0F681F}" dt="2025-01-30T17:51:07.605" v="20" actId="26606"/>
-          <ac:spMkLst>
-            <pc:docMk/>
-            <pc:sldMk cId="2627065407" sldId="257"/>
-            <ac:spMk id="19" creationId="{A55D5633-D557-4DCA-982C-FF36EB7A1C00}"/>
-          </ac:spMkLst>
-        </pc:spChg>
-        <pc:spChg chg="add del">
-          <ac:chgData name="Florent RAVENEL" userId="2f2e9a1aff29c702" providerId="LiveId" clId="{F613443F-DC8E-4D40-B362-51FAAD0F681F}" dt="2025-01-30T17:51:07.605" v="20" actId="26606"/>
-          <ac:spMkLst>
-            <pc:docMk/>
-            <pc:sldMk cId="2627065407" sldId="257"/>
-            <ac:spMk id="21" creationId="{450D3AD2-FA80-415F-A9CE-54D884561CD7}"/>
-          </ac:spMkLst>
-        </pc:spChg>
-        <pc:cxnChg chg="add del">
-          <ac:chgData name="Florent RAVENEL" userId="2f2e9a1aff29c702" providerId="LiveId" clId="{F613443F-DC8E-4D40-B362-51FAAD0F681F}" dt="2025-01-30T17:51:07.605" v="20" actId="26606"/>
-          <ac:cxnSpMkLst>
-            <pc:docMk/>
-            <pc:sldMk cId="2627065407" sldId="257"/>
-            <ac:cxnSpMk id="10" creationId="{EE504C98-6397-41C1-A8D8-2D9C4ED307E0}"/>
-          </ac:cxnSpMkLst>
-        </pc:cxnChg>
-      </pc:sldChg>
-    </pc:docChg>
-  </pc:docChgLst>
-</pc:chgInfo>
 </file>
 
 <file path=ppt/slideLayouts/slideLayout1.xml><?xml version="1.0" encoding="utf-8"?>
@@ -451,7 +130,7 @@
           <p:cNvPr id="2" name="Title 1">
             <a:extLst>
               <a:ext uri="{FF2B5EF4-FFF2-40B4-BE49-F238E27FC236}">
-                <a16:creationId xmlns:a16="http://schemas.microsoft.com/office/drawing/2014/main" id="{2AFFBCB7-B511-E8EE-E0AB-1E284294D154}"/>
+                <a16:creationId xmlns:a16="http://schemas.microsoft.com/office/drawing/2014/main" id="{C1BFC923-879E-9D1A-C044-20B4F6E3BFCF}"/>
               </a:ext>
             </a:extLst>
           </p:cNvPr>
@@ -488,7 +167,7 @@
           <p:cNvPr id="3" name="Subtitle 2">
             <a:extLst>
               <a:ext uri="{FF2B5EF4-FFF2-40B4-BE49-F238E27FC236}">
-                <a16:creationId xmlns:a16="http://schemas.microsoft.com/office/drawing/2014/main" id="{B1DD33C2-20BA-B673-865D-7F56136E72F1}"/>
+                <a16:creationId xmlns:a16="http://schemas.microsoft.com/office/drawing/2014/main" id="{64E5CCEA-B5F3-43CD-2BC3-CC3E72FD453E}"/>
               </a:ext>
             </a:extLst>
           </p:cNvPr>
@@ -558,7 +237,7 @@
           <p:cNvPr id="4" name="Date Placeholder 3">
             <a:extLst>
               <a:ext uri="{FF2B5EF4-FFF2-40B4-BE49-F238E27FC236}">
-                <a16:creationId xmlns:a16="http://schemas.microsoft.com/office/drawing/2014/main" id="{51F6F5DA-8266-BE4C-72D9-53AA3BADC0D0}"/>
+                <a16:creationId xmlns:a16="http://schemas.microsoft.com/office/drawing/2014/main" id="{0B9F2BC8-1AF6-AF9C-01AC-268ED0398F49}"/>
               </a:ext>
             </a:extLst>
           </p:cNvPr>
@@ -574,9 +253,9 @@
           <a:bodyPr/>
           <a:lstStyle/>
           <a:p>
-            <a:fld id="{819EBBFD-C5B0-4237-8EB7-3C06FAC0B4D4}" type="datetimeFigureOut">
+            <a:fld id="{47BA2DA0-6B40-4D5C-959C-1829054D176C}" type="datetimeFigureOut">
               <a:rPr lang="en-US" smtClean="0"/>
-              <a:t>1/30/2025</a:t>
+              <a:t>2/3/2025</a:t>
             </a:fld>
             <a:endParaRPr lang="en-US"/>
           </a:p>
@@ -587,7 +266,7 @@
           <p:cNvPr id="5" name="Footer Placeholder 4">
             <a:extLst>
               <a:ext uri="{FF2B5EF4-FFF2-40B4-BE49-F238E27FC236}">
-                <a16:creationId xmlns:a16="http://schemas.microsoft.com/office/drawing/2014/main" id="{244D159B-9720-9811-2A96-733FBF03D7EE}"/>
+                <a16:creationId xmlns:a16="http://schemas.microsoft.com/office/drawing/2014/main" id="{4C5962B0-91AD-5324-78C5-A5017A9F47DF}"/>
               </a:ext>
             </a:extLst>
           </p:cNvPr>
@@ -612,7 +291,7 @@
           <p:cNvPr id="6" name="Slide Number Placeholder 5">
             <a:extLst>
               <a:ext uri="{FF2B5EF4-FFF2-40B4-BE49-F238E27FC236}">
-                <a16:creationId xmlns:a16="http://schemas.microsoft.com/office/drawing/2014/main" id="{D24FD922-4DBD-35FF-6B6A-0B25E8C06774}"/>
+                <a16:creationId xmlns:a16="http://schemas.microsoft.com/office/drawing/2014/main" id="{0CA4920A-9B87-CF01-EA59-CA03D3FD6725}"/>
               </a:ext>
             </a:extLst>
           </p:cNvPr>
@@ -628,7 +307,7 @@
           <a:bodyPr/>
           <a:lstStyle/>
           <a:p>
-            <a:fld id="{5EB8AE7A-5D7C-42F9-B0FF-BD6A1C6BD2C9}" type="slidenum">
+            <a:fld id="{5566FF02-50DB-4D95-B327-2A85B84E33F0}" type="slidenum">
               <a:rPr lang="en-US" smtClean="0"/>
               <a:t>‹#›</a:t>
             </a:fld>
@@ -639,7 +318,7 @@
     </p:spTree>
     <p:extLst>
       <p:ext uri="{BB962C8B-B14F-4D97-AF65-F5344CB8AC3E}">
-        <p14:creationId xmlns:p14="http://schemas.microsoft.com/office/powerpoint/2010/main" val="1066573597"/>
+        <p14:creationId xmlns:p14="http://schemas.microsoft.com/office/powerpoint/2010/main" val="1922274378"/>
       </p:ext>
     </p:extLst>
   </p:cSld>
@@ -671,7 +350,7 @@
           <p:cNvPr id="2" name="Title 1">
             <a:extLst>
               <a:ext uri="{FF2B5EF4-FFF2-40B4-BE49-F238E27FC236}">
-                <a16:creationId xmlns:a16="http://schemas.microsoft.com/office/drawing/2014/main" id="{90615D8D-486C-095C-75ED-25DE80F51603}"/>
+                <a16:creationId xmlns:a16="http://schemas.microsoft.com/office/drawing/2014/main" id="{967CCDFB-627A-53A9-479B-D3E61C0D1ED1}"/>
               </a:ext>
             </a:extLst>
           </p:cNvPr>
@@ -699,7 +378,7 @@
           <p:cNvPr id="3" name="Vertical Text Placeholder 2">
             <a:extLst>
               <a:ext uri="{FF2B5EF4-FFF2-40B4-BE49-F238E27FC236}">
-                <a16:creationId xmlns:a16="http://schemas.microsoft.com/office/drawing/2014/main" id="{9158DCD7-CE10-73D1-8843-01D19FC9F489}"/>
+                <a16:creationId xmlns:a16="http://schemas.microsoft.com/office/drawing/2014/main" id="{1B3CA63C-24B6-B1ED-7891-D28751D4AD0A}"/>
               </a:ext>
             </a:extLst>
           </p:cNvPr>
@@ -756,7 +435,7 @@
           <p:cNvPr id="4" name="Date Placeholder 3">
             <a:extLst>
               <a:ext uri="{FF2B5EF4-FFF2-40B4-BE49-F238E27FC236}">
-                <a16:creationId xmlns:a16="http://schemas.microsoft.com/office/drawing/2014/main" id="{FA8A66C9-3558-02EE-2E6D-137CFA28C0CD}"/>
+                <a16:creationId xmlns:a16="http://schemas.microsoft.com/office/drawing/2014/main" id="{AEDD3BF7-7EB9-A748-D127-8CAA830F3BB4}"/>
               </a:ext>
             </a:extLst>
           </p:cNvPr>
@@ -772,9 +451,9 @@
           <a:bodyPr/>
           <a:lstStyle/>
           <a:p>
-            <a:fld id="{819EBBFD-C5B0-4237-8EB7-3C06FAC0B4D4}" type="datetimeFigureOut">
+            <a:fld id="{47BA2DA0-6B40-4D5C-959C-1829054D176C}" type="datetimeFigureOut">
               <a:rPr lang="en-US" smtClean="0"/>
-              <a:t>1/30/2025</a:t>
+              <a:t>2/3/2025</a:t>
             </a:fld>
             <a:endParaRPr lang="en-US"/>
           </a:p>
@@ -785,7 +464,7 @@
           <p:cNvPr id="5" name="Footer Placeholder 4">
             <a:extLst>
               <a:ext uri="{FF2B5EF4-FFF2-40B4-BE49-F238E27FC236}">
-                <a16:creationId xmlns:a16="http://schemas.microsoft.com/office/drawing/2014/main" id="{37F0863A-E930-4145-9145-0596D12135A7}"/>
+                <a16:creationId xmlns:a16="http://schemas.microsoft.com/office/drawing/2014/main" id="{32755CDE-2F32-FC45-17A2-0C79534B2AE5}"/>
               </a:ext>
             </a:extLst>
           </p:cNvPr>
@@ -810,7 +489,7 @@
           <p:cNvPr id="6" name="Slide Number Placeholder 5">
             <a:extLst>
               <a:ext uri="{FF2B5EF4-FFF2-40B4-BE49-F238E27FC236}">
-                <a16:creationId xmlns:a16="http://schemas.microsoft.com/office/drawing/2014/main" id="{54F9A091-45B3-1CBB-6C8B-4AE61FB18FAB}"/>
+                <a16:creationId xmlns:a16="http://schemas.microsoft.com/office/drawing/2014/main" id="{A18C5CE8-48E2-ADD3-EA5B-2FB6956F984E}"/>
               </a:ext>
             </a:extLst>
           </p:cNvPr>
@@ -826,7 +505,7 @@
           <a:bodyPr/>
           <a:lstStyle/>
           <a:p>
-            <a:fld id="{5EB8AE7A-5D7C-42F9-B0FF-BD6A1C6BD2C9}" type="slidenum">
+            <a:fld id="{5566FF02-50DB-4D95-B327-2A85B84E33F0}" type="slidenum">
               <a:rPr lang="en-US" smtClean="0"/>
               <a:t>‹#›</a:t>
             </a:fld>
@@ -837,7 +516,7 @@
     </p:spTree>
     <p:extLst>
       <p:ext uri="{BB962C8B-B14F-4D97-AF65-F5344CB8AC3E}">
-        <p14:creationId xmlns:p14="http://schemas.microsoft.com/office/powerpoint/2010/main" val="2912533488"/>
+        <p14:creationId xmlns:p14="http://schemas.microsoft.com/office/powerpoint/2010/main" val="508222421"/>
       </p:ext>
     </p:extLst>
   </p:cSld>
@@ -869,7 +548,7 @@
           <p:cNvPr id="2" name="Vertical Title 1">
             <a:extLst>
               <a:ext uri="{FF2B5EF4-FFF2-40B4-BE49-F238E27FC236}">
-                <a16:creationId xmlns:a16="http://schemas.microsoft.com/office/drawing/2014/main" id="{B471C261-B868-267D-08A5-0BFDCA7A3B99}"/>
+                <a16:creationId xmlns:a16="http://schemas.microsoft.com/office/drawing/2014/main" id="{0A037669-45DE-85AB-6E86-603BBE176DEC}"/>
               </a:ext>
             </a:extLst>
           </p:cNvPr>
@@ -902,7 +581,7 @@
           <p:cNvPr id="3" name="Vertical Text Placeholder 2">
             <a:extLst>
               <a:ext uri="{FF2B5EF4-FFF2-40B4-BE49-F238E27FC236}">
-                <a16:creationId xmlns:a16="http://schemas.microsoft.com/office/drawing/2014/main" id="{162B8D72-5F18-3E7A-C895-CCDD8E252A1C}"/>
+                <a16:creationId xmlns:a16="http://schemas.microsoft.com/office/drawing/2014/main" id="{DBD01610-AB11-2130-76DB-1545FB1E524C}"/>
               </a:ext>
             </a:extLst>
           </p:cNvPr>
@@ -964,7 +643,7 @@
           <p:cNvPr id="4" name="Date Placeholder 3">
             <a:extLst>
               <a:ext uri="{FF2B5EF4-FFF2-40B4-BE49-F238E27FC236}">
-                <a16:creationId xmlns:a16="http://schemas.microsoft.com/office/drawing/2014/main" id="{E45C7101-6939-B0ED-4E9F-394A2E0434F0}"/>
+                <a16:creationId xmlns:a16="http://schemas.microsoft.com/office/drawing/2014/main" id="{15C15575-B9D8-3153-6A84-61CCB606AF18}"/>
               </a:ext>
             </a:extLst>
           </p:cNvPr>
@@ -980,9 +659,9 @@
           <a:bodyPr/>
           <a:lstStyle/>
           <a:p>
-            <a:fld id="{819EBBFD-C5B0-4237-8EB7-3C06FAC0B4D4}" type="datetimeFigureOut">
+            <a:fld id="{47BA2DA0-6B40-4D5C-959C-1829054D176C}" type="datetimeFigureOut">
               <a:rPr lang="en-US" smtClean="0"/>
-              <a:t>1/30/2025</a:t>
+              <a:t>2/3/2025</a:t>
             </a:fld>
             <a:endParaRPr lang="en-US"/>
           </a:p>
@@ -993,7 +672,7 @@
           <p:cNvPr id="5" name="Footer Placeholder 4">
             <a:extLst>
               <a:ext uri="{FF2B5EF4-FFF2-40B4-BE49-F238E27FC236}">
-                <a16:creationId xmlns:a16="http://schemas.microsoft.com/office/drawing/2014/main" id="{DA363872-147D-7531-F97E-BE7E0238614A}"/>
+                <a16:creationId xmlns:a16="http://schemas.microsoft.com/office/drawing/2014/main" id="{2F9415B1-02FA-8004-46DF-4BB7A8F48DD4}"/>
               </a:ext>
             </a:extLst>
           </p:cNvPr>
@@ -1018,7 +697,7 @@
           <p:cNvPr id="6" name="Slide Number Placeholder 5">
             <a:extLst>
               <a:ext uri="{FF2B5EF4-FFF2-40B4-BE49-F238E27FC236}">
-                <a16:creationId xmlns:a16="http://schemas.microsoft.com/office/drawing/2014/main" id="{79E8A31B-89E2-3BC9-AA51-FA0E7D8A4550}"/>
+                <a16:creationId xmlns:a16="http://schemas.microsoft.com/office/drawing/2014/main" id="{4047B53D-4F8F-6986-4F50-7D6FB019CFE7}"/>
               </a:ext>
             </a:extLst>
           </p:cNvPr>
@@ -1034,7 +713,7 @@
           <a:bodyPr/>
           <a:lstStyle/>
           <a:p>
-            <a:fld id="{5EB8AE7A-5D7C-42F9-B0FF-BD6A1C6BD2C9}" type="slidenum">
+            <a:fld id="{5566FF02-50DB-4D95-B327-2A85B84E33F0}" type="slidenum">
               <a:rPr lang="en-US" smtClean="0"/>
               <a:t>‹#›</a:t>
             </a:fld>
@@ -1045,7 +724,7 @@
     </p:spTree>
     <p:extLst>
       <p:ext uri="{BB962C8B-B14F-4D97-AF65-F5344CB8AC3E}">
-        <p14:creationId xmlns:p14="http://schemas.microsoft.com/office/powerpoint/2010/main" val="1744671906"/>
+        <p14:creationId xmlns:p14="http://schemas.microsoft.com/office/powerpoint/2010/main" val="2488948003"/>
       </p:ext>
     </p:extLst>
   </p:cSld>
@@ -1077,7 +756,7 @@
           <p:cNvPr id="2" name="Title 1">
             <a:extLst>
               <a:ext uri="{FF2B5EF4-FFF2-40B4-BE49-F238E27FC236}">
-                <a16:creationId xmlns:a16="http://schemas.microsoft.com/office/drawing/2014/main" id="{7489939B-B44C-318A-3031-C00FF87DE1AA}"/>
+                <a16:creationId xmlns:a16="http://schemas.microsoft.com/office/drawing/2014/main" id="{E7883517-29F2-8D2B-9F68-6EF08AF54525}"/>
               </a:ext>
             </a:extLst>
           </p:cNvPr>
@@ -1105,7 +784,7 @@
           <p:cNvPr id="3" name="Content Placeholder 2">
             <a:extLst>
               <a:ext uri="{FF2B5EF4-FFF2-40B4-BE49-F238E27FC236}">
-                <a16:creationId xmlns:a16="http://schemas.microsoft.com/office/drawing/2014/main" id="{2E6D9D7E-E4F6-BF1D-582A-5252CAF04143}"/>
+                <a16:creationId xmlns:a16="http://schemas.microsoft.com/office/drawing/2014/main" id="{FABBCE62-FFA5-529A-C841-92F24A958137}"/>
               </a:ext>
             </a:extLst>
           </p:cNvPr>
@@ -1162,7 +841,7 @@
           <p:cNvPr id="4" name="Date Placeholder 3">
             <a:extLst>
               <a:ext uri="{FF2B5EF4-FFF2-40B4-BE49-F238E27FC236}">
-                <a16:creationId xmlns:a16="http://schemas.microsoft.com/office/drawing/2014/main" id="{33F6FDEA-F61D-CEE5-824F-96BF42BC5466}"/>
+                <a16:creationId xmlns:a16="http://schemas.microsoft.com/office/drawing/2014/main" id="{126BEE4E-5679-7CC2-3545-AB0B84951D1C}"/>
               </a:ext>
             </a:extLst>
           </p:cNvPr>
@@ -1178,9 +857,9 @@
           <a:bodyPr/>
           <a:lstStyle/>
           <a:p>
-            <a:fld id="{819EBBFD-C5B0-4237-8EB7-3C06FAC0B4D4}" type="datetimeFigureOut">
+            <a:fld id="{47BA2DA0-6B40-4D5C-959C-1829054D176C}" type="datetimeFigureOut">
               <a:rPr lang="en-US" smtClean="0"/>
-              <a:t>1/30/2025</a:t>
+              <a:t>2/3/2025</a:t>
             </a:fld>
             <a:endParaRPr lang="en-US"/>
           </a:p>
@@ -1191,7 +870,7 @@
           <p:cNvPr id="5" name="Footer Placeholder 4">
             <a:extLst>
               <a:ext uri="{FF2B5EF4-FFF2-40B4-BE49-F238E27FC236}">
-                <a16:creationId xmlns:a16="http://schemas.microsoft.com/office/drawing/2014/main" id="{45722DE4-CB51-CB1D-B05A-9CB12A4FFC9B}"/>
+                <a16:creationId xmlns:a16="http://schemas.microsoft.com/office/drawing/2014/main" id="{8A9AB163-1410-F057-AA70-0873B973CB91}"/>
               </a:ext>
             </a:extLst>
           </p:cNvPr>
@@ -1216,7 +895,7 @@
           <p:cNvPr id="6" name="Slide Number Placeholder 5">
             <a:extLst>
               <a:ext uri="{FF2B5EF4-FFF2-40B4-BE49-F238E27FC236}">
-                <a16:creationId xmlns:a16="http://schemas.microsoft.com/office/drawing/2014/main" id="{610B1E05-927B-F1CB-53EB-858DC2F5BAF7}"/>
+                <a16:creationId xmlns:a16="http://schemas.microsoft.com/office/drawing/2014/main" id="{C6957961-ACB0-A3BB-60CF-3EAC492D73AE}"/>
               </a:ext>
             </a:extLst>
           </p:cNvPr>
@@ -1232,7 +911,7 @@
           <a:bodyPr/>
           <a:lstStyle/>
           <a:p>
-            <a:fld id="{5EB8AE7A-5D7C-42F9-B0FF-BD6A1C6BD2C9}" type="slidenum">
+            <a:fld id="{5566FF02-50DB-4D95-B327-2A85B84E33F0}" type="slidenum">
               <a:rPr lang="en-US" smtClean="0"/>
               <a:t>‹#›</a:t>
             </a:fld>
@@ -1243,7 +922,7 @@
     </p:spTree>
     <p:extLst>
       <p:ext uri="{BB962C8B-B14F-4D97-AF65-F5344CB8AC3E}">
-        <p14:creationId xmlns:p14="http://schemas.microsoft.com/office/powerpoint/2010/main" val="3589075269"/>
+        <p14:creationId xmlns:p14="http://schemas.microsoft.com/office/powerpoint/2010/main" val="1061429986"/>
       </p:ext>
     </p:extLst>
   </p:cSld>
@@ -1275,7 +954,7 @@
           <p:cNvPr id="2" name="Title 1">
             <a:extLst>
               <a:ext uri="{FF2B5EF4-FFF2-40B4-BE49-F238E27FC236}">
-                <a16:creationId xmlns:a16="http://schemas.microsoft.com/office/drawing/2014/main" id="{BDB18B29-66EF-2704-B907-C54A4F4B1500}"/>
+                <a16:creationId xmlns:a16="http://schemas.microsoft.com/office/drawing/2014/main" id="{F2A231DC-54AC-1373-8D2C-DA085A777CC9}"/>
               </a:ext>
             </a:extLst>
           </p:cNvPr>
@@ -1312,7 +991,7 @@
           <p:cNvPr id="3" name="Text Placeholder 2">
             <a:extLst>
               <a:ext uri="{FF2B5EF4-FFF2-40B4-BE49-F238E27FC236}">
-                <a16:creationId xmlns:a16="http://schemas.microsoft.com/office/drawing/2014/main" id="{88976BEC-22CE-13C6-EDDA-C73D61B4B5A0}"/>
+                <a16:creationId xmlns:a16="http://schemas.microsoft.com/office/drawing/2014/main" id="{CC600FEF-2A25-C8D8-CB8B-7D680E3FB612}"/>
               </a:ext>
             </a:extLst>
           </p:cNvPr>
@@ -1437,7 +1116,7 @@
           <p:cNvPr id="4" name="Date Placeholder 3">
             <a:extLst>
               <a:ext uri="{FF2B5EF4-FFF2-40B4-BE49-F238E27FC236}">
-                <a16:creationId xmlns:a16="http://schemas.microsoft.com/office/drawing/2014/main" id="{31D9C101-61EB-E761-A1F8-D5986BE26919}"/>
+                <a16:creationId xmlns:a16="http://schemas.microsoft.com/office/drawing/2014/main" id="{5E938F85-19F1-1117-05E1-06F47660749D}"/>
               </a:ext>
             </a:extLst>
           </p:cNvPr>
@@ -1453,9 +1132,9 @@
           <a:bodyPr/>
           <a:lstStyle/>
           <a:p>
-            <a:fld id="{819EBBFD-C5B0-4237-8EB7-3C06FAC0B4D4}" type="datetimeFigureOut">
+            <a:fld id="{47BA2DA0-6B40-4D5C-959C-1829054D176C}" type="datetimeFigureOut">
               <a:rPr lang="en-US" smtClean="0"/>
-              <a:t>1/30/2025</a:t>
+              <a:t>2/3/2025</a:t>
             </a:fld>
             <a:endParaRPr lang="en-US"/>
           </a:p>
@@ -1466,7 +1145,7 @@
           <p:cNvPr id="5" name="Footer Placeholder 4">
             <a:extLst>
               <a:ext uri="{FF2B5EF4-FFF2-40B4-BE49-F238E27FC236}">
-                <a16:creationId xmlns:a16="http://schemas.microsoft.com/office/drawing/2014/main" id="{310AE1F7-A370-7FC6-D8AB-4C3208795FEA}"/>
+                <a16:creationId xmlns:a16="http://schemas.microsoft.com/office/drawing/2014/main" id="{95A2F30D-09E8-A08F-0A08-20D4F64FAD82}"/>
               </a:ext>
             </a:extLst>
           </p:cNvPr>
@@ -1491,7 +1170,7 @@
           <p:cNvPr id="6" name="Slide Number Placeholder 5">
             <a:extLst>
               <a:ext uri="{FF2B5EF4-FFF2-40B4-BE49-F238E27FC236}">
-                <a16:creationId xmlns:a16="http://schemas.microsoft.com/office/drawing/2014/main" id="{ACB38C53-3472-1773-7C45-98B05BE1EE51}"/>
+                <a16:creationId xmlns:a16="http://schemas.microsoft.com/office/drawing/2014/main" id="{AC9A464C-9BF9-D98D-B102-24A6FC304FC4}"/>
               </a:ext>
             </a:extLst>
           </p:cNvPr>
@@ -1507,7 +1186,7 @@
           <a:bodyPr/>
           <a:lstStyle/>
           <a:p>
-            <a:fld id="{5EB8AE7A-5D7C-42F9-B0FF-BD6A1C6BD2C9}" type="slidenum">
+            <a:fld id="{5566FF02-50DB-4D95-B327-2A85B84E33F0}" type="slidenum">
               <a:rPr lang="en-US" smtClean="0"/>
               <a:t>‹#›</a:t>
             </a:fld>
@@ -1518,7 +1197,7 @@
     </p:spTree>
     <p:extLst>
       <p:ext uri="{BB962C8B-B14F-4D97-AF65-F5344CB8AC3E}">
-        <p14:creationId xmlns:p14="http://schemas.microsoft.com/office/powerpoint/2010/main" val="4000440559"/>
+        <p14:creationId xmlns:p14="http://schemas.microsoft.com/office/powerpoint/2010/main" val="17660345"/>
       </p:ext>
     </p:extLst>
   </p:cSld>
@@ -1550,7 +1229,7 @@
           <p:cNvPr id="2" name="Title 1">
             <a:extLst>
               <a:ext uri="{FF2B5EF4-FFF2-40B4-BE49-F238E27FC236}">
-                <a16:creationId xmlns:a16="http://schemas.microsoft.com/office/drawing/2014/main" id="{A0C70609-3A23-CB58-A8FA-D4AB950F7314}"/>
+                <a16:creationId xmlns:a16="http://schemas.microsoft.com/office/drawing/2014/main" id="{5667C3FD-6B97-955D-D2E4-13A37C37D782}"/>
               </a:ext>
             </a:extLst>
           </p:cNvPr>
@@ -1578,7 +1257,7 @@
           <p:cNvPr id="3" name="Content Placeholder 2">
             <a:extLst>
               <a:ext uri="{FF2B5EF4-FFF2-40B4-BE49-F238E27FC236}">
-                <a16:creationId xmlns:a16="http://schemas.microsoft.com/office/drawing/2014/main" id="{A6E79C27-E00B-7F5C-444E-E1B066B0C570}"/>
+                <a16:creationId xmlns:a16="http://schemas.microsoft.com/office/drawing/2014/main" id="{36286E87-F9EB-ACBE-AEEE-DF6C071D3343}"/>
               </a:ext>
             </a:extLst>
           </p:cNvPr>
@@ -1640,7 +1319,7 @@
           <p:cNvPr id="4" name="Content Placeholder 3">
             <a:extLst>
               <a:ext uri="{FF2B5EF4-FFF2-40B4-BE49-F238E27FC236}">
-                <a16:creationId xmlns:a16="http://schemas.microsoft.com/office/drawing/2014/main" id="{5BCBD3F5-E985-1281-462D-A82EEADBD657}"/>
+                <a16:creationId xmlns:a16="http://schemas.microsoft.com/office/drawing/2014/main" id="{9BEAE065-FD6E-9DBF-329F-E5B4F630F806}"/>
               </a:ext>
             </a:extLst>
           </p:cNvPr>
@@ -1702,7 +1381,7 @@
           <p:cNvPr id="5" name="Date Placeholder 4">
             <a:extLst>
               <a:ext uri="{FF2B5EF4-FFF2-40B4-BE49-F238E27FC236}">
-                <a16:creationId xmlns:a16="http://schemas.microsoft.com/office/drawing/2014/main" id="{B4CA8BFC-029D-B19B-CF3E-0E9098D13A4C}"/>
+                <a16:creationId xmlns:a16="http://schemas.microsoft.com/office/drawing/2014/main" id="{1C35FE96-51E6-06D3-2E75-576F4EC201A1}"/>
               </a:ext>
             </a:extLst>
           </p:cNvPr>
@@ -1718,9 +1397,9 @@
           <a:bodyPr/>
           <a:lstStyle/>
           <a:p>
-            <a:fld id="{819EBBFD-C5B0-4237-8EB7-3C06FAC0B4D4}" type="datetimeFigureOut">
+            <a:fld id="{47BA2DA0-6B40-4D5C-959C-1829054D176C}" type="datetimeFigureOut">
               <a:rPr lang="en-US" smtClean="0"/>
-              <a:t>1/30/2025</a:t>
+              <a:t>2/3/2025</a:t>
             </a:fld>
             <a:endParaRPr lang="en-US"/>
           </a:p>
@@ -1731,7 +1410,7 @@
           <p:cNvPr id="6" name="Footer Placeholder 5">
             <a:extLst>
               <a:ext uri="{FF2B5EF4-FFF2-40B4-BE49-F238E27FC236}">
-                <a16:creationId xmlns:a16="http://schemas.microsoft.com/office/drawing/2014/main" id="{6CAE7A8A-FC5B-9FC9-7F70-0DC7CA68473F}"/>
+                <a16:creationId xmlns:a16="http://schemas.microsoft.com/office/drawing/2014/main" id="{24E6F141-4F66-5FF7-ED66-352BC0162539}"/>
               </a:ext>
             </a:extLst>
           </p:cNvPr>
@@ -1756,7 +1435,7 @@
           <p:cNvPr id="7" name="Slide Number Placeholder 6">
             <a:extLst>
               <a:ext uri="{FF2B5EF4-FFF2-40B4-BE49-F238E27FC236}">
-                <a16:creationId xmlns:a16="http://schemas.microsoft.com/office/drawing/2014/main" id="{4A216C84-FA04-40FA-B1EF-939AB17024CB}"/>
+                <a16:creationId xmlns:a16="http://schemas.microsoft.com/office/drawing/2014/main" id="{3F70C4A3-F306-A51D-B04F-F23AF0CDCE53}"/>
               </a:ext>
             </a:extLst>
           </p:cNvPr>
@@ -1772,7 +1451,7 @@
           <a:bodyPr/>
           <a:lstStyle/>
           <a:p>
-            <a:fld id="{5EB8AE7A-5D7C-42F9-B0FF-BD6A1C6BD2C9}" type="slidenum">
+            <a:fld id="{5566FF02-50DB-4D95-B327-2A85B84E33F0}" type="slidenum">
               <a:rPr lang="en-US" smtClean="0"/>
               <a:t>‹#›</a:t>
             </a:fld>
@@ -1783,7 +1462,7 @@
     </p:spTree>
     <p:extLst>
       <p:ext uri="{BB962C8B-B14F-4D97-AF65-F5344CB8AC3E}">
-        <p14:creationId xmlns:p14="http://schemas.microsoft.com/office/powerpoint/2010/main" val="594493723"/>
+        <p14:creationId xmlns:p14="http://schemas.microsoft.com/office/powerpoint/2010/main" val="2831173972"/>
       </p:ext>
     </p:extLst>
   </p:cSld>
@@ -1815,7 +1494,7 @@
           <p:cNvPr id="2" name="Title 1">
             <a:extLst>
               <a:ext uri="{FF2B5EF4-FFF2-40B4-BE49-F238E27FC236}">
-                <a16:creationId xmlns:a16="http://schemas.microsoft.com/office/drawing/2014/main" id="{9DC46FCE-D2E3-39E7-3C0D-DF7DDF9BA102}"/>
+                <a16:creationId xmlns:a16="http://schemas.microsoft.com/office/drawing/2014/main" id="{7E317442-FC29-3A1A-DE9D-40C810EA4410}"/>
               </a:ext>
             </a:extLst>
           </p:cNvPr>
@@ -1848,7 +1527,7 @@
           <p:cNvPr id="3" name="Text Placeholder 2">
             <a:extLst>
               <a:ext uri="{FF2B5EF4-FFF2-40B4-BE49-F238E27FC236}">
-                <a16:creationId xmlns:a16="http://schemas.microsoft.com/office/drawing/2014/main" id="{7B9E896B-8F64-EC05-DFA4-5D9E691880AC}"/>
+                <a16:creationId xmlns:a16="http://schemas.microsoft.com/office/drawing/2014/main" id="{4F557564-2CD3-6A6C-1434-5E892A485137}"/>
               </a:ext>
             </a:extLst>
           </p:cNvPr>
@@ -1919,7 +1598,7 @@
           <p:cNvPr id="4" name="Content Placeholder 3">
             <a:extLst>
               <a:ext uri="{FF2B5EF4-FFF2-40B4-BE49-F238E27FC236}">
-                <a16:creationId xmlns:a16="http://schemas.microsoft.com/office/drawing/2014/main" id="{1740C69D-BCB6-D811-D332-3355B1F456E1}"/>
+                <a16:creationId xmlns:a16="http://schemas.microsoft.com/office/drawing/2014/main" id="{27D87BF7-5781-987C-0656-58E8EE91E9C8}"/>
               </a:ext>
             </a:extLst>
           </p:cNvPr>
@@ -1981,7 +1660,7 @@
           <p:cNvPr id="5" name="Text Placeholder 4">
             <a:extLst>
               <a:ext uri="{FF2B5EF4-FFF2-40B4-BE49-F238E27FC236}">
-                <a16:creationId xmlns:a16="http://schemas.microsoft.com/office/drawing/2014/main" id="{68AE5977-C835-5451-4C96-67C54EAC8C2D}"/>
+                <a16:creationId xmlns:a16="http://schemas.microsoft.com/office/drawing/2014/main" id="{9AE0C70A-ABB6-BEEB-EEBC-87E76603E27B}"/>
               </a:ext>
             </a:extLst>
           </p:cNvPr>
@@ -2052,7 +1731,7 @@
           <p:cNvPr id="6" name="Content Placeholder 5">
             <a:extLst>
               <a:ext uri="{FF2B5EF4-FFF2-40B4-BE49-F238E27FC236}">
-                <a16:creationId xmlns:a16="http://schemas.microsoft.com/office/drawing/2014/main" id="{B84CCFEA-0CD5-7F22-BB21-24A525252568}"/>
+                <a16:creationId xmlns:a16="http://schemas.microsoft.com/office/drawing/2014/main" id="{AF0437FF-6730-D1D9-D70E-FEDC0B4D96DA}"/>
               </a:ext>
             </a:extLst>
           </p:cNvPr>
@@ -2114,7 +1793,7 @@
           <p:cNvPr id="7" name="Date Placeholder 6">
             <a:extLst>
               <a:ext uri="{FF2B5EF4-FFF2-40B4-BE49-F238E27FC236}">
-                <a16:creationId xmlns:a16="http://schemas.microsoft.com/office/drawing/2014/main" id="{1EB9C9C3-E9CD-4BE9-6CAD-54FEC97AA93C}"/>
+                <a16:creationId xmlns:a16="http://schemas.microsoft.com/office/drawing/2014/main" id="{94AB399E-09E0-9D8D-67BF-303128DB8A6C}"/>
               </a:ext>
             </a:extLst>
           </p:cNvPr>
@@ -2130,9 +1809,9 @@
           <a:bodyPr/>
           <a:lstStyle/>
           <a:p>
-            <a:fld id="{819EBBFD-C5B0-4237-8EB7-3C06FAC0B4D4}" type="datetimeFigureOut">
+            <a:fld id="{47BA2DA0-6B40-4D5C-959C-1829054D176C}" type="datetimeFigureOut">
               <a:rPr lang="en-US" smtClean="0"/>
-              <a:t>1/30/2025</a:t>
+              <a:t>2/3/2025</a:t>
             </a:fld>
             <a:endParaRPr lang="en-US"/>
           </a:p>
@@ -2143,7 +1822,7 @@
           <p:cNvPr id="8" name="Footer Placeholder 7">
             <a:extLst>
               <a:ext uri="{FF2B5EF4-FFF2-40B4-BE49-F238E27FC236}">
-                <a16:creationId xmlns:a16="http://schemas.microsoft.com/office/drawing/2014/main" id="{25C31377-D09D-8244-274F-4AF2AE2DCC35}"/>
+                <a16:creationId xmlns:a16="http://schemas.microsoft.com/office/drawing/2014/main" id="{9D423C52-9560-23E4-4436-EAFB949371DF}"/>
               </a:ext>
             </a:extLst>
           </p:cNvPr>
@@ -2168,7 +1847,7 @@
           <p:cNvPr id="9" name="Slide Number Placeholder 8">
             <a:extLst>
               <a:ext uri="{FF2B5EF4-FFF2-40B4-BE49-F238E27FC236}">
-                <a16:creationId xmlns:a16="http://schemas.microsoft.com/office/drawing/2014/main" id="{E63F7102-663B-93F8-26A6-214978BFF083}"/>
+                <a16:creationId xmlns:a16="http://schemas.microsoft.com/office/drawing/2014/main" id="{2BAB97DF-9675-76A6-E8E3-781FF693BB58}"/>
               </a:ext>
             </a:extLst>
           </p:cNvPr>
@@ -2184,7 +1863,7 @@
           <a:bodyPr/>
           <a:lstStyle/>
           <a:p>
-            <a:fld id="{5EB8AE7A-5D7C-42F9-B0FF-BD6A1C6BD2C9}" type="slidenum">
+            <a:fld id="{5566FF02-50DB-4D95-B327-2A85B84E33F0}" type="slidenum">
               <a:rPr lang="en-US" smtClean="0"/>
               <a:t>‹#›</a:t>
             </a:fld>
@@ -2195,7 +1874,7 @@
     </p:spTree>
     <p:extLst>
       <p:ext uri="{BB962C8B-B14F-4D97-AF65-F5344CB8AC3E}">
-        <p14:creationId xmlns:p14="http://schemas.microsoft.com/office/powerpoint/2010/main" val="2454645457"/>
+        <p14:creationId xmlns:p14="http://schemas.microsoft.com/office/powerpoint/2010/main" val="735421952"/>
       </p:ext>
     </p:extLst>
   </p:cSld>
@@ -2227,7 +1906,7 @@
           <p:cNvPr id="2" name="Title 1">
             <a:extLst>
               <a:ext uri="{FF2B5EF4-FFF2-40B4-BE49-F238E27FC236}">
-                <a16:creationId xmlns:a16="http://schemas.microsoft.com/office/drawing/2014/main" id="{C153C258-230F-0555-AE1E-B9E76EE7A58C}"/>
+                <a16:creationId xmlns:a16="http://schemas.microsoft.com/office/drawing/2014/main" id="{B580723A-3310-43DA-AB78-FC1FFD1BE46D}"/>
               </a:ext>
             </a:extLst>
           </p:cNvPr>
@@ -2255,7 +1934,7 @@
           <p:cNvPr id="3" name="Date Placeholder 2">
             <a:extLst>
               <a:ext uri="{FF2B5EF4-FFF2-40B4-BE49-F238E27FC236}">
-                <a16:creationId xmlns:a16="http://schemas.microsoft.com/office/drawing/2014/main" id="{77DAC90E-3D0F-0311-B590-A6BD63E8BF27}"/>
+                <a16:creationId xmlns:a16="http://schemas.microsoft.com/office/drawing/2014/main" id="{7D415056-824A-7BDA-B588-DE0A9C0B71A2}"/>
               </a:ext>
             </a:extLst>
           </p:cNvPr>
@@ -2271,9 +1950,9 @@
           <a:bodyPr/>
           <a:lstStyle/>
           <a:p>
-            <a:fld id="{819EBBFD-C5B0-4237-8EB7-3C06FAC0B4D4}" type="datetimeFigureOut">
+            <a:fld id="{47BA2DA0-6B40-4D5C-959C-1829054D176C}" type="datetimeFigureOut">
               <a:rPr lang="en-US" smtClean="0"/>
-              <a:t>1/30/2025</a:t>
+              <a:t>2/3/2025</a:t>
             </a:fld>
             <a:endParaRPr lang="en-US"/>
           </a:p>
@@ -2284,7 +1963,7 @@
           <p:cNvPr id="4" name="Footer Placeholder 3">
             <a:extLst>
               <a:ext uri="{FF2B5EF4-FFF2-40B4-BE49-F238E27FC236}">
-                <a16:creationId xmlns:a16="http://schemas.microsoft.com/office/drawing/2014/main" id="{BFB8078E-FCBE-244B-4D68-FF685D4A2DC9}"/>
+                <a16:creationId xmlns:a16="http://schemas.microsoft.com/office/drawing/2014/main" id="{85B8533D-B85A-42FE-5065-71E78783B8F8}"/>
               </a:ext>
             </a:extLst>
           </p:cNvPr>
@@ -2309,7 +1988,7 @@
           <p:cNvPr id="5" name="Slide Number Placeholder 4">
             <a:extLst>
               <a:ext uri="{FF2B5EF4-FFF2-40B4-BE49-F238E27FC236}">
-                <a16:creationId xmlns:a16="http://schemas.microsoft.com/office/drawing/2014/main" id="{CC48E5C1-4ACE-2DF0-BFC0-5B83D5E49A27}"/>
+                <a16:creationId xmlns:a16="http://schemas.microsoft.com/office/drawing/2014/main" id="{D93CAE48-E5C1-AC08-0720-3EEEF110C64E}"/>
               </a:ext>
             </a:extLst>
           </p:cNvPr>
@@ -2325,7 +2004,7 @@
           <a:bodyPr/>
           <a:lstStyle/>
           <a:p>
-            <a:fld id="{5EB8AE7A-5D7C-42F9-B0FF-BD6A1C6BD2C9}" type="slidenum">
+            <a:fld id="{5566FF02-50DB-4D95-B327-2A85B84E33F0}" type="slidenum">
               <a:rPr lang="en-US" smtClean="0"/>
               <a:t>‹#›</a:t>
             </a:fld>
@@ -2336,7 +2015,7 @@
     </p:spTree>
     <p:extLst>
       <p:ext uri="{BB962C8B-B14F-4D97-AF65-F5344CB8AC3E}">
-        <p14:creationId xmlns:p14="http://schemas.microsoft.com/office/powerpoint/2010/main" val="4128437838"/>
+        <p14:creationId xmlns:p14="http://schemas.microsoft.com/office/powerpoint/2010/main" val="638514211"/>
       </p:ext>
     </p:extLst>
   </p:cSld>
@@ -2368,7 +2047,7 @@
           <p:cNvPr id="2" name="Date Placeholder 1">
             <a:extLst>
               <a:ext uri="{FF2B5EF4-FFF2-40B4-BE49-F238E27FC236}">
-                <a16:creationId xmlns:a16="http://schemas.microsoft.com/office/drawing/2014/main" id="{B9AC7086-9FF0-F2B3-0050-F3F11F1F38D4}"/>
+                <a16:creationId xmlns:a16="http://schemas.microsoft.com/office/drawing/2014/main" id="{8D40633F-5D23-3C21-ABAF-45E4518ACA09}"/>
               </a:ext>
             </a:extLst>
           </p:cNvPr>
@@ -2384,9 +2063,9 @@
           <a:bodyPr/>
           <a:lstStyle/>
           <a:p>
-            <a:fld id="{819EBBFD-C5B0-4237-8EB7-3C06FAC0B4D4}" type="datetimeFigureOut">
+            <a:fld id="{47BA2DA0-6B40-4D5C-959C-1829054D176C}" type="datetimeFigureOut">
               <a:rPr lang="en-US" smtClean="0"/>
-              <a:t>1/30/2025</a:t>
+              <a:t>2/3/2025</a:t>
             </a:fld>
             <a:endParaRPr lang="en-US"/>
           </a:p>
@@ -2397,7 +2076,7 @@
           <p:cNvPr id="3" name="Footer Placeholder 2">
             <a:extLst>
               <a:ext uri="{FF2B5EF4-FFF2-40B4-BE49-F238E27FC236}">
-                <a16:creationId xmlns:a16="http://schemas.microsoft.com/office/drawing/2014/main" id="{09D8667A-DEB3-FFFA-B990-29B830C99D3B}"/>
+                <a16:creationId xmlns:a16="http://schemas.microsoft.com/office/drawing/2014/main" id="{ED6CB9B3-CC64-66D4-0DB3-2111B6BFB3CA}"/>
               </a:ext>
             </a:extLst>
           </p:cNvPr>
@@ -2422,7 +2101,7 @@
           <p:cNvPr id="4" name="Slide Number Placeholder 3">
             <a:extLst>
               <a:ext uri="{FF2B5EF4-FFF2-40B4-BE49-F238E27FC236}">
-                <a16:creationId xmlns:a16="http://schemas.microsoft.com/office/drawing/2014/main" id="{36296690-8B0A-C5D7-91C8-2CEEBE5581A5}"/>
+                <a16:creationId xmlns:a16="http://schemas.microsoft.com/office/drawing/2014/main" id="{95E2FC9C-3669-5F07-B55A-A84D091A566F}"/>
               </a:ext>
             </a:extLst>
           </p:cNvPr>
@@ -2438,7 +2117,7 @@
           <a:bodyPr/>
           <a:lstStyle/>
           <a:p>
-            <a:fld id="{5EB8AE7A-5D7C-42F9-B0FF-BD6A1C6BD2C9}" type="slidenum">
+            <a:fld id="{5566FF02-50DB-4D95-B327-2A85B84E33F0}" type="slidenum">
               <a:rPr lang="en-US" smtClean="0"/>
               <a:t>‹#›</a:t>
             </a:fld>
@@ -2449,7 +2128,7 @@
     </p:spTree>
     <p:extLst>
       <p:ext uri="{BB962C8B-B14F-4D97-AF65-F5344CB8AC3E}">
-        <p14:creationId xmlns:p14="http://schemas.microsoft.com/office/powerpoint/2010/main" val="685860304"/>
+        <p14:creationId xmlns:p14="http://schemas.microsoft.com/office/powerpoint/2010/main" val="420101346"/>
       </p:ext>
     </p:extLst>
   </p:cSld>
@@ -2481,7 +2160,7 @@
           <p:cNvPr id="2" name="Title 1">
             <a:extLst>
               <a:ext uri="{FF2B5EF4-FFF2-40B4-BE49-F238E27FC236}">
-                <a16:creationId xmlns:a16="http://schemas.microsoft.com/office/drawing/2014/main" id="{B398CE02-3FC7-FDE4-3B88-61526C853B11}"/>
+                <a16:creationId xmlns:a16="http://schemas.microsoft.com/office/drawing/2014/main" id="{7D653CB2-2057-1D52-E1A8-182D12C2CFCC}"/>
               </a:ext>
             </a:extLst>
           </p:cNvPr>
@@ -2518,7 +2197,7 @@
           <p:cNvPr id="3" name="Content Placeholder 2">
             <a:extLst>
               <a:ext uri="{FF2B5EF4-FFF2-40B4-BE49-F238E27FC236}">
-                <a16:creationId xmlns:a16="http://schemas.microsoft.com/office/drawing/2014/main" id="{B571DF2B-FD14-3BA6-1879-45292973BF74}"/>
+                <a16:creationId xmlns:a16="http://schemas.microsoft.com/office/drawing/2014/main" id="{ACE325F8-1CA5-2EE5-A613-7F639DC6B299}"/>
               </a:ext>
             </a:extLst>
           </p:cNvPr>
@@ -2608,7 +2287,7 @@
           <p:cNvPr id="4" name="Text Placeholder 3">
             <a:extLst>
               <a:ext uri="{FF2B5EF4-FFF2-40B4-BE49-F238E27FC236}">
-                <a16:creationId xmlns:a16="http://schemas.microsoft.com/office/drawing/2014/main" id="{C5150135-18F2-4E01-C8FE-3E45B99AE661}"/>
+                <a16:creationId xmlns:a16="http://schemas.microsoft.com/office/drawing/2014/main" id="{41EA66B4-8408-F8AA-BC8F-09B26C1173A4}"/>
               </a:ext>
             </a:extLst>
           </p:cNvPr>
@@ -2679,7 +2358,7 @@
           <p:cNvPr id="5" name="Date Placeholder 4">
             <a:extLst>
               <a:ext uri="{FF2B5EF4-FFF2-40B4-BE49-F238E27FC236}">
-                <a16:creationId xmlns:a16="http://schemas.microsoft.com/office/drawing/2014/main" id="{772A964D-BC68-40DE-91F0-57D1DF18C927}"/>
+                <a16:creationId xmlns:a16="http://schemas.microsoft.com/office/drawing/2014/main" id="{1FCF3B4F-4A36-C92D-A3AD-8785F0ED93BC}"/>
               </a:ext>
             </a:extLst>
           </p:cNvPr>
@@ -2695,9 +2374,9 @@
           <a:bodyPr/>
           <a:lstStyle/>
           <a:p>
-            <a:fld id="{819EBBFD-C5B0-4237-8EB7-3C06FAC0B4D4}" type="datetimeFigureOut">
+            <a:fld id="{47BA2DA0-6B40-4D5C-959C-1829054D176C}" type="datetimeFigureOut">
               <a:rPr lang="en-US" smtClean="0"/>
-              <a:t>1/30/2025</a:t>
+              <a:t>2/3/2025</a:t>
             </a:fld>
             <a:endParaRPr lang="en-US"/>
           </a:p>
@@ -2708,7 +2387,7 @@
           <p:cNvPr id="6" name="Footer Placeholder 5">
             <a:extLst>
               <a:ext uri="{FF2B5EF4-FFF2-40B4-BE49-F238E27FC236}">
-                <a16:creationId xmlns:a16="http://schemas.microsoft.com/office/drawing/2014/main" id="{C9BA28F4-9839-3CAC-52F8-6BC4A8851828}"/>
+                <a16:creationId xmlns:a16="http://schemas.microsoft.com/office/drawing/2014/main" id="{60D02E80-94CA-D568-9ECD-830E8117CCCD}"/>
               </a:ext>
             </a:extLst>
           </p:cNvPr>
@@ -2733,7 +2412,7 @@
           <p:cNvPr id="7" name="Slide Number Placeholder 6">
             <a:extLst>
               <a:ext uri="{FF2B5EF4-FFF2-40B4-BE49-F238E27FC236}">
-                <a16:creationId xmlns:a16="http://schemas.microsoft.com/office/drawing/2014/main" id="{EFB31A38-D0D7-AD24-9D23-570CB7009228}"/>
+                <a16:creationId xmlns:a16="http://schemas.microsoft.com/office/drawing/2014/main" id="{A1EE804E-1F06-34DE-9401-D0D77BE27F9E}"/>
               </a:ext>
             </a:extLst>
           </p:cNvPr>
@@ -2749,7 +2428,7 @@
           <a:bodyPr/>
           <a:lstStyle/>
           <a:p>
-            <a:fld id="{5EB8AE7A-5D7C-42F9-B0FF-BD6A1C6BD2C9}" type="slidenum">
+            <a:fld id="{5566FF02-50DB-4D95-B327-2A85B84E33F0}" type="slidenum">
               <a:rPr lang="en-US" smtClean="0"/>
               <a:t>‹#›</a:t>
             </a:fld>
@@ -2760,7 +2439,7 @@
     </p:spTree>
     <p:extLst>
       <p:ext uri="{BB962C8B-B14F-4D97-AF65-F5344CB8AC3E}">
-        <p14:creationId xmlns:p14="http://schemas.microsoft.com/office/powerpoint/2010/main" val="3586604266"/>
+        <p14:creationId xmlns:p14="http://schemas.microsoft.com/office/powerpoint/2010/main" val="3380589808"/>
       </p:ext>
     </p:extLst>
   </p:cSld>
@@ -2792,7 +2471,7 @@
           <p:cNvPr id="2" name="Title 1">
             <a:extLst>
               <a:ext uri="{FF2B5EF4-FFF2-40B4-BE49-F238E27FC236}">
-                <a16:creationId xmlns:a16="http://schemas.microsoft.com/office/drawing/2014/main" id="{4E61B23C-1AEC-F495-3ABB-B5C0A86C89F3}"/>
+                <a16:creationId xmlns:a16="http://schemas.microsoft.com/office/drawing/2014/main" id="{3C8C65E8-E192-F76B-2493-512E734C8191}"/>
               </a:ext>
             </a:extLst>
           </p:cNvPr>
@@ -2829,7 +2508,7 @@
           <p:cNvPr id="3" name="Picture Placeholder 2">
             <a:extLst>
               <a:ext uri="{FF2B5EF4-FFF2-40B4-BE49-F238E27FC236}">
-                <a16:creationId xmlns:a16="http://schemas.microsoft.com/office/drawing/2014/main" id="{4DC4D8AB-86B1-E383-30F5-80613F7D399C}"/>
+                <a16:creationId xmlns:a16="http://schemas.microsoft.com/office/drawing/2014/main" id="{0AEB69E6-E221-B893-986E-E822916F9825}"/>
               </a:ext>
             </a:extLst>
           </p:cNvPr>
@@ -2896,7 +2575,7 @@
           <p:cNvPr id="4" name="Text Placeholder 3">
             <a:extLst>
               <a:ext uri="{FF2B5EF4-FFF2-40B4-BE49-F238E27FC236}">
-                <a16:creationId xmlns:a16="http://schemas.microsoft.com/office/drawing/2014/main" id="{D8F3373F-2D0C-C6C7-F4CC-7C266DD6908B}"/>
+                <a16:creationId xmlns:a16="http://schemas.microsoft.com/office/drawing/2014/main" id="{20570733-B8B3-FD35-3C94-C9BDD8372CCD}"/>
               </a:ext>
             </a:extLst>
           </p:cNvPr>
@@ -2967,7 +2646,7 @@
           <p:cNvPr id="5" name="Date Placeholder 4">
             <a:extLst>
               <a:ext uri="{FF2B5EF4-FFF2-40B4-BE49-F238E27FC236}">
-                <a16:creationId xmlns:a16="http://schemas.microsoft.com/office/drawing/2014/main" id="{059CBC1B-E712-E042-9E4D-C447FA86533D}"/>
+                <a16:creationId xmlns:a16="http://schemas.microsoft.com/office/drawing/2014/main" id="{26A0A1D0-2BB4-DAB5-63E3-4E8D5D427023}"/>
               </a:ext>
             </a:extLst>
           </p:cNvPr>
@@ -2983,9 +2662,9 @@
           <a:bodyPr/>
           <a:lstStyle/>
           <a:p>
-            <a:fld id="{819EBBFD-C5B0-4237-8EB7-3C06FAC0B4D4}" type="datetimeFigureOut">
+            <a:fld id="{47BA2DA0-6B40-4D5C-959C-1829054D176C}" type="datetimeFigureOut">
               <a:rPr lang="en-US" smtClean="0"/>
-              <a:t>1/30/2025</a:t>
+              <a:t>2/3/2025</a:t>
             </a:fld>
             <a:endParaRPr lang="en-US"/>
           </a:p>
@@ -2996,7 +2675,7 @@
           <p:cNvPr id="6" name="Footer Placeholder 5">
             <a:extLst>
               <a:ext uri="{FF2B5EF4-FFF2-40B4-BE49-F238E27FC236}">
-                <a16:creationId xmlns:a16="http://schemas.microsoft.com/office/drawing/2014/main" id="{F5FED0D1-30A6-8B7B-406F-B0B92AFA57B5}"/>
+                <a16:creationId xmlns:a16="http://schemas.microsoft.com/office/drawing/2014/main" id="{4F39E4BA-7BC6-5B7E-C7B0-652C36297B08}"/>
               </a:ext>
             </a:extLst>
           </p:cNvPr>
@@ -3021,7 +2700,7 @@
           <p:cNvPr id="7" name="Slide Number Placeholder 6">
             <a:extLst>
               <a:ext uri="{FF2B5EF4-FFF2-40B4-BE49-F238E27FC236}">
-                <a16:creationId xmlns:a16="http://schemas.microsoft.com/office/drawing/2014/main" id="{4BE589A4-3174-917F-D49A-4CAAAFA12A68}"/>
+                <a16:creationId xmlns:a16="http://schemas.microsoft.com/office/drawing/2014/main" id="{5A41B873-71A8-E5C7-0742-37E10EF9F94C}"/>
               </a:ext>
             </a:extLst>
           </p:cNvPr>
@@ -3037,7 +2716,7 @@
           <a:bodyPr/>
           <a:lstStyle/>
           <a:p>
-            <a:fld id="{5EB8AE7A-5D7C-42F9-B0FF-BD6A1C6BD2C9}" type="slidenum">
+            <a:fld id="{5566FF02-50DB-4D95-B327-2A85B84E33F0}" type="slidenum">
               <a:rPr lang="en-US" smtClean="0"/>
               <a:t>‹#›</a:t>
             </a:fld>
@@ -3048,7 +2727,7 @@
     </p:spTree>
     <p:extLst>
       <p:ext uri="{BB962C8B-B14F-4D97-AF65-F5344CB8AC3E}">
-        <p14:creationId xmlns:p14="http://schemas.microsoft.com/office/powerpoint/2010/main" val="2789623833"/>
+        <p14:creationId xmlns:p14="http://schemas.microsoft.com/office/powerpoint/2010/main" val="1741997539"/>
       </p:ext>
     </p:extLst>
   </p:cSld>
@@ -3085,7 +2764,7 @@
           <p:cNvPr id="2" name="Title Placeholder 1">
             <a:extLst>
               <a:ext uri="{FF2B5EF4-FFF2-40B4-BE49-F238E27FC236}">
-                <a16:creationId xmlns:a16="http://schemas.microsoft.com/office/drawing/2014/main" id="{2011A9D2-3E9A-8D91-F581-D0BDC304D862}"/>
+                <a16:creationId xmlns:a16="http://schemas.microsoft.com/office/drawing/2014/main" id="{206021A9-10CA-0806-4761-F2765A8A29CD}"/>
               </a:ext>
             </a:extLst>
           </p:cNvPr>
@@ -3123,7 +2802,7 @@
           <p:cNvPr id="3" name="Text Placeholder 2">
             <a:extLst>
               <a:ext uri="{FF2B5EF4-FFF2-40B4-BE49-F238E27FC236}">
-                <a16:creationId xmlns:a16="http://schemas.microsoft.com/office/drawing/2014/main" id="{649B0288-1F06-826A-7C56-E31A6FFBCD9B}"/>
+                <a16:creationId xmlns:a16="http://schemas.microsoft.com/office/drawing/2014/main" id="{F09497CC-02EE-79B8-5DF7-02F27BFBA572}"/>
               </a:ext>
             </a:extLst>
           </p:cNvPr>
@@ -3190,7 +2869,7 @@
           <p:cNvPr id="4" name="Date Placeholder 3">
             <a:extLst>
               <a:ext uri="{FF2B5EF4-FFF2-40B4-BE49-F238E27FC236}">
-                <a16:creationId xmlns:a16="http://schemas.microsoft.com/office/drawing/2014/main" id="{4510D2D3-8F88-02AE-F0BD-2E5D7D7DD15E}"/>
+                <a16:creationId xmlns:a16="http://schemas.microsoft.com/office/drawing/2014/main" id="{AEC7B2DF-21C9-04B1-E629-A9418D0B955A}"/>
               </a:ext>
             </a:extLst>
           </p:cNvPr>
@@ -3224,9 +2903,9 @@
             </a:lvl1pPr>
           </a:lstStyle>
           <a:p>
-            <a:fld id="{819EBBFD-C5B0-4237-8EB7-3C06FAC0B4D4}" type="datetimeFigureOut">
+            <a:fld id="{47BA2DA0-6B40-4D5C-959C-1829054D176C}" type="datetimeFigureOut">
               <a:rPr lang="en-US" smtClean="0"/>
-              <a:t>1/30/2025</a:t>
+              <a:t>2/3/2025</a:t>
             </a:fld>
             <a:endParaRPr lang="en-US"/>
           </a:p>
@@ -3237,7 +2916,7 @@
           <p:cNvPr id="5" name="Footer Placeholder 4">
             <a:extLst>
               <a:ext uri="{FF2B5EF4-FFF2-40B4-BE49-F238E27FC236}">
-                <a16:creationId xmlns:a16="http://schemas.microsoft.com/office/drawing/2014/main" id="{EE225CD2-37A0-773D-1FFC-7E8512CAD9F5}"/>
+                <a16:creationId xmlns:a16="http://schemas.microsoft.com/office/drawing/2014/main" id="{0A57FD44-B6FC-AA0C-3A9F-B954D050105D}"/>
               </a:ext>
             </a:extLst>
           </p:cNvPr>
@@ -3280,7 +2959,7 @@
           <p:cNvPr id="6" name="Slide Number Placeholder 5">
             <a:extLst>
               <a:ext uri="{FF2B5EF4-FFF2-40B4-BE49-F238E27FC236}">
-                <a16:creationId xmlns:a16="http://schemas.microsoft.com/office/drawing/2014/main" id="{3A0E57F6-A38D-8A22-1B08-F30F7A915326}"/>
+                <a16:creationId xmlns:a16="http://schemas.microsoft.com/office/drawing/2014/main" id="{170572C8-A801-549E-44DC-8C7DED41F119}"/>
               </a:ext>
             </a:extLst>
           </p:cNvPr>
@@ -3314,7 +2993,7 @@
             </a:lvl1pPr>
           </a:lstStyle>
           <a:p>
-            <a:fld id="{5EB8AE7A-5D7C-42F9-B0FF-BD6A1C6BD2C9}" type="slidenum">
+            <a:fld id="{5566FF02-50DB-4D95-B327-2A85B84E33F0}" type="slidenum">
               <a:rPr lang="en-US" smtClean="0"/>
               <a:t>‹#›</a:t>
             </a:fld>
@@ -3325,7 +3004,7 @@
     </p:spTree>
     <p:extLst>
       <p:ext uri="{BB962C8B-B14F-4D97-AF65-F5344CB8AC3E}">
-        <p14:creationId xmlns:p14="http://schemas.microsoft.com/office/powerpoint/2010/main" val="1747069281"/>
+        <p14:creationId xmlns:p14="http://schemas.microsoft.com/office/powerpoint/2010/main" val="2105466100"/>
       </p:ext>
     </p:extLst>
   </p:cSld>
@@ -3629,14 +3308,6 @@
 <file path=ppt/slides/slide1.xml><?xml version="1.0" encoding="utf-8"?>
 <p:sld xmlns:a="http://schemas.openxmlformats.org/drawingml/2006/main" xmlns:r="http://schemas.openxmlformats.org/officeDocument/2006/relationships" xmlns:p="http://schemas.openxmlformats.org/presentationml/2006/main">
   <p:cSld>
-    <p:bg>
-      <p:bgPr>
-        <a:solidFill>
-          <a:schemeClr val="bg1"/>
-        </a:solidFill>
-        <a:effectLst/>
-      </p:bgPr>
-    </p:bg>
     <p:spTree>
       <p:nvGrpSpPr>
         <p:cNvPr id="1" name=""/>
@@ -3651,182 +3322,12 @@
           <a:chExt cx="0" cy="0"/>
         </a:xfrm>
       </p:grpSpPr>
-      <p:sp useBgFill="1">
-        <p:nvSpPr>
-          <p:cNvPr id="35" name="Rectangle 34">
-            <a:extLst>
-              <a:ext uri="{FF2B5EF4-FFF2-40B4-BE49-F238E27FC236}">
-                <a16:creationId xmlns:a16="http://schemas.microsoft.com/office/drawing/2014/main" id="{0671A8AE-40A1-4631-A6B8-581AFF065482}"/>
-              </a:ext>
-              <a:ext uri="{C183D7F6-B498-43B3-948B-1728B52AA6E4}">
-                <adec:decorative xmlns:adec="http://schemas.microsoft.com/office/drawing/2017/decorative" val="1"/>
-              </a:ext>
-            </a:extLst>
-          </p:cNvPr>
-          <p:cNvSpPr>
-            <a:spLocks noGrp="1" noRot="1" noChangeAspect="1" noMove="1" noResize="1" noEditPoints="1" noAdjustHandles="1" noChangeArrowheads="1" noChangeShapeType="1" noTextEdit="1"/>
-          </p:cNvSpPr>
-          <p:nvPr>
-            <p:extLst>
-              <p:ext uri="{386F3935-93C4-4BCD-93E2-E3B085C9AB24}">
-                <p16:designElem xmlns:p16="http://schemas.microsoft.com/office/powerpoint/2015/main" val="1"/>
-              </p:ext>
-            </p:extLst>
-          </p:nvPr>
-        </p:nvSpPr>
-        <p:spPr>
-          <a:xfrm>
-            <a:off x="0" y="0"/>
-            <a:ext cx="12192000" cy="6858000"/>
-          </a:xfrm>
-          <a:prstGeom prst="rect">
-            <a:avLst/>
-          </a:prstGeom>
-          <a:ln>
-            <a:noFill/>
-          </a:ln>
-        </p:spPr>
-        <p:style>
-          <a:lnRef idx="2">
-            <a:schemeClr val="accent1">
-              <a:shade val="50000"/>
-            </a:schemeClr>
-          </a:lnRef>
-          <a:fillRef idx="1">
-            <a:schemeClr val="accent1"/>
-          </a:fillRef>
-          <a:effectRef idx="0">
-            <a:schemeClr val="accent1"/>
-          </a:effectRef>
-          <a:fontRef idx="minor">
-            <a:schemeClr val="lt1"/>
-          </a:fontRef>
-        </p:style>
-        <p:txBody>
-          <a:bodyPr rtlCol="0" anchor="ctr"/>
-          <a:lstStyle/>
-          <a:p>
-            <a:pPr algn="ctr"/>
-            <a:endParaRPr lang="en-US"/>
-          </a:p>
-        </p:txBody>
-      </p:sp>
-      <p:pic>
-        <p:nvPicPr>
-          <p:cNvPr id="5" name="Picture 4">
-            <a:extLst>
-              <a:ext uri="{FF2B5EF4-FFF2-40B4-BE49-F238E27FC236}">
-                <a16:creationId xmlns:a16="http://schemas.microsoft.com/office/drawing/2014/main" id="{24C2E288-0B39-D9EE-30BB-AC7C4E489869}"/>
-              </a:ext>
-            </a:extLst>
-          </p:cNvPr>
-          <p:cNvPicPr>
-            <a:picLocks noChangeAspect="1"/>
-          </p:cNvPicPr>
-          <p:nvPr/>
-        </p:nvPicPr>
-        <p:blipFill>
-          <a:blip r:embed="rId2"/>
-          <a:srcRect t="7796" r="9089" b="4225"/>
-          <a:stretch/>
-        </p:blipFill>
-        <p:spPr>
-          <a:xfrm>
-            <a:off x="3523488" y="10"/>
-            <a:ext cx="8668512" cy="6857990"/>
-          </a:xfrm>
-          <a:prstGeom prst="rect">
-            <a:avLst/>
-          </a:prstGeom>
-        </p:spPr>
-      </p:pic>
-      <p:sp>
-        <p:nvSpPr>
-          <p:cNvPr id="36" name="Rectangle 35">
-            <a:extLst>
-              <a:ext uri="{FF2B5EF4-FFF2-40B4-BE49-F238E27FC236}">
-                <a16:creationId xmlns:a16="http://schemas.microsoft.com/office/drawing/2014/main" id="{AB58EF07-17C2-48CF-ABB0-EEF1F17CB8F0}"/>
-              </a:ext>
-              <a:ext uri="{C183D7F6-B498-43B3-948B-1728B52AA6E4}">
-                <adec:decorative xmlns:adec="http://schemas.microsoft.com/office/drawing/2017/decorative" val="1"/>
-              </a:ext>
-            </a:extLst>
-          </p:cNvPr>
-          <p:cNvSpPr>
-            <a:spLocks noGrp="1" noRot="1" noChangeAspect="1" noMove="1" noResize="1" noEditPoints="1" noAdjustHandles="1" noChangeArrowheads="1" noChangeShapeType="1" noTextEdit="1"/>
-          </p:cNvSpPr>
-          <p:nvPr>
-            <p:extLst>
-              <p:ext uri="{386F3935-93C4-4BCD-93E2-E3B085C9AB24}">
-                <p16:designElem xmlns:p16="http://schemas.microsoft.com/office/powerpoint/2015/main" val="1"/>
-              </p:ext>
-            </p:extLst>
-          </p:nvPr>
-        </p:nvSpPr>
-        <p:spPr>
-          <a:xfrm>
-            <a:off x="3" y="0"/>
-            <a:ext cx="9339206" cy="6858000"/>
-          </a:xfrm>
-          <a:prstGeom prst="rect">
-            <a:avLst/>
-          </a:prstGeom>
-          <a:gradFill>
-            <a:gsLst>
-              <a:gs pos="58000">
-                <a:schemeClr val="tx1"/>
-              </a:gs>
-              <a:gs pos="33000">
-                <a:schemeClr val="tx1">
-                  <a:alpha val="64000"/>
-                </a:schemeClr>
-              </a:gs>
-              <a:gs pos="0">
-                <a:schemeClr val="tx1">
-                  <a:alpha val="0"/>
-                </a:schemeClr>
-              </a:gs>
-              <a:gs pos="100000">
-                <a:schemeClr val="tx1"/>
-              </a:gs>
-            </a:gsLst>
-            <a:lin ang="10800000" scaled="0"/>
-          </a:gradFill>
-          <a:ln>
-            <a:noFill/>
-          </a:ln>
-        </p:spPr>
-        <p:style>
-          <a:lnRef idx="2">
-            <a:schemeClr val="accent1">
-              <a:shade val="50000"/>
-            </a:schemeClr>
-          </a:lnRef>
-          <a:fillRef idx="1">
-            <a:schemeClr val="accent1"/>
-          </a:fillRef>
-          <a:effectRef idx="0">
-            <a:schemeClr val="accent1"/>
-          </a:effectRef>
-          <a:fontRef idx="minor">
-            <a:schemeClr val="lt1"/>
-          </a:fontRef>
-        </p:style>
-        <p:txBody>
-          <a:bodyPr rtlCol="0" anchor="ctr"/>
-          <a:lstStyle/>
-          <a:p>
-            <a:pPr algn="ctr"/>
-            <a:endParaRPr lang="en-US" dirty="0"/>
-          </a:p>
-        </p:txBody>
-      </p:sp>
       <p:sp>
         <p:nvSpPr>
           <p:cNvPr id="2" name="Title 1">
             <a:extLst>
               <a:ext uri="{FF2B5EF4-FFF2-40B4-BE49-F238E27FC236}">
-                <a16:creationId xmlns:a16="http://schemas.microsoft.com/office/drawing/2014/main" id="{53AFA96C-BF42-B18A-E6EA-2CC58746410C}"/>
+                <a16:creationId xmlns:a16="http://schemas.microsoft.com/office/drawing/2014/main" id="{1B6DE579-3AC9-60AD-E392-D148D43D67DD}"/>
               </a:ext>
             </a:extLst>
           </p:cNvPr>
@@ -3837,24 +3338,15 @@
             <p:ph type="ctrTitle"/>
           </p:nvPr>
         </p:nvSpPr>
-        <p:spPr>
-          <a:xfrm>
-            <a:off x="477981" y="1122363"/>
-            <a:ext cx="4023360" cy="3204134"/>
-          </a:xfrm>
-        </p:spPr>
-        <p:txBody>
-          <a:bodyPr anchor="b">
-            <a:normAutofit/>
-          </a:bodyPr>
-          <a:lstStyle/>
-          <a:p>
-            <a:pPr algn="l"/>
-            <a:endParaRPr lang="en-US" sz="4800" dirty="0">
-              <a:solidFill>
-                <a:schemeClr val="bg1"/>
-              </a:solidFill>
-            </a:endParaRPr>
+        <p:spPr/>
+        <p:txBody>
+          <a:bodyPr/>
+          <a:lstStyle/>
+          <a:p>
+            <a:r>
+              <a:rPr lang="en-US" dirty="0"/>
+              <a:t>PRESENTATION TITLE</a:t>
+            </a:r>
           </a:p>
         </p:txBody>
       </p:sp>
@@ -3863,7 +3355,7 @@
           <p:cNvPr id="3" name="Subtitle 2">
             <a:extLst>
               <a:ext uri="{FF2B5EF4-FFF2-40B4-BE49-F238E27FC236}">
-                <a16:creationId xmlns:a16="http://schemas.microsoft.com/office/drawing/2014/main" id="{7F96D901-7072-E096-9E66-44CB9B4C9513}"/>
+                <a16:creationId xmlns:a16="http://schemas.microsoft.com/office/drawing/2014/main" id="{FB50974B-0B16-3329-6F98-DBB7E420A510}"/>
               </a:ext>
             </a:extLst>
           </p:cNvPr>
@@ -3874,192 +3366,22 @@
             <p:ph type="subTitle" idx="1"/>
           </p:nvPr>
         </p:nvSpPr>
-        <p:spPr>
-          <a:xfrm>
-            <a:off x="477980" y="4872922"/>
-            <a:ext cx="4023359" cy="1208141"/>
-          </a:xfrm>
-        </p:spPr>
-        <p:txBody>
-          <a:bodyPr>
-            <a:normAutofit/>
-          </a:bodyPr>
-          <a:lstStyle/>
-          <a:p>
-            <a:pPr algn="l"/>
-            <a:endParaRPr lang="en-US" sz="2000">
-              <a:solidFill>
-                <a:schemeClr val="bg1"/>
-              </a:solidFill>
-            </a:endParaRPr>
-          </a:p>
-        </p:txBody>
-      </p:sp>
-      <p:sp>
-        <p:nvSpPr>
-          <p:cNvPr id="37" name="Rectangle 36">
-            <a:extLst>
-              <a:ext uri="{FF2B5EF4-FFF2-40B4-BE49-F238E27FC236}">
-                <a16:creationId xmlns:a16="http://schemas.microsoft.com/office/drawing/2014/main" id="{AF2F604E-43BE-4DC3-B983-E071523364F8}"/>
-              </a:ext>
-              <a:ext uri="{C183D7F6-B498-43B3-948B-1728B52AA6E4}">
-                <adec:decorative xmlns:adec="http://schemas.microsoft.com/office/drawing/2017/decorative" val="1"/>
-              </a:ext>
-            </a:extLst>
-          </p:cNvPr>
-          <p:cNvSpPr>
-            <a:spLocks noGrp="1" noRot="1" noChangeAspect="1" noMove="1" noResize="1" noEditPoints="1" noAdjustHandles="1" noChangeArrowheads="1" noChangeShapeType="1" noTextEdit="1"/>
-          </p:cNvSpPr>
-          <p:nvPr>
-            <p:extLst>
-              <p:ext uri="{386F3935-93C4-4BCD-93E2-E3B085C9AB24}">
-                <p16:designElem xmlns:p16="http://schemas.microsoft.com/office/powerpoint/2015/main" val="1"/>
-              </p:ext>
-            </p:extLst>
-          </p:nvPr>
-        </p:nvSpPr>
-        <p:spPr>
-          <a:xfrm rot="5400000">
-            <a:off x="759921" y="346791"/>
-            <a:ext cx="146304" cy="704088"/>
-          </a:xfrm>
-          <a:prstGeom prst="rect">
-            <a:avLst/>
-          </a:prstGeom>
-          <a:solidFill>
-            <a:schemeClr val="accent2"/>
-          </a:solidFill>
-          <a:ln>
-            <a:noFill/>
-          </a:ln>
-        </p:spPr>
-        <p:style>
-          <a:lnRef idx="2">
-            <a:schemeClr val="accent1">
-              <a:shade val="50000"/>
-            </a:schemeClr>
-          </a:lnRef>
-          <a:fillRef idx="1">
-            <a:schemeClr val="accent1"/>
-          </a:fillRef>
-          <a:effectRef idx="0">
-            <a:schemeClr val="accent1"/>
-          </a:effectRef>
-          <a:fontRef idx="minor">
-            <a:schemeClr val="lt1"/>
-          </a:fontRef>
-        </p:style>
-        <p:txBody>
-          <a:bodyPr rtlCol="0" anchor="ctr"/>
-          <a:lstStyle/>
-          <a:p>
-            <a:pPr algn="ctr"/>
-            <a:endParaRPr lang="en-US">
-              <a:solidFill>
-                <a:prstClr val="white"/>
-              </a:solidFill>
-              <a:latin typeface="Calibri" panose="020F0502020204030204"/>
-            </a:endParaRPr>
-          </a:p>
-        </p:txBody>
-      </p:sp>
-      <p:sp>
-        <p:nvSpPr>
-          <p:cNvPr id="38" name="Rectangle 37">
-            <a:extLst>
-              <a:ext uri="{FF2B5EF4-FFF2-40B4-BE49-F238E27FC236}">
-                <a16:creationId xmlns:a16="http://schemas.microsoft.com/office/drawing/2014/main" id="{08C9B587-E65E-4B52-B37C-ABEBB6E87928}"/>
-              </a:ext>
-              <a:ext uri="{C183D7F6-B498-43B3-948B-1728B52AA6E4}">
-                <adec:decorative xmlns:adec="http://schemas.microsoft.com/office/drawing/2017/decorative" val="1"/>
-              </a:ext>
-            </a:extLst>
-          </p:cNvPr>
-          <p:cNvSpPr>
-            <a:spLocks noGrp="1" noRot="1" noChangeAspect="1" noMove="1" noResize="1" noEditPoints="1" noAdjustHandles="1" noChangeArrowheads="1" noChangeShapeType="1" noTextEdit="1"/>
-          </p:cNvSpPr>
-          <p:nvPr>
-            <p:extLst>
-              <p:ext uri="{386F3935-93C4-4BCD-93E2-E3B085C9AB24}">
-                <p16:designElem xmlns:p16="http://schemas.microsoft.com/office/powerpoint/2015/main" val="1"/>
-              </p:ext>
-            </p:extLst>
-          </p:nvPr>
-        </p:nvSpPr>
-        <p:spPr>
-          <a:xfrm>
-            <a:off x="481029" y="4546920"/>
-            <a:ext cx="3977640" cy="18288"/>
-          </a:xfrm>
-          <a:prstGeom prst="rect">
-            <a:avLst/>
-          </a:prstGeom>
-          <a:solidFill>
-            <a:schemeClr val="tx1"/>
-          </a:solidFill>
-          <a:ln w="3175">
-            <a:noFill/>
-          </a:ln>
-          <a:effectLst/>
-        </p:spPr>
-        <p:style>
-          <a:lnRef idx="2">
-            <a:schemeClr val="accent1">
-              <a:shade val="50000"/>
-            </a:schemeClr>
-          </a:lnRef>
-          <a:fillRef idx="1">
-            <a:schemeClr val="accent1"/>
-          </a:fillRef>
-          <a:effectRef idx="0">
-            <a:schemeClr val="accent1"/>
-          </a:effectRef>
-          <a:fontRef idx="minor">
-            <a:schemeClr val="lt1"/>
-          </a:fontRef>
-        </p:style>
-        <p:txBody>
-          <a:bodyPr rtlCol="0" anchor="ctr"/>
-          <a:lstStyle/>
-          <a:p>
-            <a:pPr marL="0" marR="0" lvl="0" indent="0" algn="ctr" defTabSz="914400" rtl="0" eaLnBrk="1" fontAlgn="auto" latinLnBrk="0" hangingPunct="1">
-              <a:lnSpc>
-                <a:spcPct val="100000"/>
-              </a:lnSpc>
-              <a:spcBef>
-                <a:spcPts val="0"/>
-              </a:spcBef>
-              <a:spcAft>
-                <a:spcPts val="0"/>
-              </a:spcAft>
-              <a:buClrTx/>
-              <a:buSzTx/>
-              <a:buFontTx/>
-              <a:buNone/>
-              <a:tabLst/>
-              <a:defRPr/>
-            </a:pPr>
-            <a:endParaRPr kumimoji="0" lang="en-US" sz="1800" b="0" i="0" u="none" strike="noStrike" kern="1200" cap="none" spc="0" normalizeH="0" baseline="0" noProof="0">
-              <a:ln>
-                <a:noFill/>
-              </a:ln>
-              <a:solidFill>
-                <a:prstClr val="white"/>
-              </a:solidFill>
-              <a:effectLst/>
-              <a:uLnTx/>
-              <a:uFillTx/>
-              <a:latin typeface="Calibri" panose="020F0502020204030204"/>
-              <a:ea typeface="+mn-ea"/>
-              <a:cs typeface="+mn-cs"/>
-            </a:endParaRPr>
+        <p:spPr/>
+        <p:txBody>
+          <a:bodyPr/>
+          <a:lstStyle/>
+          <a:p>
+            <a:r>
+              <a:rPr lang="en-US" dirty="0"/>
+              <a:t>Presentation subtitle</a:t>
+            </a:r>
           </a:p>
         </p:txBody>
       </p:sp>
     </p:spTree>
     <p:extLst>
       <p:ext uri="{BB962C8B-B14F-4D97-AF65-F5344CB8AC3E}">
-        <p14:creationId xmlns:p14="http://schemas.microsoft.com/office/powerpoint/2010/main" val="1256506707"/>
+        <p14:creationId xmlns:p14="http://schemas.microsoft.com/office/powerpoint/2010/main" val="2051316986"/>
       </p:ext>
     </p:extLst>
   </p:cSld>
@@ -4088,80 +3410,10 @@
       </p:grpSpPr>
       <p:sp>
         <p:nvSpPr>
-          <p:cNvPr id="8" name="Rectangle 7">
-            <a:extLst>
-              <a:ext uri="{FF2B5EF4-FFF2-40B4-BE49-F238E27FC236}">
-                <a16:creationId xmlns:a16="http://schemas.microsoft.com/office/drawing/2014/main" id="{A7AE9375-4664-4DB2-922D-2782A6E439AC}"/>
-              </a:ext>
-              <a:ext uri="{C183D7F6-B498-43B3-948B-1728B52AA6E4}">
-                <adec:decorative xmlns:adec="http://schemas.microsoft.com/office/drawing/2017/decorative" val="1"/>
-              </a:ext>
-            </a:extLst>
-          </p:cNvPr>
-          <p:cNvSpPr>
-            <a:spLocks noGrp="1" noRot="1" noChangeAspect="1" noMove="1" noResize="1" noEditPoints="1" noAdjustHandles="1" noChangeArrowheads="1" noChangeShapeType="1" noTextEdit="1"/>
-          </p:cNvSpPr>
-          <p:nvPr>
-            <p:extLst>
-              <p:ext uri="{386F3935-93C4-4BCD-93E2-E3B085C9AB24}">
-                <p16:designElem xmlns:p16="http://schemas.microsoft.com/office/powerpoint/2015/main" val="1"/>
-              </p:ext>
-            </p:extLst>
-          </p:nvPr>
-        </p:nvSpPr>
-        <p:spPr>
-          <a:xfrm>
-            <a:off x="0" y="0"/>
-            <a:ext cx="12192000" cy="6858000"/>
-          </a:xfrm>
-          <a:prstGeom prst="rect">
-            <a:avLst/>
-          </a:prstGeom>
-          <a:solidFill>
-            <a:schemeClr val="tx1">
-              <a:lumMod val="95000"/>
-              <a:lumOff val="5000"/>
-            </a:schemeClr>
-          </a:solidFill>
-          <a:ln>
-            <a:noFill/>
-          </a:ln>
-        </p:spPr>
-        <p:style>
-          <a:lnRef idx="2">
-            <a:schemeClr val="accent1">
-              <a:shade val="50000"/>
-            </a:schemeClr>
-          </a:lnRef>
-          <a:fillRef idx="1">
-            <a:schemeClr val="accent1"/>
-          </a:fillRef>
-          <a:effectRef idx="0">
-            <a:schemeClr val="accent1"/>
-          </a:effectRef>
-          <a:fontRef idx="minor">
-            <a:schemeClr val="lt1"/>
-          </a:fontRef>
-        </p:style>
-        <p:txBody>
-          <a:bodyPr rtlCol="0" anchor="ctr"/>
-          <a:lstStyle/>
-          <a:p>
-            <a:pPr algn="ctr"/>
-            <a:endParaRPr lang="en-US" dirty="0">
-              <a:solidFill>
-                <a:schemeClr val="tx1"/>
-              </a:solidFill>
-            </a:endParaRPr>
-          </a:p>
-        </p:txBody>
-      </p:sp>
-      <p:sp>
-        <p:nvSpPr>
           <p:cNvPr id="2" name="Title 1">
             <a:extLst>
               <a:ext uri="{FF2B5EF4-FFF2-40B4-BE49-F238E27FC236}">
-                <a16:creationId xmlns:a16="http://schemas.microsoft.com/office/drawing/2014/main" id="{DEF16B24-8BEA-F7FD-81A1-3CB673BB86E3}"/>
+                <a16:creationId xmlns:a16="http://schemas.microsoft.com/office/drawing/2014/main" id="{4E8A55E9-F6FC-338B-0F69-FF34CDD7941B}"/>
               </a:ext>
             </a:extLst>
           </p:cNvPr>
@@ -4172,85 +3424,24 @@
             <p:ph type="title"/>
           </p:nvPr>
         </p:nvSpPr>
-        <p:spPr>
-          <a:xfrm>
-            <a:off x="838200" y="669925"/>
-            <a:ext cx="4508946" cy="1325563"/>
-          </a:xfrm>
-        </p:spPr>
-        <p:txBody>
-          <a:bodyPr anchor="b">
-            <a:normAutofit/>
-          </a:bodyPr>
-          <a:lstStyle/>
-          <a:p>
-            <a:pPr algn="r"/>
-            <a:endParaRPr lang="en-US" dirty="0">
-              <a:solidFill>
-                <a:schemeClr val="bg1"/>
-              </a:solidFill>
-            </a:endParaRPr>
-          </a:p>
-        </p:txBody>
-      </p:sp>
-      <p:cxnSp>
-        <p:nvCxnSpPr>
-          <p:cNvPr id="10" name="Straight Connector 9">
-            <a:extLst>
-              <a:ext uri="{FF2B5EF4-FFF2-40B4-BE49-F238E27FC236}">
-                <a16:creationId xmlns:a16="http://schemas.microsoft.com/office/drawing/2014/main" id="{EE504C98-6397-41C1-A8D8-2D9C4ED307E0}"/>
-              </a:ext>
-              <a:ext uri="{C183D7F6-B498-43B3-948B-1728B52AA6E4}">
-                <adec:decorative xmlns:adec="http://schemas.microsoft.com/office/drawing/2017/decorative" val="1"/>
-              </a:ext>
-            </a:extLst>
-          </p:cNvPr>
-          <p:cNvCxnSpPr>
-            <a:cxnSpLocks noGrp="1" noRot="1" noChangeAspect="1" noMove="1" noResize="1" noEditPoints="1" noAdjustHandles="1" noChangeArrowheads="1" noChangeShapeType="1"/>
-          </p:cNvCxnSpPr>
-          <p:nvPr>
-            <p:extLst>
-              <p:ext uri="{386F3935-93C4-4BCD-93E2-E3B085C9AB24}">
-                <p16:designElem xmlns:p16="http://schemas.microsoft.com/office/powerpoint/2015/main" val="1"/>
-              </p:ext>
-            </p:extLst>
-          </p:nvPr>
-        </p:nvCxnSpPr>
-        <p:spPr>
-          <a:xfrm flipH="1">
-            <a:off x="126210" y="2026340"/>
-            <a:ext cx="5220936" cy="0"/>
-          </a:xfrm>
-          <a:prstGeom prst="line">
-            <a:avLst/>
-          </a:prstGeom>
-          <a:ln w="12700">
-            <a:solidFill>
-              <a:schemeClr val="accent2"/>
-            </a:solidFill>
-          </a:ln>
-        </p:spPr>
-        <p:style>
-          <a:lnRef idx="1">
-            <a:schemeClr val="accent1"/>
-          </a:lnRef>
-          <a:fillRef idx="0">
-            <a:schemeClr val="accent1"/>
-          </a:fillRef>
-          <a:effectRef idx="0">
-            <a:schemeClr val="accent1"/>
-          </a:effectRef>
-          <a:fontRef idx="minor">
-            <a:schemeClr val="tx1"/>
-          </a:fontRef>
-        </p:style>
-      </p:cxnSp>
+        <p:spPr/>
+        <p:txBody>
+          <a:bodyPr/>
+          <a:lstStyle/>
+          <a:p>
+            <a:r>
+              <a:rPr lang="en-US" dirty="0"/>
+              <a:t>SLIDE TITLE	</a:t>
+            </a:r>
+          </a:p>
+        </p:txBody>
+      </p:sp>
       <p:sp>
         <p:nvSpPr>
           <p:cNvPr id="3" name="Content Placeholder 2">
             <a:extLst>
               <a:ext uri="{FF2B5EF4-FFF2-40B4-BE49-F238E27FC236}">
-                <a16:creationId xmlns:a16="http://schemas.microsoft.com/office/drawing/2014/main" id="{7AEC15A1-7C6F-782E-1DEC-3D3AC2FCE286}"/>
+                <a16:creationId xmlns:a16="http://schemas.microsoft.com/office/drawing/2014/main" id="{98578889-30B7-D1A3-FB9B-7E498DE25BF4}"/>
               </a:ext>
             </a:extLst>
           </p:cNvPr>
@@ -4261,93 +3452,22 @@
             <p:ph idx="1"/>
           </p:nvPr>
         </p:nvSpPr>
-        <p:spPr>
-          <a:xfrm>
-            <a:off x="1392667" y="2398957"/>
-            <a:ext cx="9406666" cy="3526144"/>
-          </a:xfrm>
-        </p:spPr>
-        <p:txBody>
-          <a:bodyPr>
-            <a:normAutofit/>
-          </a:bodyPr>
-          <a:lstStyle/>
-          <a:p>
-            <a:endParaRPr lang="en-US" sz="2000">
-              <a:solidFill>
-                <a:schemeClr val="bg1"/>
-              </a:solidFill>
-            </a:endParaRPr>
-          </a:p>
-        </p:txBody>
-      </p:sp>
-      <p:sp>
-        <p:nvSpPr>
-          <p:cNvPr id="12" name="Rectangle 11">
-            <a:extLst>
-              <a:ext uri="{FF2B5EF4-FFF2-40B4-BE49-F238E27FC236}">
-                <a16:creationId xmlns:a16="http://schemas.microsoft.com/office/drawing/2014/main" id="{9DD005C1-8C51-42D6-9BEE-B9B83849743D}"/>
-              </a:ext>
-              <a:ext uri="{C183D7F6-B498-43B3-948B-1728B52AA6E4}">
-                <adec:decorative xmlns:adec="http://schemas.microsoft.com/office/drawing/2017/decorative" val="1"/>
-              </a:ext>
-            </a:extLst>
-          </p:cNvPr>
-          <p:cNvSpPr>
-            <a:spLocks noGrp="1" noRot="1" noChangeAspect="1" noMove="1" noResize="1" noEditPoints="1" noAdjustHandles="1" noChangeArrowheads="1" noChangeShapeType="1" noTextEdit="1"/>
-          </p:cNvSpPr>
-          <p:nvPr>
-            <p:extLst>
-              <p:ext uri="{386F3935-93C4-4BCD-93E2-E3B085C9AB24}">
-                <p16:designElem xmlns:p16="http://schemas.microsoft.com/office/powerpoint/2015/main" val="1"/>
-              </p:ext>
-            </p:extLst>
-          </p:nvPr>
-        </p:nvSpPr>
-        <p:spPr>
-          <a:xfrm>
-            <a:off x="126206" y="115193"/>
-            <a:ext cx="11939588" cy="6627614"/>
-          </a:xfrm>
-          <a:prstGeom prst="rect">
-            <a:avLst/>
-          </a:prstGeom>
-          <a:noFill/>
-          <a:ln w="12700">
-            <a:solidFill>
-              <a:schemeClr val="accent2"/>
-            </a:solidFill>
-          </a:ln>
-        </p:spPr>
-        <p:style>
-          <a:lnRef idx="2">
-            <a:schemeClr val="accent1">
-              <a:shade val="50000"/>
-            </a:schemeClr>
-          </a:lnRef>
-          <a:fillRef idx="1">
-            <a:schemeClr val="accent1"/>
-          </a:fillRef>
-          <a:effectRef idx="0">
-            <a:schemeClr val="accent1"/>
-          </a:effectRef>
-          <a:fontRef idx="minor">
-            <a:schemeClr val="lt1"/>
-          </a:fontRef>
-        </p:style>
-        <p:txBody>
-          <a:bodyPr rtlCol="0" anchor="ctr"/>
-          <a:lstStyle/>
-          <a:p>
-            <a:pPr algn="ctr"/>
-            <a:endParaRPr lang="en-US"/>
+        <p:spPr/>
+        <p:txBody>
+          <a:bodyPr/>
+          <a:lstStyle/>
+          <a:p>
+            <a:r>
+              <a:rPr lang="en-US" dirty="0"/>
+              <a:t>Slide Text</a:t>
+            </a:r>
           </a:p>
         </p:txBody>
       </p:sp>
     </p:spTree>
     <p:extLst>
       <p:ext uri="{BB962C8B-B14F-4D97-AF65-F5344CB8AC3E}">
-        <p14:creationId xmlns:p14="http://schemas.microsoft.com/office/powerpoint/2010/main" val="2627065407"/>
+        <p14:creationId xmlns:p14="http://schemas.microsoft.com/office/powerpoint/2010/main" val="3535055859"/>
       </p:ext>
     </p:extLst>
   </p:cSld>

--- a/assets/PresentationTemplate.pptx
+++ b/assets/PresentationTemplate.pptx
@@ -105,6 +105,11 @@
       </a:defRPr>
     </a:lvl9pPr>
   </p:defaultTextStyle>
+  <p:extLst>
+    <p:ext uri="{EFAFB233-063F-42B5-8137-9DF3F51BA10A}">
+      <p15:sldGuideLst xmlns:p15="http://schemas.microsoft.com/office/powerpoint/2012/main"/>
+    </p:ext>
+  </p:extLst>
 </p:presentation>
 </file>
 
@@ -3459,7 +3464,7 @@
           <a:p>
             <a:r>
               <a:rPr lang="en-US" dirty="0"/>
-              <a:t>Slide Text</a:t>
+              <a:t>Slide Text Bullet List</a:t>
             </a:r>
           </a:p>
         </p:txBody>

--- a/assets/PresentationTemplate.pptx
+++ b/assets/PresentationTemplate.pptx
@@ -7,6 +7,7 @@
   <p:sldIdLst>
     <p:sldId id="256" r:id="rId2"/>
     <p:sldId id="257" r:id="rId3"/>
+    <p:sldId id="258" r:id="rId4"/>
   </p:sldIdLst>
   <p:sldSz cx="12192000" cy="6858000"/>
   <p:notesSz cx="6858000" cy="9144000"/>
@@ -260,7 +261,7 @@
           <a:p>
             <a:fld id="{47BA2DA0-6B40-4D5C-959C-1829054D176C}" type="datetimeFigureOut">
               <a:rPr lang="en-US" smtClean="0"/>
-              <a:t>2/3/2025</a:t>
+              <a:t>2/4/2025</a:t>
             </a:fld>
             <a:endParaRPr lang="en-US"/>
           </a:p>
@@ -458,7 +459,7 @@
           <a:p>
             <a:fld id="{47BA2DA0-6B40-4D5C-959C-1829054D176C}" type="datetimeFigureOut">
               <a:rPr lang="en-US" smtClean="0"/>
-              <a:t>2/3/2025</a:t>
+              <a:t>2/4/2025</a:t>
             </a:fld>
             <a:endParaRPr lang="en-US"/>
           </a:p>
@@ -666,7 +667,7 @@
           <a:p>
             <a:fld id="{47BA2DA0-6B40-4D5C-959C-1829054D176C}" type="datetimeFigureOut">
               <a:rPr lang="en-US" smtClean="0"/>
-              <a:t>2/3/2025</a:t>
+              <a:t>2/4/2025</a:t>
             </a:fld>
             <a:endParaRPr lang="en-US"/>
           </a:p>
@@ -864,7 +865,7 @@
           <a:p>
             <a:fld id="{47BA2DA0-6B40-4D5C-959C-1829054D176C}" type="datetimeFigureOut">
               <a:rPr lang="en-US" smtClean="0"/>
-              <a:t>2/3/2025</a:t>
+              <a:t>2/4/2025</a:t>
             </a:fld>
             <a:endParaRPr lang="en-US"/>
           </a:p>
@@ -1139,7 +1140,7 @@
           <a:p>
             <a:fld id="{47BA2DA0-6B40-4D5C-959C-1829054D176C}" type="datetimeFigureOut">
               <a:rPr lang="en-US" smtClean="0"/>
-              <a:t>2/3/2025</a:t>
+              <a:t>2/4/2025</a:t>
             </a:fld>
             <a:endParaRPr lang="en-US"/>
           </a:p>
@@ -1404,7 +1405,7 @@
           <a:p>
             <a:fld id="{47BA2DA0-6B40-4D5C-959C-1829054D176C}" type="datetimeFigureOut">
               <a:rPr lang="en-US" smtClean="0"/>
-              <a:t>2/3/2025</a:t>
+              <a:t>2/4/2025</a:t>
             </a:fld>
             <a:endParaRPr lang="en-US"/>
           </a:p>
@@ -1816,7 +1817,7 @@
           <a:p>
             <a:fld id="{47BA2DA0-6B40-4D5C-959C-1829054D176C}" type="datetimeFigureOut">
               <a:rPr lang="en-US" smtClean="0"/>
-              <a:t>2/3/2025</a:t>
+              <a:t>2/4/2025</a:t>
             </a:fld>
             <a:endParaRPr lang="en-US"/>
           </a:p>
@@ -1957,7 +1958,7 @@
           <a:p>
             <a:fld id="{47BA2DA0-6B40-4D5C-959C-1829054D176C}" type="datetimeFigureOut">
               <a:rPr lang="en-US" smtClean="0"/>
-              <a:t>2/3/2025</a:t>
+              <a:t>2/4/2025</a:t>
             </a:fld>
             <a:endParaRPr lang="en-US"/>
           </a:p>
@@ -2070,7 +2071,7 @@
           <a:p>
             <a:fld id="{47BA2DA0-6B40-4D5C-959C-1829054D176C}" type="datetimeFigureOut">
               <a:rPr lang="en-US" smtClean="0"/>
-              <a:t>2/3/2025</a:t>
+              <a:t>2/4/2025</a:t>
             </a:fld>
             <a:endParaRPr lang="en-US"/>
           </a:p>
@@ -2381,7 +2382,7 @@
           <a:p>
             <a:fld id="{47BA2DA0-6B40-4D5C-959C-1829054D176C}" type="datetimeFigureOut">
               <a:rPr lang="en-US" smtClean="0"/>
-              <a:t>2/3/2025</a:t>
+              <a:t>2/4/2025</a:t>
             </a:fld>
             <a:endParaRPr lang="en-US"/>
           </a:p>
@@ -2669,7 +2670,7 @@
           <a:p>
             <a:fld id="{47BA2DA0-6B40-4D5C-959C-1829054D176C}" type="datetimeFigureOut">
               <a:rPr lang="en-US" smtClean="0"/>
-              <a:t>2/3/2025</a:t>
+              <a:t>2/4/2025</a:t>
             </a:fld>
             <a:endParaRPr lang="en-US"/>
           </a:p>
@@ -2910,7 +2911,7 @@
           <a:p>
             <a:fld id="{47BA2DA0-6B40-4D5C-959C-1829054D176C}" type="datetimeFigureOut">
               <a:rPr lang="en-US" smtClean="0"/>
-              <a:t>2/3/2025</a:t>
+              <a:t>2/4/2025</a:t>
             </a:fld>
             <a:endParaRPr lang="en-US"/>
           </a:p>
@@ -3313,6 +3314,14 @@
 <file path=ppt/slides/slide1.xml><?xml version="1.0" encoding="utf-8"?>
 <p:sld xmlns:a="http://schemas.openxmlformats.org/drawingml/2006/main" xmlns:r="http://schemas.openxmlformats.org/officeDocument/2006/relationships" xmlns:p="http://schemas.openxmlformats.org/presentationml/2006/main">
   <p:cSld>
+    <p:bg>
+      <p:bgPr>
+        <a:solidFill>
+          <a:schemeClr val="bg1"/>
+        </a:solidFill>
+        <a:effectLst/>
+      </p:bgPr>
+    </p:bg>
     <p:spTree>
       <p:nvGrpSpPr>
         <p:cNvPr id="1" name=""/>
@@ -3327,6 +3336,2611 @@
           <a:chExt cx="0" cy="0"/>
         </a:xfrm>
       </p:grpSpPr>
+      <p:sp useBgFill="1">
+        <p:nvSpPr>
+          <p:cNvPr id="12" name="Rectangle 11">
+            <a:extLst>
+              <a:ext uri="{FF2B5EF4-FFF2-40B4-BE49-F238E27FC236}">
+                <a16:creationId xmlns:a16="http://schemas.microsoft.com/office/drawing/2014/main" id="{3C54F4CE-85F0-46ED-80DA-9518C9251AD1}"/>
+              </a:ext>
+              <a:ext uri="{C183D7F6-B498-43B3-948B-1728B52AA6E4}">
+                <adec:decorative xmlns:adec="http://schemas.microsoft.com/office/drawing/2017/decorative" val="1"/>
+              </a:ext>
+            </a:extLst>
+          </p:cNvPr>
+          <p:cNvSpPr>
+            <a:spLocks noGrp="1" noRot="1" noChangeAspect="1" noMove="1" noResize="1" noEditPoints="1" noAdjustHandles="1" noChangeArrowheads="1" noChangeShapeType="1" noTextEdit="1"/>
+          </p:cNvSpPr>
+          <p:nvPr>
+            <p:extLst>
+              <p:ext uri="{386F3935-93C4-4BCD-93E2-E3B085C9AB24}">
+                <p16:designElem xmlns:p16="http://schemas.microsoft.com/office/powerpoint/2015/main" val="1"/>
+              </p:ext>
+            </p:extLst>
+          </p:nvPr>
+        </p:nvSpPr>
+        <p:spPr>
+          <a:xfrm>
+            <a:off x="0" y="0"/>
+            <a:ext cx="12192000" cy="6858000"/>
+          </a:xfrm>
+          <a:prstGeom prst="rect">
+            <a:avLst/>
+          </a:prstGeom>
+          <a:ln w="12700" cap="flat" cmpd="sng" algn="ctr">
+            <a:noFill/>
+            <a:prstDash val="solid"/>
+            <a:miter lim="800000"/>
+          </a:ln>
+          <a:effectLst/>
+          <a:extLst>
+            <a:ext uri="{91240B29-F687-4F45-9708-019B960494DF}">
+              <a14:hiddenLine xmlns:a14="http://schemas.microsoft.com/office/drawing/2010/main" w="12700" cap="flat" cmpd="sng" algn="ctr">
+                <a:solidFill>
+                  <a:schemeClr val="accent1">
+                    <a:shade val="50000"/>
+                  </a:schemeClr>
+                </a:solidFill>
+                <a:prstDash val="solid"/>
+                <a:miter lim="800000"/>
+              </a14:hiddenLine>
+            </a:ext>
+          </a:extLst>
+        </p:spPr>
+        <p:style>
+          <a:lnRef idx="2">
+            <a:schemeClr val="accent1">
+              <a:shade val="50000"/>
+            </a:schemeClr>
+          </a:lnRef>
+          <a:fillRef idx="1">
+            <a:schemeClr val="accent1"/>
+          </a:fillRef>
+          <a:effectRef idx="0">
+            <a:schemeClr val="accent1"/>
+          </a:effectRef>
+          <a:fontRef idx="minor">
+            <a:schemeClr val="lt1"/>
+          </a:fontRef>
+        </p:style>
+        <p:txBody>
+          <a:bodyPr rtlCol="0" anchor="ctr"/>
+          <a:lstStyle/>
+          <a:p>
+            <a:pPr algn="ctr"/>
+            <a:endParaRPr lang="en-US"/>
+          </a:p>
+        </p:txBody>
+      </p:sp>
+      <p:sp>
+        <p:nvSpPr>
+          <p:cNvPr id="14" name="Freeform: Shape 13">
+            <a:extLst>
+              <a:ext uri="{FF2B5EF4-FFF2-40B4-BE49-F238E27FC236}">
+                <a16:creationId xmlns:a16="http://schemas.microsoft.com/office/drawing/2014/main" id="{DADD1FCA-8ACB-4958-81DD-4CDD6D3E1921}"/>
+              </a:ext>
+              <a:ext uri="{C183D7F6-B498-43B3-948B-1728B52AA6E4}">
+                <adec:decorative xmlns:adec="http://schemas.microsoft.com/office/drawing/2017/decorative" val="1"/>
+              </a:ext>
+            </a:extLst>
+          </p:cNvPr>
+          <p:cNvSpPr>
+            <a:spLocks noGrp="1" noRot="1" noChangeAspect="1" noMove="1" noResize="1" noEditPoints="1" noAdjustHandles="1" noChangeArrowheads="1" noChangeShapeType="1" noTextEdit="1"/>
+          </p:cNvSpPr>
+          <p:nvPr>
+            <p:extLst>
+              <p:ext uri="{386F3935-93C4-4BCD-93E2-E3B085C9AB24}">
+                <p16:designElem xmlns:p16="http://schemas.microsoft.com/office/powerpoint/2015/main" val="1"/>
+              </p:ext>
+            </p:extLst>
+          </p:nvPr>
+        </p:nvSpPr>
+        <p:spPr>
+          <a:xfrm flipH="1">
+            <a:off x="0" y="0"/>
+            <a:ext cx="5802086" cy="6858000"/>
+          </a:xfrm>
+          <a:custGeom>
+            <a:avLst/>
+            <a:gdLst>
+              <a:gd name="connsiteX0" fmla="*/ 5734864 w 5734864"/>
+              <a:gd name="connsiteY0" fmla="*/ 0 h 6858000"/>
+              <a:gd name="connsiteX1" fmla="*/ 771611 w 5734864"/>
+              <a:gd name="connsiteY1" fmla="*/ 0 h 6858000"/>
+              <a:gd name="connsiteX2" fmla="*/ 771679 w 5734864"/>
+              <a:gd name="connsiteY2" fmla="*/ 49108 h 6858000"/>
+              <a:gd name="connsiteX3" fmla="*/ 794248 w 5734864"/>
+              <a:gd name="connsiteY3" fmla="*/ 200968 h 6858000"/>
+              <a:gd name="connsiteX4" fmla="*/ 801749 w 5734864"/>
+              <a:gd name="connsiteY4" fmla="*/ 414071 h 6858000"/>
+              <a:gd name="connsiteX5" fmla="*/ 818548 w 5734864"/>
+              <a:gd name="connsiteY5" fmla="*/ 585467 h 6858000"/>
+              <a:gd name="connsiteX6" fmla="*/ 857476 w 5734864"/>
+              <a:gd name="connsiteY6" fmla="*/ 800623 h 6858000"/>
+              <a:gd name="connsiteX7" fmla="*/ 851083 w 5734864"/>
+              <a:gd name="connsiteY7" fmla="*/ 878903 h 6858000"/>
+              <a:gd name="connsiteX8" fmla="*/ 873564 w 5734864"/>
+              <a:gd name="connsiteY8" fmla="*/ 943826 h 6858000"/>
+              <a:gd name="connsiteX9" fmla="*/ 864705 w 5734864"/>
+              <a:gd name="connsiteY9" fmla="*/ 973328 h 6858000"/>
+              <a:gd name="connsiteX10" fmla="*/ 862869 w 5734864"/>
+              <a:gd name="connsiteY10" fmla="*/ 978457 h 6858000"/>
+              <a:gd name="connsiteX11" fmla="*/ 862233 w 5734864"/>
+              <a:gd name="connsiteY11" fmla="*/ 998041 h 6858000"/>
+              <a:gd name="connsiteX12" fmla="*/ 853665 w 5734864"/>
+              <a:gd name="connsiteY12" fmla="*/ 1004750 h 6858000"/>
+              <a:gd name="connsiteX13" fmla="*/ 846695 w 5734864"/>
+              <a:gd name="connsiteY13" fmla="*/ 1035077 h 6858000"/>
+              <a:gd name="connsiteX14" fmla="*/ 847865 w 5734864"/>
+              <a:gd name="connsiteY14" fmla="*/ 1070795 h 6858000"/>
+              <a:gd name="connsiteX15" fmla="*/ 862786 w 5734864"/>
+              <a:gd name="connsiteY15" fmla="*/ 1238994 h 6858000"/>
+              <a:gd name="connsiteX16" fmla="*/ 859345 w 5734864"/>
+              <a:gd name="connsiteY16" fmla="*/ 1380427 h 6858000"/>
+              <a:gd name="connsiteX17" fmla="*/ 855172 w 5734864"/>
+              <a:gd name="connsiteY17" fmla="*/ 1435262 h 6858000"/>
+              <a:gd name="connsiteX18" fmla="*/ 860494 w 5734864"/>
+              <a:gd name="connsiteY18" fmla="*/ 1453861 h 6858000"/>
+              <a:gd name="connsiteX19" fmla="*/ 853731 w 5734864"/>
+              <a:gd name="connsiteY19" fmla="*/ 1467047 h 6858000"/>
+              <a:gd name="connsiteX20" fmla="*/ 845847 w 5734864"/>
+              <a:gd name="connsiteY20" fmla="*/ 1502307 h 6858000"/>
+              <a:gd name="connsiteX21" fmla="*/ 817613 w 5734864"/>
+              <a:gd name="connsiteY21" fmla="*/ 1565166 h 6858000"/>
+              <a:gd name="connsiteX22" fmla="*/ 804223 w 5734864"/>
+              <a:gd name="connsiteY22" fmla="*/ 1601941 h 6858000"/>
+              <a:gd name="connsiteX23" fmla="*/ 791773 w 5734864"/>
+              <a:gd name="connsiteY23" fmla="*/ 1627005 h 6858000"/>
+              <a:gd name="connsiteX24" fmla="*/ 774645 w 5734864"/>
+              <a:gd name="connsiteY24" fmla="*/ 1699922 h 6858000"/>
+              <a:gd name="connsiteX25" fmla="*/ 752343 w 5734864"/>
+              <a:gd name="connsiteY25" fmla="*/ 1824604 h 6858000"/>
+              <a:gd name="connsiteX26" fmla="*/ 746254 w 5734864"/>
+              <a:gd name="connsiteY26" fmla="*/ 1850222 h 6858000"/>
+              <a:gd name="connsiteX27" fmla="*/ 728600 w 5734864"/>
+              <a:gd name="connsiteY27" fmla="*/ 1869603 h 6858000"/>
+              <a:gd name="connsiteX28" fmla="*/ 724396 w 5734864"/>
+              <a:gd name="connsiteY28" fmla="*/ 1883104 h 6858000"/>
+              <a:gd name="connsiteX29" fmla="*/ 722165 w 5734864"/>
+              <a:gd name="connsiteY29" fmla="*/ 1885924 h 6858000"/>
+              <a:gd name="connsiteX30" fmla="*/ 721338 w 5734864"/>
+              <a:gd name="connsiteY30" fmla="*/ 1887123 h 6858000"/>
+              <a:gd name="connsiteX31" fmla="*/ 714840 w 5734864"/>
+              <a:gd name="connsiteY31" fmla="*/ 1902274 h 6858000"/>
+              <a:gd name="connsiteX32" fmla="*/ 722847 w 5734864"/>
+              <a:gd name="connsiteY32" fmla="*/ 1929891 h 6858000"/>
+              <a:gd name="connsiteX33" fmla="*/ 719647 w 5734864"/>
+              <a:gd name="connsiteY33" fmla="*/ 1936120 h 6858000"/>
+              <a:gd name="connsiteX34" fmla="*/ 714660 w 5734864"/>
+              <a:gd name="connsiteY34" fmla="*/ 1982709 h 6858000"/>
+              <a:gd name="connsiteX35" fmla="*/ 710759 w 5734864"/>
+              <a:gd name="connsiteY35" fmla="*/ 2013010 h 6858000"/>
+              <a:gd name="connsiteX36" fmla="*/ 697927 w 5734864"/>
+              <a:gd name="connsiteY36" fmla="*/ 2069833 h 6858000"/>
+              <a:gd name="connsiteX37" fmla="*/ 693594 w 5734864"/>
+              <a:gd name="connsiteY37" fmla="*/ 2103731 h 6858000"/>
+              <a:gd name="connsiteX38" fmla="*/ 691109 w 5734864"/>
+              <a:gd name="connsiteY38" fmla="*/ 2124027 h 6858000"/>
+              <a:gd name="connsiteX39" fmla="*/ 676593 w 5734864"/>
+              <a:gd name="connsiteY39" fmla="*/ 2176182 h 6858000"/>
+              <a:gd name="connsiteX40" fmla="*/ 633227 w 5734864"/>
+              <a:gd name="connsiteY40" fmla="*/ 2258036 h 6858000"/>
+              <a:gd name="connsiteX41" fmla="*/ 625564 w 5734864"/>
+              <a:gd name="connsiteY41" fmla="*/ 2284567 h 6858000"/>
+              <a:gd name="connsiteX42" fmla="*/ 627074 w 5734864"/>
+              <a:gd name="connsiteY42" fmla="*/ 2289605 h 6858000"/>
+              <a:gd name="connsiteX43" fmla="*/ 614574 w 5734864"/>
+              <a:gd name="connsiteY43" fmla="*/ 2308717 h 6858000"/>
+              <a:gd name="connsiteX44" fmla="*/ 606890 w 5734864"/>
+              <a:gd name="connsiteY44" fmla="*/ 2320662 h 6858000"/>
+              <a:gd name="connsiteX45" fmla="*/ 605558 w 5734864"/>
+              <a:gd name="connsiteY45" fmla="*/ 2327897 h 6858000"/>
+              <a:gd name="connsiteX46" fmla="*/ 602202 w 5734864"/>
+              <a:gd name="connsiteY46" fmla="*/ 2357749 h 6858000"/>
+              <a:gd name="connsiteX47" fmla="*/ 600213 w 5734864"/>
+              <a:gd name="connsiteY47" fmla="*/ 2364905 h 6858000"/>
+              <a:gd name="connsiteX48" fmla="*/ 597160 w 5734864"/>
+              <a:gd name="connsiteY48" fmla="*/ 2388351 h 6858000"/>
+              <a:gd name="connsiteX49" fmla="*/ 597982 w 5734864"/>
+              <a:gd name="connsiteY49" fmla="*/ 2402296 h 6858000"/>
+              <a:gd name="connsiteX50" fmla="*/ 593150 w 5734864"/>
+              <a:gd name="connsiteY50" fmla="*/ 2420015 h 6858000"/>
+              <a:gd name="connsiteX51" fmla="*/ 592833 w 5734864"/>
+              <a:gd name="connsiteY51" fmla="*/ 2422749 h 6858000"/>
+              <a:gd name="connsiteX52" fmla="*/ 594479 w 5734864"/>
+              <a:gd name="connsiteY52" fmla="*/ 2426002 h 6858000"/>
+              <a:gd name="connsiteX53" fmla="*/ 591963 w 5734864"/>
+              <a:gd name="connsiteY53" fmla="*/ 2431950 h 6858000"/>
+              <a:gd name="connsiteX54" fmla="*/ 591544 w 5734864"/>
+              <a:gd name="connsiteY54" fmla="*/ 2433897 h 6858000"/>
+              <a:gd name="connsiteX55" fmla="*/ 589519 w 5734864"/>
+              <a:gd name="connsiteY55" fmla="*/ 2451398 h 6858000"/>
+              <a:gd name="connsiteX56" fmla="*/ 590037 w 5734864"/>
+              <a:gd name="connsiteY56" fmla="*/ 2455536 h 6858000"/>
+              <a:gd name="connsiteX57" fmla="*/ 588179 w 5734864"/>
+              <a:gd name="connsiteY57" fmla="*/ 2462981 h 6858000"/>
+              <a:gd name="connsiteX58" fmla="*/ 583434 w 5734864"/>
+              <a:gd name="connsiteY58" fmla="*/ 2503991 h 6858000"/>
+              <a:gd name="connsiteX59" fmla="*/ 567942 w 5734864"/>
+              <a:gd name="connsiteY59" fmla="*/ 2652936 h 6858000"/>
+              <a:gd name="connsiteX60" fmla="*/ 573869 w 5734864"/>
+              <a:gd name="connsiteY60" fmla="*/ 2670188 h 6858000"/>
+              <a:gd name="connsiteX61" fmla="*/ 575243 w 5734864"/>
+              <a:gd name="connsiteY61" fmla="*/ 2688114 h 6858000"/>
+              <a:gd name="connsiteX62" fmla="*/ 573824 w 5734864"/>
+              <a:gd name="connsiteY62" fmla="*/ 2689856 h 6858000"/>
+              <a:gd name="connsiteX63" fmla="*/ 570699 w 5734864"/>
+              <a:gd name="connsiteY63" fmla="*/ 2709353 h 6858000"/>
+              <a:gd name="connsiteX64" fmla="*/ 573192 w 5734864"/>
+              <a:gd name="connsiteY64" fmla="*/ 2714527 h 6858000"/>
+              <a:gd name="connsiteX65" fmla="*/ 572044 w 5734864"/>
+              <a:gd name="connsiteY65" fmla="*/ 2728187 h 6858000"/>
+              <a:gd name="connsiteX66" fmla="*/ 572465 w 5734864"/>
+              <a:gd name="connsiteY66" fmla="*/ 2755863 h 6858000"/>
+              <a:gd name="connsiteX67" fmla="*/ 570028 w 5734864"/>
+              <a:gd name="connsiteY67" fmla="*/ 2760324 h 6858000"/>
+              <a:gd name="connsiteX68" fmla="*/ 566748 w 5734864"/>
+              <a:gd name="connsiteY68" fmla="*/ 2800948 h 6858000"/>
+              <a:gd name="connsiteX69" fmla="*/ 565509 w 5734864"/>
+              <a:gd name="connsiteY69" fmla="*/ 2801167 h 6858000"/>
+              <a:gd name="connsiteX70" fmla="*/ 559367 w 5734864"/>
+              <a:gd name="connsiteY70" fmla="*/ 2811129 h 6858000"/>
+              <a:gd name="connsiteX71" fmla="*/ 550354 w 5734864"/>
+              <a:gd name="connsiteY71" fmla="*/ 2830949 h 6858000"/>
+              <a:gd name="connsiteX72" fmla="*/ 514795 w 5734864"/>
+              <a:gd name="connsiteY72" fmla="*/ 2872433 h 6858000"/>
+              <a:gd name="connsiteX73" fmla="*/ 509875 w 5734864"/>
+              <a:gd name="connsiteY73" fmla="*/ 2923099 h 6858000"/>
+              <a:gd name="connsiteX74" fmla="*/ 509577 w 5734864"/>
+              <a:gd name="connsiteY74" fmla="*/ 2923197 h 6858000"/>
+              <a:gd name="connsiteX75" fmla="*/ 507597 w 5734864"/>
+              <a:gd name="connsiteY75" fmla="*/ 2931868 h 6858000"/>
+              <a:gd name="connsiteX76" fmla="*/ 507379 w 5734864"/>
+              <a:gd name="connsiteY76" fmla="*/ 2938322 h 6858000"/>
+              <a:gd name="connsiteX77" fmla="*/ 504725 w 5734864"/>
+              <a:gd name="connsiteY77" fmla="*/ 2954519 h 6858000"/>
+              <a:gd name="connsiteX78" fmla="*/ 502018 w 5734864"/>
+              <a:gd name="connsiteY78" fmla="*/ 2959643 h 6858000"/>
+              <a:gd name="connsiteX79" fmla="*/ 498360 w 5734864"/>
+              <a:gd name="connsiteY79" fmla="*/ 2961019 h 6858000"/>
+              <a:gd name="connsiteX80" fmla="*/ 498483 w 5734864"/>
+              <a:gd name="connsiteY80" fmla="*/ 2962590 h 6858000"/>
+              <a:gd name="connsiteX81" fmla="*/ 484403 w 5734864"/>
+              <a:gd name="connsiteY81" fmla="*/ 2990538 h 6858000"/>
+              <a:gd name="connsiteX82" fmla="*/ 463075 w 5734864"/>
+              <a:gd name="connsiteY82" fmla="*/ 3055956 h 6858000"/>
+              <a:gd name="connsiteX83" fmla="*/ 455013 w 5734864"/>
+              <a:gd name="connsiteY83" fmla="*/ 3094482 h 6858000"/>
+              <a:gd name="connsiteX84" fmla="*/ 428391 w 5734864"/>
+              <a:gd name="connsiteY84" fmla="*/ 3198850 h 6858000"/>
+              <a:gd name="connsiteX85" fmla="*/ 401440 w 5734864"/>
+              <a:gd name="connsiteY85" fmla="*/ 3307560 h 6858000"/>
+              <a:gd name="connsiteX86" fmla="*/ 386076 w 5734864"/>
+              <a:gd name="connsiteY86" fmla="*/ 3373943 h 6858000"/>
+              <a:gd name="connsiteX87" fmla="*/ 374726 w 5734864"/>
+              <a:gd name="connsiteY87" fmla="*/ 3381364 h 6858000"/>
+              <a:gd name="connsiteX88" fmla="*/ 369145 w 5734864"/>
+              <a:gd name="connsiteY88" fmla="*/ 3383729 h 6858000"/>
+              <a:gd name="connsiteX89" fmla="*/ 364294 w 5734864"/>
+              <a:gd name="connsiteY89" fmla="*/ 3414159 h 6858000"/>
+              <a:gd name="connsiteX90" fmla="*/ 366450 w 5734864"/>
+              <a:gd name="connsiteY90" fmla="*/ 3436925 h 6858000"/>
+              <a:gd name="connsiteX91" fmla="*/ 351743 w 5734864"/>
+              <a:gd name="connsiteY91" fmla="*/ 3521619 h 6858000"/>
+              <a:gd name="connsiteX92" fmla="*/ 345784 w 5734864"/>
+              <a:gd name="connsiteY92" fmla="*/ 3603757 h 6858000"/>
+              <a:gd name="connsiteX93" fmla="*/ 344198 w 5734864"/>
+              <a:gd name="connsiteY93" fmla="*/ 3652424 h 6858000"/>
+              <a:gd name="connsiteX94" fmla="*/ 352450 w 5734864"/>
+              <a:gd name="connsiteY94" fmla="*/ 3665222 h 6858000"/>
+              <a:gd name="connsiteX95" fmla="*/ 342621 w 5734864"/>
+              <a:gd name="connsiteY95" fmla="*/ 3700804 h 6858000"/>
+              <a:gd name="connsiteX96" fmla="*/ 341514 w 5734864"/>
+              <a:gd name="connsiteY96" fmla="*/ 3734774 h 6858000"/>
+              <a:gd name="connsiteX97" fmla="*/ 340607 w 5734864"/>
+              <a:gd name="connsiteY97" fmla="*/ 3785153 h 6858000"/>
+              <a:gd name="connsiteX98" fmla="*/ 340707 w 5734864"/>
+              <a:gd name="connsiteY98" fmla="*/ 3788177 h 6858000"/>
+              <a:gd name="connsiteX99" fmla="*/ 340361 w 5734864"/>
+              <a:gd name="connsiteY99" fmla="*/ 3798803 h 6858000"/>
+              <a:gd name="connsiteX100" fmla="*/ 339642 w 5734864"/>
+              <a:gd name="connsiteY100" fmla="*/ 3838750 h 6858000"/>
+              <a:gd name="connsiteX101" fmla="*/ 360295 w 5734864"/>
+              <a:gd name="connsiteY101" fmla="*/ 4015196 h 6858000"/>
+              <a:gd name="connsiteX102" fmla="*/ 339043 w 5734864"/>
+              <a:gd name="connsiteY102" fmla="*/ 4052778 h 6858000"/>
+              <a:gd name="connsiteX103" fmla="*/ 339343 w 5734864"/>
+              <a:gd name="connsiteY103" fmla="*/ 4096257 h 6858000"/>
+              <a:gd name="connsiteX104" fmla="*/ 340786 w 5734864"/>
+              <a:gd name="connsiteY104" fmla="*/ 4321136 h 6858000"/>
+              <a:gd name="connsiteX105" fmla="*/ 343158 w 5734864"/>
+              <a:gd name="connsiteY105" fmla="*/ 4429174 h 6858000"/>
+              <a:gd name="connsiteX106" fmla="*/ 334599 w 5734864"/>
+              <a:gd name="connsiteY106" fmla="*/ 4449938 h 6858000"/>
+              <a:gd name="connsiteX107" fmla="*/ 332890 w 5734864"/>
+              <a:gd name="connsiteY107" fmla="*/ 4453515 h 6858000"/>
+              <a:gd name="connsiteX108" fmla="*/ 331105 w 5734864"/>
+              <a:gd name="connsiteY108" fmla="*/ 4467941 h 6858000"/>
+              <a:gd name="connsiteX109" fmla="*/ 324289 w 5734864"/>
+              <a:gd name="connsiteY109" fmla="*/ 4471861 h 6858000"/>
+              <a:gd name="connsiteX110" fmla="*/ 317079 w 5734864"/>
+              <a:gd name="connsiteY110" fmla="*/ 4493468 h 6858000"/>
+              <a:gd name="connsiteX111" fmla="*/ 315557 w 5734864"/>
+              <a:gd name="connsiteY111" fmla="*/ 4520067 h 6858000"/>
+              <a:gd name="connsiteX112" fmla="*/ 315240 w 5734864"/>
+              <a:gd name="connsiteY112" fmla="*/ 4536872 h 6858000"/>
+              <a:gd name="connsiteX113" fmla="*/ 316200 w 5734864"/>
+              <a:gd name="connsiteY113" fmla="*/ 4538297 h 6858000"/>
+              <a:gd name="connsiteX114" fmla="*/ 317507 w 5734864"/>
+              <a:gd name="connsiteY114" fmla="*/ 4547582 h 6858000"/>
+              <a:gd name="connsiteX115" fmla="*/ 323078 w 5734864"/>
+              <a:gd name="connsiteY115" fmla="*/ 4592102 h 6858000"/>
+              <a:gd name="connsiteX116" fmla="*/ 328722 w 5734864"/>
+              <a:gd name="connsiteY116" fmla="*/ 4667914 h 6858000"/>
+              <a:gd name="connsiteX117" fmla="*/ 335597 w 5734864"/>
+              <a:gd name="connsiteY117" fmla="*/ 4695035 h 6858000"/>
+              <a:gd name="connsiteX118" fmla="*/ 339485 w 5734864"/>
+              <a:gd name="connsiteY118" fmla="*/ 4695979 h 6858000"/>
+              <a:gd name="connsiteX119" fmla="*/ 341089 w 5734864"/>
+              <a:gd name="connsiteY119" fmla="*/ 4704268 h 6858000"/>
+              <a:gd name="connsiteX120" fmla="*/ 342177 w 5734864"/>
+              <a:gd name="connsiteY120" fmla="*/ 4706060 h 6858000"/>
+              <a:gd name="connsiteX121" fmla="*/ 347751 w 5734864"/>
+              <a:gd name="connsiteY121" fmla="*/ 4716754 h 6858000"/>
+              <a:gd name="connsiteX122" fmla="*/ 344125 w 5734864"/>
+              <a:gd name="connsiteY122" fmla="*/ 4764669 h 6858000"/>
+              <a:gd name="connsiteX123" fmla="*/ 340188 w 5734864"/>
+              <a:gd name="connsiteY123" fmla="*/ 4779386 h 6858000"/>
+              <a:gd name="connsiteX124" fmla="*/ 335146 w 5734864"/>
+              <a:gd name="connsiteY124" fmla="*/ 4787491 h 6858000"/>
+              <a:gd name="connsiteX125" fmla="*/ 319124 w 5734864"/>
+              <a:gd name="connsiteY125" fmla="*/ 4843514 h 6858000"/>
+              <a:gd name="connsiteX126" fmla="*/ 305956 w 5734864"/>
+              <a:gd name="connsiteY126" fmla="*/ 4881505 h 6858000"/>
+              <a:gd name="connsiteX127" fmla="*/ 301062 w 5734864"/>
+              <a:gd name="connsiteY127" fmla="*/ 4889332 h 6858000"/>
+              <a:gd name="connsiteX128" fmla="*/ 302141 w 5734864"/>
+              <a:gd name="connsiteY128" fmla="*/ 4899400 h 6858000"/>
+              <a:gd name="connsiteX129" fmla="*/ 304424 w 5734864"/>
+              <a:gd name="connsiteY129" fmla="*/ 4902664 h 6858000"/>
+              <a:gd name="connsiteX130" fmla="*/ 293123 w 5734864"/>
+              <a:gd name="connsiteY130" fmla="*/ 4932769 h 6858000"/>
+              <a:gd name="connsiteX131" fmla="*/ 292275 w 5734864"/>
+              <a:gd name="connsiteY131" fmla="*/ 4936482 h 6858000"/>
+              <a:gd name="connsiteX132" fmla="*/ 288304 w 5734864"/>
+              <a:gd name="connsiteY132" fmla="*/ 4962325 h 6858000"/>
+              <a:gd name="connsiteX133" fmla="*/ 287420 w 5734864"/>
+              <a:gd name="connsiteY133" fmla="*/ 5042193 h 6858000"/>
+              <a:gd name="connsiteX134" fmla="*/ 287020 w 5734864"/>
+              <a:gd name="connsiteY134" fmla="*/ 5065655 h 6858000"/>
+              <a:gd name="connsiteX135" fmla="*/ 288488 w 5734864"/>
+              <a:gd name="connsiteY135" fmla="*/ 5082216 h 6858000"/>
+              <a:gd name="connsiteX136" fmla="*/ 282763 w 5734864"/>
+              <a:gd name="connsiteY136" fmla="*/ 5127114 h 6858000"/>
+              <a:gd name="connsiteX137" fmla="*/ 269316 w 5734864"/>
+              <a:gd name="connsiteY137" fmla="*/ 5202682 h 6858000"/>
+              <a:gd name="connsiteX138" fmla="*/ 269174 w 5734864"/>
+              <a:gd name="connsiteY138" fmla="*/ 5230835 h 6858000"/>
+              <a:gd name="connsiteX139" fmla="*/ 272679 w 5734864"/>
+              <a:gd name="connsiteY139" fmla="*/ 5232660 h 6858000"/>
+              <a:gd name="connsiteX140" fmla="*/ 272160 w 5734864"/>
+              <a:gd name="connsiteY140" fmla="*/ 5241150 h 6858000"/>
+              <a:gd name="connsiteX141" fmla="*/ 272760 w 5734864"/>
+              <a:gd name="connsiteY141" fmla="*/ 5243156 h 6858000"/>
+              <a:gd name="connsiteX142" fmla="*/ 275462 w 5734864"/>
+              <a:gd name="connsiteY142" fmla="*/ 5254919 h 6858000"/>
+              <a:gd name="connsiteX143" fmla="*/ 262897 w 5734864"/>
+              <a:gd name="connsiteY143" fmla="*/ 5286259 h 6858000"/>
+              <a:gd name="connsiteX144" fmla="*/ 252761 w 5734864"/>
+              <a:gd name="connsiteY144" fmla="*/ 5357801 h 6858000"/>
+              <a:gd name="connsiteX145" fmla="*/ 242360 w 5734864"/>
+              <a:gd name="connsiteY145" fmla="*/ 5460080 h 6858000"/>
+              <a:gd name="connsiteX146" fmla="*/ 229880 w 5734864"/>
+              <a:gd name="connsiteY146" fmla="*/ 5539714 h 6858000"/>
+              <a:gd name="connsiteX147" fmla="*/ 204283 w 5734864"/>
+              <a:gd name="connsiteY147" fmla="*/ 5639080 h 6858000"/>
+              <a:gd name="connsiteX148" fmla="*/ 198948 w 5734864"/>
+              <a:gd name="connsiteY148" fmla="*/ 5710958 h 6858000"/>
+              <a:gd name="connsiteX149" fmla="*/ 192367 w 5734864"/>
+              <a:gd name="connsiteY149" fmla="*/ 5719859 h 6858000"/>
+              <a:gd name="connsiteX150" fmla="*/ 188035 w 5734864"/>
+              <a:gd name="connsiteY150" fmla="*/ 5729935 h 6858000"/>
+              <a:gd name="connsiteX151" fmla="*/ 188428 w 5734864"/>
+              <a:gd name="connsiteY151" fmla="*/ 5731182 h 6858000"/>
+              <a:gd name="connsiteX152" fmla="*/ 181635 w 5734864"/>
+              <a:gd name="connsiteY152" fmla="*/ 5753538 h 6858000"/>
+              <a:gd name="connsiteX153" fmla="*/ 169744 w 5734864"/>
+              <a:gd name="connsiteY153" fmla="*/ 5796307 h 6858000"/>
+              <a:gd name="connsiteX154" fmla="*/ 170351 w 5734864"/>
+              <a:gd name="connsiteY154" fmla="*/ 5796644 h 6858000"/>
+              <a:gd name="connsiteX155" fmla="*/ 171559 w 5734864"/>
+              <a:gd name="connsiteY155" fmla="*/ 5803435 h 6858000"/>
+              <a:gd name="connsiteX156" fmla="*/ 172284 w 5734864"/>
+              <a:gd name="connsiteY156" fmla="*/ 5816391 h 6858000"/>
+              <a:gd name="connsiteX157" fmla="*/ 182542 w 5734864"/>
+              <a:gd name="connsiteY157" fmla="*/ 5846382 h 6858000"/>
+              <a:gd name="connsiteX158" fmla="*/ 175877 w 5734864"/>
+              <a:gd name="connsiteY158" fmla="*/ 5871336 h 6858000"/>
+              <a:gd name="connsiteX159" fmla="*/ 174910 w 5734864"/>
+              <a:gd name="connsiteY159" fmla="*/ 5876376 h 6858000"/>
+              <a:gd name="connsiteX160" fmla="*/ 175047 w 5734864"/>
+              <a:gd name="connsiteY160" fmla="*/ 5876483 h 6858000"/>
+              <a:gd name="connsiteX161" fmla="*/ 174335 w 5734864"/>
+              <a:gd name="connsiteY161" fmla="*/ 5881814 h 6858000"/>
+              <a:gd name="connsiteX162" fmla="*/ 171273 w 5734864"/>
+              <a:gd name="connsiteY162" fmla="*/ 5895339 h 6858000"/>
+              <a:gd name="connsiteX163" fmla="*/ 171658 w 5734864"/>
+              <a:gd name="connsiteY163" fmla="*/ 5898749 h 6858000"/>
+              <a:gd name="connsiteX164" fmla="*/ 174658 w 5734864"/>
+              <a:gd name="connsiteY164" fmla="*/ 5919558 h 6858000"/>
+              <a:gd name="connsiteX165" fmla="*/ 169099 w 5734864"/>
+              <a:gd name="connsiteY165" fmla="*/ 5984417 h 6858000"/>
+              <a:gd name="connsiteX166" fmla="*/ 162007 w 5734864"/>
+              <a:gd name="connsiteY166" fmla="*/ 6049043 h 6858000"/>
+              <a:gd name="connsiteX167" fmla="*/ 156875 w 5734864"/>
+              <a:gd name="connsiteY167" fmla="*/ 6114000 h 6858000"/>
+              <a:gd name="connsiteX168" fmla="*/ 165441 w 5734864"/>
+              <a:gd name="connsiteY168" fmla="*/ 6146938 h 6858000"/>
+              <a:gd name="connsiteX169" fmla="*/ 165177 w 5734864"/>
+              <a:gd name="connsiteY169" fmla="*/ 6150658 h 6858000"/>
+              <a:gd name="connsiteX170" fmla="*/ 161772 w 5734864"/>
+              <a:gd name="connsiteY170" fmla="*/ 6160011 h 6858000"/>
+              <a:gd name="connsiteX171" fmla="*/ 160051 w 5734864"/>
+              <a:gd name="connsiteY171" fmla="*/ 6163393 h 6858000"/>
+              <a:gd name="connsiteX172" fmla="*/ 158473 w 5734864"/>
+              <a:gd name="connsiteY172" fmla="*/ 6168628 h 6858000"/>
+              <a:gd name="connsiteX173" fmla="*/ 158573 w 5734864"/>
+              <a:gd name="connsiteY173" fmla="*/ 6168799 h 6858000"/>
+              <a:gd name="connsiteX174" fmla="*/ 146463 w 5734864"/>
+              <a:gd name="connsiteY174" fmla="*/ 6196671 h 6858000"/>
+              <a:gd name="connsiteX175" fmla="*/ 150209 w 5734864"/>
+              <a:gd name="connsiteY175" fmla="*/ 6232365 h 6858000"/>
+              <a:gd name="connsiteX176" fmla="*/ 148544 w 5734864"/>
+              <a:gd name="connsiteY176" fmla="*/ 6246162 h 6858000"/>
+              <a:gd name="connsiteX177" fmla="*/ 148403 w 5734864"/>
+              <a:gd name="connsiteY177" fmla="*/ 6253754 h 6858000"/>
+              <a:gd name="connsiteX178" fmla="*/ 138880 w 5734864"/>
+              <a:gd name="connsiteY178" fmla="*/ 6276449 h 6858000"/>
+              <a:gd name="connsiteX179" fmla="*/ 138683 w 5734864"/>
+              <a:gd name="connsiteY179" fmla="*/ 6279721 h 6858000"/>
+              <a:gd name="connsiteX180" fmla="*/ 130721 w 5734864"/>
+              <a:gd name="connsiteY180" fmla="*/ 6293675 h 6858000"/>
+              <a:gd name="connsiteX181" fmla="*/ 120717 w 5734864"/>
+              <a:gd name="connsiteY181" fmla="*/ 6313967 h 6858000"/>
+              <a:gd name="connsiteX182" fmla="*/ 120841 w 5734864"/>
+              <a:gd name="connsiteY182" fmla="*/ 6315437 h 6858000"/>
+              <a:gd name="connsiteX183" fmla="*/ 115208 w 5734864"/>
+              <a:gd name="connsiteY183" fmla="*/ 6324024 h 6858000"/>
+              <a:gd name="connsiteX184" fmla="*/ 101217 w 5734864"/>
+              <a:gd name="connsiteY184" fmla="*/ 6365923 h 6858000"/>
+              <a:gd name="connsiteX185" fmla="*/ 74946 w 5734864"/>
+              <a:gd name="connsiteY185" fmla="*/ 6556817 h 6858000"/>
+              <a:gd name="connsiteX186" fmla="*/ 16001 w 5734864"/>
+              <a:gd name="connsiteY186" fmla="*/ 6808678 h 6858000"/>
+              <a:gd name="connsiteX187" fmla="*/ 0 w 5734864"/>
+              <a:gd name="connsiteY187" fmla="*/ 6858000 h 6858000"/>
+              <a:gd name="connsiteX188" fmla="*/ 5734864 w 5734864"/>
+              <a:gd name="connsiteY188" fmla="*/ 6858000 h 6858000"/>
+              <a:gd name="connsiteX0" fmla="*/ 5734864 w 5734864"/>
+              <a:gd name="connsiteY0" fmla="*/ 0 h 6858000"/>
+              <a:gd name="connsiteX1" fmla="*/ 771611 w 5734864"/>
+              <a:gd name="connsiteY1" fmla="*/ 0 h 6858000"/>
+              <a:gd name="connsiteX2" fmla="*/ 771679 w 5734864"/>
+              <a:gd name="connsiteY2" fmla="*/ 49108 h 6858000"/>
+              <a:gd name="connsiteX3" fmla="*/ 794248 w 5734864"/>
+              <a:gd name="connsiteY3" fmla="*/ 200968 h 6858000"/>
+              <a:gd name="connsiteX4" fmla="*/ 801749 w 5734864"/>
+              <a:gd name="connsiteY4" fmla="*/ 414071 h 6858000"/>
+              <a:gd name="connsiteX5" fmla="*/ 818548 w 5734864"/>
+              <a:gd name="connsiteY5" fmla="*/ 585467 h 6858000"/>
+              <a:gd name="connsiteX6" fmla="*/ 857476 w 5734864"/>
+              <a:gd name="connsiteY6" fmla="*/ 800623 h 6858000"/>
+              <a:gd name="connsiteX7" fmla="*/ 851083 w 5734864"/>
+              <a:gd name="connsiteY7" fmla="*/ 878903 h 6858000"/>
+              <a:gd name="connsiteX8" fmla="*/ 873564 w 5734864"/>
+              <a:gd name="connsiteY8" fmla="*/ 943826 h 6858000"/>
+              <a:gd name="connsiteX9" fmla="*/ 864705 w 5734864"/>
+              <a:gd name="connsiteY9" fmla="*/ 973328 h 6858000"/>
+              <a:gd name="connsiteX10" fmla="*/ 862869 w 5734864"/>
+              <a:gd name="connsiteY10" fmla="*/ 978457 h 6858000"/>
+              <a:gd name="connsiteX11" fmla="*/ 862233 w 5734864"/>
+              <a:gd name="connsiteY11" fmla="*/ 998041 h 6858000"/>
+              <a:gd name="connsiteX12" fmla="*/ 853665 w 5734864"/>
+              <a:gd name="connsiteY12" fmla="*/ 1004750 h 6858000"/>
+              <a:gd name="connsiteX13" fmla="*/ 846695 w 5734864"/>
+              <a:gd name="connsiteY13" fmla="*/ 1035077 h 6858000"/>
+              <a:gd name="connsiteX14" fmla="*/ 847865 w 5734864"/>
+              <a:gd name="connsiteY14" fmla="*/ 1070795 h 6858000"/>
+              <a:gd name="connsiteX15" fmla="*/ 862786 w 5734864"/>
+              <a:gd name="connsiteY15" fmla="*/ 1238994 h 6858000"/>
+              <a:gd name="connsiteX16" fmla="*/ 859345 w 5734864"/>
+              <a:gd name="connsiteY16" fmla="*/ 1380427 h 6858000"/>
+              <a:gd name="connsiteX17" fmla="*/ 855172 w 5734864"/>
+              <a:gd name="connsiteY17" fmla="*/ 1435262 h 6858000"/>
+              <a:gd name="connsiteX18" fmla="*/ 860494 w 5734864"/>
+              <a:gd name="connsiteY18" fmla="*/ 1453861 h 6858000"/>
+              <a:gd name="connsiteX19" fmla="*/ 853731 w 5734864"/>
+              <a:gd name="connsiteY19" fmla="*/ 1467047 h 6858000"/>
+              <a:gd name="connsiteX20" fmla="*/ 845847 w 5734864"/>
+              <a:gd name="connsiteY20" fmla="*/ 1502307 h 6858000"/>
+              <a:gd name="connsiteX21" fmla="*/ 817613 w 5734864"/>
+              <a:gd name="connsiteY21" fmla="*/ 1565166 h 6858000"/>
+              <a:gd name="connsiteX22" fmla="*/ 804223 w 5734864"/>
+              <a:gd name="connsiteY22" fmla="*/ 1601941 h 6858000"/>
+              <a:gd name="connsiteX23" fmla="*/ 791773 w 5734864"/>
+              <a:gd name="connsiteY23" fmla="*/ 1627005 h 6858000"/>
+              <a:gd name="connsiteX24" fmla="*/ 774645 w 5734864"/>
+              <a:gd name="connsiteY24" fmla="*/ 1699922 h 6858000"/>
+              <a:gd name="connsiteX25" fmla="*/ 752343 w 5734864"/>
+              <a:gd name="connsiteY25" fmla="*/ 1824604 h 6858000"/>
+              <a:gd name="connsiteX26" fmla="*/ 746254 w 5734864"/>
+              <a:gd name="connsiteY26" fmla="*/ 1850222 h 6858000"/>
+              <a:gd name="connsiteX27" fmla="*/ 728600 w 5734864"/>
+              <a:gd name="connsiteY27" fmla="*/ 1869603 h 6858000"/>
+              <a:gd name="connsiteX28" fmla="*/ 724396 w 5734864"/>
+              <a:gd name="connsiteY28" fmla="*/ 1883104 h 6858000"/>
+              <a:gd name="connsiteX29" fmla="*/ 722165 w 5734864"/>
+              <a:gd name="connsiteY29" fmla="*/ 1885924 h 6858000"/>
+              <a:gd name="connsiteX30" fmla="*/ 721338 w 5734864"/>
+              <a:gd name="connsiteY30" fmla="*/ 1887123 h 6858000"/>
+              <a:gd name="connsiteX31" fmla="*/ 714840 w 5734864"/>
+              <a:gd name="connsiteY31" fmla="*/ 1902274 h 6858000"/>
+              <a:gd name="connsiteX32" fmla="*/ 722847 w 5734864"/>
+              <a:gd name="connsiteY32" fmla="*/ 1929891 h 6858000"/>
+              <a:gd name="connsiteX33" fmla="*/ 714660 w 5734864"/>
+              <a:gd name="connsiteY33" fmla="*/ 1982709 h 6858000"/>
+              <a:gd name="connsiteX34" fmla="*/ 710759 w 5734864"/>
+              <a:gd name="connsiteY34" fmla="*/ 2013010 h 6858000"/>
+              <a:gd name="connsiteX35" fmla="*/ 697927 w 5734864"/>
+              <a:gd name="connsiteY35" fmla="*/ 2069833 h 6858000"/>
+              <a:gd name="connsiteX36" fmla="*/ 693594 w 5734864"/>
+              <a:gd name="connsiteY36" fmla="*/ 2103731 h 6858000"/>
+              <a:gd name="connsiteX37" fmla="*/ 691109 w 5734864"/>
+              <a:gd name="connsiteY37" fmla="*/ 2124027 h 6858000"/>
+              <a:gd name="connsiteX38" fmla="*/ 676593 w 5734864"/>
+              <a:gd name="connsiteY38" fmla="*/ 2176182 h 6858000"/>
+              <a:gd name="connsiteX39" fmla="*/ 633227 w 5734864"/>
+              <a:gd name="connsiteY39" fmla="*/ 2258036 h 6858000"/>
+              <a:gd name="connsiteX40" fmla="*/ 625564 w 5734864"/>
+              <a:gd name="connsiteY40" fmla="*/ 2284567 h 6858000"/>
+              <a:gd name="connsiteX41" fmla="*/ 627074 w 5734864"/>
+              <a:gd name="connsiteY41" fmla="*/ 2289605 h 6858000"/>
+              <a:gd name="connsiteX42" fmla="*/ 614574 w 5734864"/>
+              <a:gd name="connsiteY42" fmla="*/ 2308717 h 6858000"/>
+              <a:gd name="connsiteX43" fmla="*/ 606890 w 5734864"/>
+              <a:gd name="connsiteY43" fmla="*/ 2320662 h 6858000"/>
+              <a:gd name="connsiteX44" fmla="*/ 605558 w 5734864"/>
+              <a:gd name="connsiteY44" fmla="*/ 2327897 h 6858000"/>
+              <a:gd name="connsiteX45" fmla="*/ 602202 w 5734864"/>
+              <a:gd name="connsiteY45" fmla="*/ 2357749 h 6858000"/>
+              <a:gd name="connsiteX46" fmla="*/ 600213 w 5734864"/>
+              <a:gd name="connsiteY46" fmla="*/ 2364905 h 6858000"/>
+              <a:gd name="connsiteX47" fmla="*/ 597160 w 5734864"/>
+              <a:gd name="connsiteY47" fmla="*/ 2388351 h 6858000"/>
+              <a:gd name="connsiteX48" fmla="*/ 597982 w 5734864"/>
+              <a:gd name="connsiteY48" fmla="*/ 2402296 h 6858000"/>
+              <a:gd name="connsiteX49" fmla="*/ 593150 w 5734864"/>
+              <a:gd name="connsiteY49" fmla="*/ 2420015 h 6858000"/>
+              <a:gd name="connsiteX50" fmla="*/ 592833 w 5734864"/>
+              <a:gd name="connsiteY50" fmla="*/ 2422749 h 6858000"/>
+              <a:gd name="connsiteX51" fmla="*/ 594479 w 5734864"/>
+              <a:gd name="connsiteY51" fmla="*/ 2426002 h 6858000"/>
+              <a:gd name="connsiteX52" fmla="*/ 591963 w 5734864"/>
+              <a:gd name="connsiteY52" fmla="*/ 2431950 h 6858000"/>
+              <a:gd name="connsiteX53" fmla="*/ 591544 w 5734864"/>
+              <a:gd name="connsiteY53" fmla="*/ 2433897 h 6858000"/>
+              <a:gd name="connsiteX54" fmla="*/ 589519 w 5734864"/>
+              <a:gd name="connsiteY54" fmla="*/ 2451398 h 6858000"/>
+              <a:gd name="connsiteX55" fmla="*/ 590037 w 5734864"/>
+              <a:gd name="connsiteY55" fmla="*/ 2455536 h 6858000"/>
+              <a:gd name="connsiteX56" fmla="*/ 588179 w 5734864"/>
+              <a:gd name="connsiteY56" fmla="*/ 2462981 h 6858000"/>
+              <a:gd name="connsiteX57" fmla="*/ 583434 w 5734864"/>
+              <a:gd name="connsiteY57" fmla="*/ 2503991 h 6858000"/>
+              <a:gd name="connsiteX58" fmla="*/ 567942 w 5734864"/>
+              <a:gd name="connsiteY58" fmla="*/ 2652936 h 6858000"/>
+              <a:gd name="connsiteX59" fmla="*/ 573869 w 5734864"/>
+              <a:gd name="connsiteY59" fmla="*/ 2670188 h 6858000"/>
+              <a:gd name="connsiteX60" fmla="*/ 575243 w 5734864"/>
+              <a:gd name="connsiteY60" fmla="*/ 2688114 h 6858000"/>
+              <a:gd name="connsiteX61" fmla="*/ 573824 w 5734864"/>
+              <a:gd name="connsiteY61" fmla="*/ 2689856 h 6858000"/>
+              <a:gd name="connsiteX62" fmla="*/ 570699 w 5734864"/>
+              <a:gd name="connsiteY62" fmla="*/ 2709353 h 6858000"/>
+              <a:gd name="connsiteX63" fmla="*/ 573192 w 5734864"/>
+              <a:gd name="connsiteY63" fmla="*/ 2714527 h 6858000"/>
+              <a:gd name="connsiteX64" fmla="*/ 572044 w 5734864"/>
+              <a:gd name="connsiteY64" fmla="*/ 2728187 h 6858000"/>
+              <a:gd name="connsiteX65" fmla="*/ 572465 w 5734864"/>
+              <a:gd name="connsiteY65" fmla="*/ 2755863 h 6858000"/>
+              <a:gd name="connsiteX66" fmla="*/ 570028 w 5734864"/>
+              <a:gd name="connsiteY66" fmla="*/ 2760324 h 6858000"/>
+              <a:gd name="connsiteX67" fmla="*/ 566748 w 5734864"/>
+              <a:gd name="connsiteY67" fmla="*/ 2800948 h 6858000"/>
+              <a:gd name="connsiteX68" fmla="*/ 565509 w 5734864"/>
+              <a:gd name="connsiteY68" fmla="*/ 2801167 h 6858000"/>
+              <a:gd name="connsiteX69" fmla="*/ 559367 w 5734864"/>
+              <a:gd name="connsiteY69" fmla="*/ 2811129 h 6858000"/>
+              <a:gd name="connsiteX70" fmla="*/ 550354 w 5734864"/>
+              <a:gd name="connsiteY70" fmla="*/ 2830949 h 6858000"/>
+              <a:gd name="connsiteX71" fmla="*/ 514795 w 5734864"/>
+              <a:gd name="connsiteY71" fmla="*/ 2872433 h 6858000"/>
+              <a:gd name="connsiteX72" fmla="*/ 509875 w 5734864"/>
+              <a:gd name="connsiteY72" fmla="*/ 2923099 h 6858000"/>
+              <a:gd name="connsiteX73" fmla="*/ 509577 w 5734864"/>
+              <a:gd name="connsiteY73" fmla="*/ 2923197 h 6858000"/>
+              <a:gd name="connsiteX74" fmla="*/ 507597 w 5734864"/>
+              <a:gd name="connsiteY74" fmla="*/ 2931868 h 6858000"/>
+              <a:gd name="connsiteX75" fmla="*/ 507379 w 5734864"/>
+              <a:gd name="connsiteY75" fmla="*/ 2938322 h 6858000"/>
+              <a:gd name="connsiteX76" fmla="*/ 504725 w 5734864"/>
+              <a:gd name="connsiteY76" fmla="*/ 2954519 h 6858000"/>
+              <a:gd name="connsiteX77" fmla="*/ 502018 w 5734864"/>
+              <a:gd name="connsiteY77" fmla="*/ 2959643 h 6858000"/>
+              <a:gd name="connsiteX78" fmla="*/ 498360 w 5734864"/>
+              <a:gd name="connsiteY78" fmla="*/ 2961019 h 6858000"/>
+              <a:gd name="connsiteX79" fmla="*/ 498483 w 5734864"/>
+              <a:gd name="connsiteY79" fmla="*/ 2962590 h 6858000"/>
+              <a:gd name="connsiteX80" fmla="*/ 484403 w 5734864"/>
+              <a:gd name="connsiteY80" fmla="*/ 2990538 h 6858000"/>
+              <a:gd name="connsiteX81" fmla="*/ 463075 w 5734864"/>
+              <a:gd name="connsiteY81" fmla="*/ 3055956 h 6858000"/>
+              <a:gd name="connsiteX82" fmla="*/ 455013 w 5734864"/>
+              <a:gd name="connsiteY82" fmla="*/ 3094482 h 6858000"/>
+              <a:gd name="connsiteX83" fmla="*/ 428391 w 5734864"/>
+              <a:gd name="connsiteY83" fmla="*/ 3198850 h 6858000"/>
+              <a:gd name="connsiteX84" fmla="*/ 401440 w 5734864"/>
+              <a:gd name="connsiteY84" fmla="*/ 3307560 h 6858000"/>
+              <a:gd name="connsiteX85" fmla="*/ 386076 w 5734864"/>
+              <a:gd name="connsiteY85" fmla="*/ 3373943 h 6858000"/>
+              <a:gd name="connsiteX86" fmla="*/ 374726 w 5734864"/>
+              <a:gd name="connsiteY86" fmla="*/ 3381364 h 6858000"/>
+              <a:gd name="connsiteX87" fmla="*/ 369145 w 5734864"/>
+              <a:gd name="connsiteY87" fmla="*/ 3383729 h 6858000"/>
+              <a:gd name="connsiteX88" fmla="*/ 364294 w 5734864"/>
+              <a:gd name="connsiteY88" fmla="*/ 3414159 h 6858000"/>
+              <a:gd name="connsiteX89" fmla="*/ 366450 w 5734864"/>
+              <a:gd name="connsiteY89" fmla="*/ 3436925 h 6858000"/>
+              <a:gd name="connsiteX90" fmla="*/ 351743 w 5734864"/>
+              <a:gd name="connsiteY90" fmla="*/ 3521619 h 6858000"/>
+              <a:gd name="connsiteX91" fmla="*/ 345784 w 5734864"/>
+              <a:gd name="connsiteY91" fmla="*/ 3603757 h 6858000"/>
+              <a:gd name="connsiteX92" fmla="*/ 344198 w 5734864"/>
+              <a:gd name="connsiteY92" fmla="*/ 3652424 h 6858000"/>
+              <a:gd name="connsiteX93" fmla="*/ 352450 w 5734864"/>
+              <a:gd name="connsiteY93" fmla="*/ 3665222 h 6858000"/>
+              <a:gd name="connsiteX94" fmla="*/ 342621 w 5734864"/>
+              <a:gd name="connsiteY94" fmla="*/ 3700804 h 6858000"/>
+              <a:gd name="connsiteX95" fmla="*/ 341514 w 5734864"/>
+              <a:gd name="connsiteY95" fmla="*/ 3734774 h 6858000"/>
+              <a:gd name="connsiteX96" fmla="*/ 340607 w 5734864"/>
+              <a:gd name="connsiteY96" fmla="*/ 3785153 h 6858000"/>
+              <a:gd name="connsiteX97" fmla="*/ 340707 w 5734864"/>
+              <a:gd name="connsiteY97" fmla="*/ 3788177 h 6858000"/>
+              <a:gd name="connsiteX98" fmla="*/ 340361 w 5734864"/>
+              <a:gd name="connsiteY98" fmla="*/ 3798803 h 6858000"/>
+              <a:gd name="connsiteX99" fmla="*/ 339642 w 5734864"/>
+              <a:gd name="connsiteY99" fmla="*/ 3838750 h 6858000"/>
+              <a:gd name="connsiteX100" fmla="*/ 360295 w 5734864"/>
+              <a:gd name="connsiteY100" fmla="*/ 4015196 h 6858000"/>
+              <a:gd name="connsiteX101" fmla="*/ 339043 w 5734864"/>
+              <a:gd name="connsiteY101" fmla="*/ 4052778 h 6858000"/>
+              <a:gd name="connsiteX102" fmla="*/ 339343 w 5734864"/>
+              <a:gd name="connsiteY102" fmla="*/ 4096257 h 6858000"/>
+              <a:gd name="connsiteX103" fmla="*/ 340786 w 5734864"/>
+              <a:gd name="connsiteY103" fmla="*/ 4321136 h 6858000"/>
+              <a:gd name="connsiteX104" fmla="*/ 343158 w 5734864"/>
+              <a:gd name="connsiteY104" fmla="*/ 4429174 h 6858000"/>
+              <a:gd name="connsiteX105" fmla="*/ 334599 w 5734864"/>
+              <a:gd name="connsiteY105" fmla="*/ 4449938 h 6858000"/>
+              <a:gd name="connsiteX106" fmla="*/ 332890 w 5734864"/>
+              <a:gd name="connsiteY106" fmla="*/ 4453515 h 6858000"/>
+              <a:gd name="connsiteX107" fmla="*/ 331105 w 5734864"/>
+              <a:gd name="connsiteY107" fmla="*/ 4467941 h 6858000"/>
+              <a:gd name="connsiteX108" fmla="*/ 324289 w 5734864"/>
+              <a:gd name="connsiteY108" fmla="*/ 4471861 h 6858000"/>
+              <a:gd name="connsiteX109" fmla="*/ 317079 w 5734864"/>
+              <a:gd name="connsiteY109" fmla="*/ 4493468 h 6858000"/>
+              <a:gd name="connsiteX110" fmla="*/ 315557 w 5734864"/>
+              <a:gd name="connsiteY110" fmla="*/ 4520067 h 6858000"/>
+              <a:gd name="connsiteX111" fmla="*/ 315240 w 5734864"/>
+              <a:gd name="connsiteY111" fmla="*/ 4536872 h 6858000"/>
+              <a:gd name="connsiteX112" fmla="*/ 316200 w 5734864"/>
+              <a:gd name="connsiteY112" fmla="*/ 4538297 h 6858000"/>
+              <a:gd name="connsiteX113" fmla="*/ 317507 w 5734864"/>
+              <a:gd name="connsiteY113" fmla="*/ 4547582 h 6858000"/>
+              <a:gd name="connsiteX114" fmla="*/ 323078 w 5734864"/>
+              <a:gd name="connsiteY114" fmla="*/ 4592102 h 6858000"/>
+              <a:gd name="connsiteX115" fmla="*/ 328722 w 5734864"/>
+              <a:gd name="connsiteY115" fmla="*/ 4667914 h 6858000"/>
+              <a:gd name="connsiteX116" fmla="*/ 335597 w 5734864"/>
+              <a:gd name="connsiteY116" fmla="*/ 4695035 h 6858000"/>
+              <a:gd name="connsiteX117" fmla="*/ 339485 w 5734864"/>
+              <a:gd name="connsiteY117" fmla="*/ 4695979 h 6858000"/>
+              <a:gd name="connsiteX118" fmla="*/ 341089 w 5734864"/>
+              <a:gd name="connsiteY118" fmla="*/ 4704268 h 6858000"/>
+              <a:gd name="connsiteX119" fmla="*/ 342177 w 5734864"/>
+              <a:gd name="connsiteY119" fmla="*/ 4706060 h 6858000"/>
+              <a:gd name="connsiteX120" fmla="*/ 347751 w 5734864"/>
+              <a:gd name="connsiteY120" fmla="*/ 4716754 h 6858000"/>
+              <a:gd name="connsiteX121" fmla="*/ 344125 w 5734864"/>
+              <a:gd name="connsiteY121" fmla="*/ 4764669 h 6858000"/>
+              <a:gd name="connsiteX122" fmla="*/ 340188 w 5734864"/>
+              <a:gd name="connsiteY122" fmla="*/ 4779386 h 6858000"/>
+              <a:gd name="connsiteX123" fmla="*/ 335146 w 5734864"/>
+              <a:gd name="connsiteY123" fmla="*/ 4787491 h 6858000"/>
+              <a:gd name="connsiteX124" fmla="*/ 319124 w 5734864"/>
+              <a:gd name="connsiteY124" fmla="*/ 4843514 h 6858000"/>
+              <a:gd name="connsiteX125" fmla="*/ 305956 w 5734864"/>
+              <a:gd name="connsiteY125" fmla="*/ 4881505 h 6858000"/>
+              <a:gd name="connsiteX126" fmla="*/ 301062 w 5734864"/>
+              <a:gd name="connsiteY126" fmla="*/ 4889332 h 6858000"/>
+              <a:gd name="connsiteX127" fmla="*/ 302141 w 5734864"/>
+              <a:gd name="connsiteY127" fmla="*/ 4899400 h 6858000"/>
+              <a:gd name="connsiteX128" fmla="*/ 304424 w 5734864"/>
+              <a:gd name="connsiteY128" fmla="*/ 4902664 h 6858000"/>
+              <a:gd name="connsiteX129" fmla="*/ 293123 w 5734864"/>
+              <a:gd name="connsiteY129" fmla="*/ 4932769 h 6858000"/>
+              <a:gd name="connsiteX130" fmla="*/ 292275 w 5734864"/>
+              <a:gd name="connsiteY130" fmla="*/ 4936482 h 6858000"/>
+              <a:gd name="connsiteX131" fmla="*/ 288304 w 5734864"/>
+              <a:gd name="connsiteY131" fmla="*/ 4962325 h 6858000"/>
+              <a:gd name="connsiteX132" fmla="*/ 287420 w 5734864"/>
+              <a:gd name="connsiteY132" fmla="*/ 5042193 h 6858000"/>
+              <a:gd name="connsiteX133" fmla="*/ 287020 w 5734864"/>
+              <a:gd name="connsiteY133" fmla="*/ 5065655 h 6858000"/>
+              <a:gd name="connsiteX134" fmla="*/ 288488 w 5734864"/>
+              <a:gd name="connsiteY134" fmla="*/ 5082216 h 6858000"/>
+              <a:gd name="connsiteX135" fmla="*/ 282763 w 5734864"/>
+              <a:gd name="connsiteY135" fmla="*/ 5127114 h 6858000"/>
+              <a:gd name="connsiteX136" fmla="*/ 269316 w 5734864"/>
+              <a:gd name="connsiteY136" fmla="*/ 5202682 h 6858000"/>
+              <a:gd name="connsiteX137" fmla="*/ 269174 w 5734864"/>
+              <a:gd name="connsiteY137" fmla="*/ 5230835 h 6858000"/>
+              <a:gd name="connsiteX138" fmla="*/ 272679 w 5734864"/>
+              <a:gd name="connsiteY138" fmla="*/ 5232660 h 6858000"/>
+              <a:gd name="connsiteX139" fmla="*/ 272160 w 5734864"/>
+              <a:gd name="connsiteY139" fmla="*/ 5241150 h 6858000"/>
+              <a:gd name="connsiteX140" fmla="*/ 272760 w 5734864"/>
+              <a:gd name="connsiteY140" fmla="*/ 5243156 h 6858000"/>
+              <a:gd name="connsiteX141" fmla="*/ 275462 w 5734864"/>
+              <a:gd name="connsiteY141" fmla="*/ 5254919 h 6858000"/>
+              <a:gd name="connsiteX142" fmla="*/ 262897 w 5734864"/>
+              <a:gd name="connsiteY142" fmla="*/ 5286259 h 6858000"/>
+              <a:gd name="connsiteX143" fmla="*/ 252761 w 5734864"/>
+              <a:gd name="connsiteY143" fmla="*/ 5357801 h 6858000"/>
+              <a:gd name="connsiteX144" fmla="*/ 242360 w 5734864"/>
+              <a:gd name="connsiteY144" fmla="*/ 5460080 h 6858000"/>
+              <a:gd name="connsiteX145" fmla="*/ 229880 w 5734864"/>
+              <a:gd name="connsiteY145" fmla="*/ 5539714 h 6858000"/>
+              <a:gd name="connsiteX146" fmla="*/ 204283 w 5734864"/>
+              <a:gd name="connsiteY146" fmla="*/ 5639080 h 6858000"/>
+              <a:gd name="connsiteX147" fmla="*/ 198948 w 5734864"/>
+              <a:gd name="connsiteY147" fmla="*/ 5710958 h 6858000"/>
+              <a:gd name="connsiteX148" fmla="*/ 192367 w 5734864"/>
+              <a:gd name="connsiteY148" fmla="*/ 5719859 h 6858000"/>
+              <a:gd name="connsiteX149" fmla="*/ 188035 w 5734864"/>
+              <a:gd name="connsiteY149" fmla="*/ 5729935 h 6858000"/>
+              <a:gd name="connsiteX150" fmla="*/ 188428 w 5734864"/>
+              <a:gd name="connsiteY150" fmla="*/ 5731182 h 6858000"/>
+              <a:gd name="connsiteX151" fmla="*/ 181635 w 5734864"/>
+              <a:gd name="connsiteY151" fmla="*/ 5753538 h 6858000"/>
+              <a:gd name="connsiteX152" fmla="*/ 169744 w 5734864"/>
+              <a:gd name="connsiteY152" fmla="*/ 5796307 h 6858000"/>
+              <a:gd name="connsiteX153" fmla="*/ 170351 w 5734864"/>
+              <a:gd name="connsiteY153" fmla="*/ 5796644 h 6858000"/>
+              <a:gd name="connsiteX154" fmla="*/ 171559 w 5734864"/>
+              <a:gd name="connsiteY154" fmla="*/ 5803435 h 6858000"/>
+              <a:gd name="connsiteX155" fmla="*/ 172284 w 5734864"/>
+              <a:gd name="connsiteY155" fmla="*/ 5816391 h 6858000"/>
+              <a:gd name="connsiteX156" fmla="*/ 182542 w 5734864"/>
+              <a:gd name="connsiteY156" fmla="*/ 5846382 h 6858000"/>
+              <a:gd name="connsiteX157" fmla="*/ 175877 w 5734864"/>
+              <a:gd name="connsiteY157" fmla="*/ 5871336 h 6858000"/>
+              <a:gd name="connsiteX158" fmla="*/ 174910 w 5734864"/>
+              <a:gd name="connsiteY158" fmla="*/ 5876376 h 6858000"/>
+              <a:gd name="connsiteX159" fmla="*/ 175047 w 5734864"/>
+              <a:gd name="connsiteY159" fmla="*/ 5876483 h 6858000"/>
+              <a:gd name="connsiteX160" fmla="*/ 174335 w 5734864"/>
+              <a:gd name="connsiteY160" fmla="*/ 5881814 h 6858000"/>
+              <a:gd name="connsiteX161" fmla="*/ 171273 w 5734864"/>
+              <a:gd name="connsiteY161" fmla="*/ 5895339 h 6858000"/>
+              <a:gd name="connsiteX162" fmla="*/ 171658 w 5734864"/>
+              <a:gd name="connsiteY162" fmla="*/ 5898749 h 6858000"/>
+              <a:gd name="connsiteX163" fmla="*/ 174658 w 5734864"/>
+              <a:gd name="connsiteY163" fmla="*/ 5919558 h 6858000"/>
+              <a:gd name="connsiteX164" fmla="*/ 169099 w 5734864"/>
+              <a:gd name="connsiteY164" fmla="*/ 5984417 h 6858000"/>
+              <a:gd name="connsiteX165" fmla="*/ 162007 w 5734864"/>
+              <a:gd name="connsiteY165" fmla="*/ 6049043 h 6858000"/>
+              <a:gd name="connsiteX166" fmla="*/ 156875 w 5734864"/>
+              <a:gd name="connsiteY166" fmla="*/ 6114000 h 6858000"/>
+              <a:gd name="connsiteX167" fmla="*/ 165441 w 5734864"/>
+              <a:gd name="connsiteY167" fmla="*/ 6146938 h 6858000"/>
+              <a:gd name="connsiteX168" fmla="*/ 165177 w 5734864"/>
+              <a:gd name="connsiteY168" fmla="*/ 6150658 h 6858000"/>
+              <a:gd name="connsiteX169" fmla="*/ 161772 w 5734864"/>
+              <a:gd name="connsiteY169" fmla="*/ 6160011 h 6858000"/>
+              <a:gd name="connsiteX170" fmla="*/ 160051 w 5734864"/>
+              <a:gd name="connsiteY170" fmla="*/ 6163393 h 6858000"/>
+              <a:gd name="connsiteX171" fmla="*/ 158473 w 5734864"/>
+              <a:gd name="connsiteY171" fmla="*/ 6168628 h 6858000"/>
+              <a:gd name="connsiteX172" fmla="*/ 158573 w 5734864"/>
+              <a:gd name="connsiteY172" fmla="*/ 6168799 h 6858000"/>
+              <a:gd name="connsiteX173" fmla="*/ 146463 w 5734864"/>
+              <a:gd name="connsiteY173" fmla="*/ 6196671 h 6858000"/>
+              <a:gd name="connsiteX174" fmla="*/ 150209 w 5734864"/>
+              <a:gd name="connsiteY174" fmla="*/ 6232365 h 6858000"/>
+              <a:gd name="connsiteX175" fmla="*/ 148544 w 5734864"/>
+              <a:gd name="connsiteY175" fmla="*/ 6246162 h 6858000"/>
+              <a:gd name="connsiteX176" fmla="*/ 148403 w 5734864"/>
+              <a:gd name="connsiteY176" fmla="*/ 6253754 h 6858000"/>
+              <a:gd name="connsiteX177" fmla="*/ 138880 w 5734864"/>
+              <a:gd name="connsiteY177" fmla="*/ 6276449 h 6858000"/>
+              <a:gd name="connsiteX178" fmla="*/ 138683 w 5734864"/>
+              <a:gd name="connsiteY178" fmla="*/ 6279721 h 6858000"/>
+              <a:gd name="connsiteX179" fmla="*/ 130721 w 5734864"/>
+              <a:gd name="connsiteY179" fmla="*/ 6293675 h 6858000"/>
+              <a:gd name="connsiteX180" fmla="*/ 120717 w 5734864"/>
+              <a:gd name="connsiteY180" fmla="*/ 6313967 h 6858000"/>
+              <a:gd name="connsiteX181" fmla="*/ 120841 w 5734864"/>
+              <a:gd name="connsiteY181" fmla="*/ 6315437 h 6858000"/>
+              <a:gd name="connsiteX182" fmla="*/ 115208 w 5734864"/>
+              <a:gd name="connsiteY182" fmla="*/ 6324024 h 6858000"/>
+              <a:gd name="connsiteX183" fmla="*/ 101217 w 5734864"/>
+              <a:gd name="connsiteY183" fmla="*/ 6365923 h 6858000"/>
+              <a:gd name="connsiteX184" fmla="*/ 74946 w 5734864"/>
+              <a:gd name="connsiteY184" fmla="*/ 6556817 h 6858000"/>
+              <a:gd name="connsiteX185" fmla="*/ 16001 w 5734864"/>
+              <a:gd name="connsiteY185" fmla="*/ 6808678 h 6858000"/>
+              <a:gd name="connsiteX186" fmla="*/ 0 w 5734864"/>
+              <a:gd name="connsiteY186" fmla="*/ 6858000 h 6858000"/>
+              <a:gd name="connsiteX187" fmla="*/ 5734864 w 5734864"/>
+              <a:gd name="connsiteY187" fmla="*/ 6858000 h 6858000"/>
+              <a:gd name="connsiteX188" fmla="*/ 5734864 w 5734864"/>
+              <a:gd name="connsiteY188" fmla="*/ 0 h 6858000"/>
+              <a:gd name="connsiteX0" fmla="*/ 5734864 w 5734864"/>
+              <a:gd name="connsiteY0" fmla="*/ 0 h 6858000"/>
+              <a:gd name="connsiteX1" fmla="*/ 771611 w 5734864"/>
+              <a:gd name="connsiteY1" fmla="*/ 0 h 6858000"/>
+              <a:gd name="connsiteX2" fmla="*/ 771679 w 5734864"/>
+              <a:gd name="connsiteY2" fmla="*/ 49108 h 6858000"/>
+              <a:gd name="connsiteX3" fmla="*/ 794248 w 5734864"/>
+              <a:gd name="connsiteY3" fmla="*/ 200968 h 6858000"/>
+              <a:gd name="connsiteX4" fmla="*/ 801749 w 5734864"/>
+              <a:gd name="connsiteY4" fmla="*/ 414071 h 6858000"/>
+              <a:gd name="connsiteX5" fmla="*/ 818548 w 5734864"/>
+              <a:gd name="connsiteY5" fmla="*/ 585467 h 6858000"/>
+              <a:gd name="connsiteX6" fmla="*/ 857476 w 5734864"/>
+              <a:gd name="connsiteY6" fmla="*/ 800623 h 6858000"/>
+              <a:gd name="connsiteX7" fmla="*/ 851083 w 5734864"/>
+              <a:gd name="connsiteY7" fmla="*/ 878903 h 6858000"/>
+              <a:gd name="connsiteX8" fmla="*/ 873564 w 5734864"/>
+              <a:gd name="connsiteY8" fmla="*/ 943826 h 6858000"/>
+              <a:gd name="connsiteX9" fmla="*/ 864705 w 5734864"/>
+              <a:gd name="connsiteY9" fmla="*/ 973328 h 6858000"/>
+              <a:gd name="connsiteX10" fmla="*/ 862869 w 5734864"/>
+              <a:gd name="connsiteY10" fmla="*/ 978457 h 6858000"/>
+              <a:gd name="connsiteX11" fmla="*/ 862233 w 5734864"/>
+              <a:gd name="connsiteY11" fmla="*/ 998041 h 6858000"/>
+              <a:gd name="connsiteX12" fmla="*/ 853665 w 5734864"/>
+              <a:gd name="connsiteY12" fmla="*/ 1004750 h 6858000"/>
+              <a:gd name="connsiteX13" fmla="*/ 847865 w 5734864"/>
+              <a:gd name="connsiteY13" fmla="*/ 1070795 h 6858000"/>
+              <a:gd name="connsiteX14" fmla="*/ 862786 w 5734864"/>
+              <a:gd name="connsiteY14" fmla="*/ 1238994 h 6858000"/>
+              <a:gd name="connsiteX15" fmla="*/ 859345 w 5734864"/>
+              <a:gd name="connsiteY15" fmla="*/ 1380427 h 6858000"/>
+              <a:gd name="connsiteX16" fmla="*/ 855172 w 5734864"/>
+              <a:gd name="connsiteY16" fmla="*/ 1435262 h 6858000"/>
+              <a:gd name="connsiteX17" fmla="*/ 860494 w 5734864"/>
+              <a:gd name="connsiteY17" fmla="*/ 1453861 h 6858000"/>
+              <a:gd name="connsiteX18" fmla="*/ 853731 w 5734864"/>
+              <a:gd name="connsiteY18" fmla="*/ 1467047 h 6858000"/>
+              <a:gd name="connsiteX19" fmla="*/ 845847 w 5734864"/>
+              <a:gd name="connsiteY19" fmla="*/ 1502307 h 6858000"/>
+              <a:gd name="connsiteX20" fmla="*/ 817613 w 5734864"/>
+              <a:gd name="connsiteY20" fmla="*/ 1565166 h 6858000"/>
+              <a:gd name="connsiteX21" fmla="*/ 804223 w 5734864"/>
+              <a:gd name="connsiteY21" fmla="*/ 1601941 h 6858000"/>
+              <a:gd name="connsiteX22" fmla="*/ 791773 w 5734864"/>
+              <a:gd name="connsiteY22" fmla="*/ 1627005 h 6858000"/>
+              <a:gd name="connsiteX23" fmla="*/ 774645 w 5734864"/>
+              <a:gd name="connsiteY23" fmla="*/ 1699922 h 6858000"/>
+              <a:gd name="connsiteX24" fmla="*/ 752343 w 5734864"/>
+              <a:gd name="connsiteY24" fmla="*/ 1824604 h 6858000"/>
+              <a:gd name="connsiteX25" fmla="*/ 746254 w 5734864"/>
+              <a:gd name="connsiteY25" fmla="*/ 1850222 h 6858000"/>
+              <a:gd name="connsiteX26" fmla="*/ 728600 w 5734864"/>
+              <a:gd name="connsiteY26" fmla="*/ 1869603 h 6858000"/>
+              <a:gd name="connsiteX27" fmla="*/ 724396 w 5734864"/>
+              <a:gd name="connsiteY27" fmla="*/ 1883104 h 6858000"/>
+              <a:gd name="connsiteX28" fmla="*/ 722165 w 5734864"/>
+              <a:gd name="connsiteY28" fmla="*/ 1885924 h 6858000"/>
+              <a:gd name="connsiteX29" fmla="*/ 721338 w 5734864"/>
+              <a:gd name="connsiteY29" fmla="*/ 1887123 h 6858000"/>
+              <a:gd name="connsiteX30" fmla="*/ 714840 w 5734864"/>
+              <a:gd name="connsiteY30" fmla="*/ 1902274 h 6858000"/>
+              <a:gd name="connsiteX31" fmla="*/ 722847 w 5734864"/>
+              <a:gd name="connsiteY31" fmla="*/ 1929891 h 6858000"/>
+              <a:gd name="connsiteX32" fmla="*/ 714660 w 5734864"/>
+              <a:gd name="connsiteY32" fmla="*/ 1982709 h 6858000"/>
+              <a:gd name="connsiteX33" fmla="*/ 710759 w 5734864"/>
+              <a:gd name="connsiteY33" fmla="*/ 2013010 h 6858000"/>
+              <a:gd name="connsiteX34" fmla="*/ 697927 w 5734864"/>
+              <a:gd name="connsiteY34" fmla="*/ 2069833 h 6858000"/>
+              <a:gd name="connsiteX35" fmla="*/ 693594 w 5734864"/>
+              <a:gd name="connsiteY35" fmla="*/ 2103731 h 6858000"/>
+              <a:gd name="connsiteX36" fmla="*/ 691109 w 5734864"/>
+              <a:gd name="connsiteY36" fmla="*/ 2124027 h 6858000"/>
+              <a:gd name="connsiteX37" fmla="*/ 676593 w 5734864"/>
+              <a:gd name="connsiteY37" fmla="*/ 2176182 h 6858000"/>
+              <a:gd name="connsiteX38" fmla="*/ 633227 w 5734864"/>
+              <a:gd name="connsiteY38" fmla="*/ 2258036 h 6858000"/>
+              <a:gd name="connsiteX39" fmla="*/ 625564 w 5734864"/>
+              <a:gd name="connsiteY39" fmla="*/ 2284567 h 6858000"/>
+              <a:gd name="connsiteX40" fmla="*/ 627074 w 5734864"/>
+              <a:gd name="connsiteY40" fmla="*/ 2289605 h 6858000"/>
+              <a:gd name="connsiteX41" fmla="*/ 614574 w 5734864"/>
+              <a:gd name="connsiteY41" fmla="*/ 2308717 h 6858000"/>
+              <a:gd name="connsiteX42" fmla="*/ 606890 w 5734864"/>
+              <a:gd name="connsiteY42" fmla="*/ 2320662 h 6858000"/>
+              <a:gd name="connsiteX43" fmla="*/ 605558 w 5734864"/>
+              <a:gd name="connsiteY43" fmla="*/ 2327897 h 6858000"/>
+              <a:gd name="connsiteX44" fmla="*/ 602202 w 5734864"/>
+              <a:gd name="connsiteY44" fmla="*/ 2357749 h 6858000"/>
+              <a:gd name="connsiteX45" fmla="*/ 600213 w 5734864"/>
+              <a:gd name="connsiteY45" fmla="*/ 2364905 h 6858000"/>
+              <a:gd name="connsiteX46" fmla="*/ 597160 w 5734864"/>
+              <a:gd name="connsiteY46" fmla="*/ 2388351 h 6858000"/>
+              <a:gd name="connsiteX47" fmla="*/ 597982 w 5734864"/>
+              <a:gd name="connsiteY47" fmla="*/ 2402296 h 6858000"/>
+              <a:gd name="connsiteX48" fmla="*/ 593150 w 5734864"/>
+              <a:gd name="connsiteY48" fmla="*/ 2420015 h 6858000"/>
+              <a:gd name="connsiteX49" fmla="*/ 592833 w 5734864"/>
+              <a:gd name="connsiteY49" fmla="*/ 2422749 h 6858000"/>
+              <a:gd name="connsiteX50" fmla="*/ 594479 w 5734864"/>
+              <a:gd name="connsiteY50" fmla="*/ 2426002 h 6858000"/>
+              <a:gd name="connsiteX51" fmla="*/ 591963 w 5734864"/>
+              <a:gd name="connsiteY51" fmla="*/ 2431950 h 6858000"/>
+              <a:gd name="connsiteX52" fmla="*/ 591544 w 5734864"/>
+              <a:gd name="connsiteY52" fmla="*/ 2433897 h 6858000"/>
+              <a:gd name="connsiteX53" fmla="*/ 589519 w 5734864"/>
+              <a:gd name="connsiteY53" fmla="*/ 2451398 h 6858000"/>
+              <a:gd name="connsiteX54" fmla="*/ 590037 w 5734864"/>
+              <a:gd name="connsiteY54" fmla="*/ 2455536 h 6858000"/>
+              <a:gd name="connsiteX55" fmla="*/ 588179 w 5734864"/>
+              <a:gd name="connsiteY55" fmla="*/ 2462981 h 6858000"/>
+              <a:gd name="connsiteX56" fmla="*/ 583434 w 5734864"/>
+              <a:gd name="connsiteY56" fmla="*/ 2503991 h 6858000"/>
+              <a:gd name="connsiteX57" fmla="*/ 567942 w 5734864"/>
+              <a:gd name="connsiteY57" fmla="*/ 2652936 h 6858000"/>
+              <a:gd name="connsiteX58" fmla="*/ 573869 w 5734864"/>
+              <a:gd name="connsiteY58" fmla="*/ 2670188 h 6858000"/>
+              <a:gd name="connsiteX59" fmla="*/ 575243 w 5734864"/>
+              <a:gd name="connsiteY59" fmla="*/ 2688114 h 6858000"/>
+              <a:gd name="connsiteX60" fmla="*/ 573824 w 5734864"/>
+              <a:gd name="connsiteY60" fmla="*/ 2689856 h 6858000"/>
+              <a:gd name="connsiteX61" fmla="*/ 570699 w 5734864"/>
+              <a:gd name="connsiteY61" fmla="*/ 2709353 h 6858000"/>
+              <a:gd name="connsiteX62" fmla="*/ 573192 w 5734864"/>
+              <a:gd name="connsiteY62" fmla="*/ 2714527 h 6858000"/>
+              <a:gd name="connsiteX63" fmla="*/ 572044 w 5734864"/>
+              <a:gd name="connsiteY63" fmla="*/ 2728187 h 6858000"/>
+              <a:gd name="connsiteX64" fmla="*/ 572465 w 5734864"/>
+              <a:gd name="connsiteY64" fmla="*/ 2755863 h 6858000"/>
+              <a:gd name="connsiteX65" fmla="*/ 570028 w 5734864"/>
+              <a:gd name="connsiteY65" fmla="*/ 2760324 h 6858000"/>
+              <a:gd name="connsiteX66" fmla="*/ 566748 w 5734864"/>
+              <a:gd name="connsiteY66" fmla="*/ 2800948 h 6858000"/>
+              <a:gd name="connsiteX67" fmla="*/ 565509 w 5734864"/>
+              <a:gd name="connsiteY67" fmla="*/ 2801167 h 6858000"/>
+              <a:gd name="connsiteX68" fmla="*/ 559367 w 5734864"/>
+              <a:gd name="connsiteY68" fmla="*/ 2811129 h 6858000"/>
+              <a:gd name="connsiteX69" fmla="*/ 550354 w 5734864"/>
+              <a:gd name="connsiteY69" fmla="*/ 2830949 h 6858000"/>
+              <a:gd name="connsiteX70" fmla="*/ 514795 w 5734864"/>
+              <a:gd name="connsiteY70" fmla="*/ 2872433 h 6858000"/>
+              <a:gd name="connsiteX71" fmla="*/ 509875 w 5734864"/>
+              <a:gd name="connsiteY71" fmla="*/ 2923099 h 6858000"/>
+              <a:gd name="connsiteX72" fmla="*/ 509577 w 5734864"/>
+              <a:gd name="connsiteY72" fmla="*/ 2923197 h 6858000"/>
+              <a:gd name="connsiteX73" fmla="*/ 507597 w 5734864"/>
+              <a:gd name="connsiteY73" fmla="*/ 2931868 h 6858000"/>
+              <a:gd name="connsiteX74" fmla="*/ 507379 w 5734864"/>
+              <a:gd name="connsiteY74" fmla="*/ 2938322 h 6858000"/>
+              <a:gd name="connsiteX75" fmla="*/ 504725 w 5734864"/>
+              <a:gd name="connsiteY75" fmla="*/ 2954519 h 6858000"/>
+              <a:gd name="connsiteX76" fmla="*/ 502018 w 5734864"/>
+              <a:gd name="connsiteY76" fmla="*/ 2959643 h 6858000"/>
+              <a:gd name="connsiteX77" fmla="*/ 498360 w 5734864"/>
+              <a:gd name="connsiteY77" fmla="*/ 2961019 h 6858000"/>
+              <a:gd name="connsiteX78" fmla="*/ 498483 w 5734864"/>
+              <a:gd name="connsiteY78" fmla="*/ 2962590 h 6858000"/>
+              <a:gd name="connsiteX79" fmla="*/ 484403 w 5734864"/>
+              <a:gd name="connsiteY79" fmla="*/ 2990538 h 6858000"/>
+              <a:gd name="connsiteX80" fmla="*/ 463075 w 5734864"/>
+              <a:gd name="connsiteY80" fmla="*/ 3055956 h 6858000"/>
+              <a:gd name="connsiteX81" fmla="*/ 455013 w 5734864"/>
+              <a:gd name="connsiteY81" fmla="*/ 3094482 h 6858000"/>
+              <a:gd name="connsiteX82" fmla="*/ 428391 w 5734864"/>
+              <a:gd name="connsiteY82" fmla="*/ 3198850 h 6858000"/>
+              <a:gd name="connsiteX83" fmla="*/ 401440 w 5734864"/>
+              <a:gd name="connsiteY83" fmla="*/ 3307560 h 6858000"/>
+              <a:gd name="connsiteX84" fmla="*/ 386076 w 5734864"/>
+              <a:gd name="connsiteY84" fmla="*/ 3373943 h 6858000"/>
+              <a:gd name="connsiteX85" fmla="*/ 374726 w 5734864"/>
+              <a:gd name="connsiteY85" fmla="*/ 3381364 h 6858000"/>
+              <a:gd name="connsiteX86" fmla="*/ 369145 w 5734864"/>
+              <a:gd name="connsiteY86" fmla="*/ 3383729 h 6858000"/>
+              <a:gd name="connsiteX87" fmla="*/ 364294 w 5734864"/>
+              <a:gd name="connsiteY87" fmla="*/ 3414159 h 6858000"/>
+              <a:gd name="connsiteX88" fmla="*/ 366450 w 5734864"/>
+              <a:gd name="connsiteY88" fmla="*/ 3436925 h 6858000"/>
+              <a:gd name="connsiteX89" fmla="*/ 351743 w 5734864"/>
+              <a:gd name="connsiteY89" fmla="*/ 3521619 h 6858000"/>
+              <a:gd name="connsiteX90" fmla="*/ 345784 w 5734864"/>
+              <a:gd name="connsiteY90" fmla="*/ 3603757 h 6858000"/>
+              <a:gd name="connsiteX91" fmla="*/ 344198 w 5734864"/>
+              <a:gd name="connsiteY91" fmla="*/ 3652424 h 6858000"/>
+              <a:gd name="connsiteX92" fmla="*/ 352450 w 5734864"/>
+              <a:gd name="connsiteY92" fmla="*/ 3665222 h 6858000"/>
+              <a:gd name="connsiteX93" fmla="*/ 342621 w 5734864"/>
+              <a:gd name="connsiteY93" fmla="*/ 3700804 h 6858000"/>
+              <a:gd name="connsiteX94" fmla="*/ 341514 w 5734864"/>
+              <a:gd name="connsiteY94" fmla="*/ 3734774 h 6858000"/>
+              <a:gd name="connsiteX95" fmla="*/ 340607 w 5734864"/>
+              <a:gd name="connsiteY95" fmla="*/ 3785153 h 6858000"/>
+              <a:gd name="connsiteX96" fmla="*/ 340707 w 5734864"/>
+              <a:gd name="connsiteY96" fmla="*/ 3788177 h 6858000"/>
+              <a:gd name="connsiteX97" fmla="*/ 340361 w 5734864"/>
+              <a:gd name="connsiteY97" fmla="*/ 3798803 h 6858000"/>
+              <a:gd name="connsiteX98" fmla="*/ 339642 w 5734864"/>
+              <a:gd name="connsiteY98" fmla="*/ 3838750 h 6858000"/>
+              <a:gd name="connsiteX99" fmla="*/ 360295 w 5734864"/>
+              <a:gd name="connsiteY99" fmla="*/ 4015196 h 6858000"/>
+              <a:gd name="connsiteX100" fmla="*/ 339043 w 5734864"/>
+              <a:gd name="connsiteY100" fmla="*/ 4052778 h 6858000"/>
+              <a:gd name="connsiteX101" fmla="*/ 339343 w 5734864"/>
+              <a:gd name="connsiteY101" fmla="*/ 4096257 h 6858000"/>
+              <a:gd name="connsiteX102" fmla="*/ 340786 w 5734864"/>
+              <a:gd name="connsiteY102" fmla="*/ 4321136 h 6858000"/>
+              <a:gd name="connsiteX103" fmla="*/ 343158 w 5734864"/>
+              <a:gd name="connsiteY103" fmla="*/ 4429174 h 6858000"/>
+              <a:gd name="connsiteX104" fmla="*/ 334599 w 5734864"/>
+              <a:gd name="connsiteY104" fmla="*/ 4449938 h 6858000"/>
+              <a:gd name="connsiteX105" fmla="*/ 332890 w 5734864"/>
+              <a:gd name="connsiteY105" fmla="*/ 4453515 h 6858000"/>
+              <a:gd name="connsiteX106" fmla="*/ 331105 w 5734864"/>
+              <a:gd name="connsiteY106" fmla="*/ 4467941 h 6858000"/>
+              <a:gd name="connsiteX107" fmla="*/ 324289 w 5734864"/>
+              <a:gd name="connsiteY107" fmla="*/ 4471861 h 6858000"/>
+              <a:gd name="connsiteX108" fmla="*/ 317079 w 5734864"/>
+              <a:gd name="connsiteY108" fmla="*/ 4493468 h 6858000"/>
+              <a:gd name="connsiteX109" fmla="*/ 315557 w 5734864"/>
+              <a:gd name="connsiteY109" fmla="*/ 4520067 h 6858000"/>
+              <a:gd name="connsiteX110" fmla="*/ 315240 w 5734864"/>
+              <a:gd name="connsiteY110" fmla="*/ 4536872 h 6858000"/>
+              <a:gd name="connsiteX111" fmla="*/ 316200 w 5734864"/>
+              <a:gd name="connsiteY111" fmla="*/ 4538297 h 6858000"/>
+              <a:gd name="connsiteX112" fmla="*/ 317507 w 5734864"/>
+              <a:gd name="connsiteY112" fmla="*/ 4547582 h 6858000"/>
+              <a:gd name="connsiteX113" fmla="*/ 323078 w 5734864"/>
+              <a:gd name="connsiteY113" fmla="*/ 4592102 h 6858000"/>
+              <a:gd name="connsiteX114" fmla="*/ 328722 w 5734864"/>
+              <a:gd name="connsiteY114" fmla="*/ 4667914 h 6858000"/>
+              <a:gd name="connsiteX115" fmla="*/ 335597 w 5734864"/>
+              <a:gd name="connsiteY115" fmla="*/ 4695035 h 6858000"/>
+              <a:gd name="connsiteX116" fmla="*/ 339485 w 5734864"/>
+              <a:gd name="connsiteY116" fmla="*/ 4695979 h 6858000"/>
+              <a:gd name="connsiteX117" fmla="*/ 341089 w 5734864"/>
+              <a:gd name="connsiteY117" fmla="*/ 4704268 h 6858000"/>
+              <a:gd name="connsiteX118" fmla="*/ 342177 w 5734864"/>
+              <a:gd name="connsiteY118" fmla="*/ 4706060 h 6858000"/>
+              <a:gd name="connsiteX119" fmla="*/ 347751 w 5734864"/>
+              <a:gd name="connsiteY119" fmla="*/ 4716754 h 6858000"/>
+              <a:gd name="connsiteX120" fmla="*/ 344125 w 5734864"/>
+              <a:gd name="connsiteY120" fmla="*/ 4764669 h 6858000"/>
+              <a:gd name="connsiteX121" fmla="*/ 340188 w 5734864"/>
+              <a:gd name="connsiteY121" fmla="*/ 4779386 h 6858000"/>
+              <a:gd name="connsiteX122" fmla="*/ 335146 w 5734864"/>
+              <a:gd name="connsiteY122" fmla="*/ 4787491 h 6858000"/>
+              <a:gd name="connsiteX123" fmla="*/ 319124 w 5734864"/>
+              <a:gd name="connsiteY123" fmla="*/ 4843514 h 6858000"/>
+              <a:gd name="connsiteX124" fmla="*/ 305956 w 5734864"/>
+              <a:gd name="connsiteY124" fmla="*/ 4881505 h 6858000"/>
+              <a:gd name="connsiteX125" fmla="*/ 301062 w 5734864"/>
+              <a:gd name="connsiteY125" fmla="*/ 4889332 h 6858000"/>
+              <a:gd name="connsiteX126" fmla="*/ 302141 w 5734864"/>
+              <a:gd name="connsiteY126" fmla="*/ 4899400 h 6858000"/>
+              <a:gd name="connsiteX127" fmla="*/ 304424 w 5734864"/>
+              <a:gd name="connsiteY127" fmla="*/ 4902664 h 6858000"/>
+              <a:gd name="connsiteX128" fmla="*/ 293123 w 5734864"/>
+              <a:gd name="connsiteY128" fmla="*/ 4932769 h 6858000"/>
+              <a:gd name="connsiteX129" fmla="*/ 292275 w 5734864"/>
+              <a:gd name="connsiteY129" fmla="*/ 4936482 h 6858000"/>
+              <a:gd name="connsiteX130" fmla="*/ 288304 w 5734864"/>
+              <a:gd name="connsiteY130" fmla="*/ 4962325 h 6858000"/>
+              <a:gd name="connsiteX131" fmla="*/ 287420 w 5734864"/>
+              <a:gd name="connsiteY131" fmla="*/ 5042193 h 6858000"/>
+              <a:gd name="connsiteX132" fmla="*/ 287020 w 5734864"/>
+              <a:gd name="connsiteY132" fmla="*/ 5065655 h 6858000"/>
+              <a:gd name="connsiteX133" fmla="*/ 288488 w 5734864"/>
+              <a:gd name="connsiteY133" fmla="*/ 5082216 h 6858000"/>
+              <a:gd name="connsiteX134" fmla="*/ 282763 w 5734864"/>
+              <a:gd name="connsiteY134" fmla="*/ 5127114 h 6858000"/>
+              <a:gd name="connsiteX135" fmla="*/ 269316 w 5734864"/>
+              <a:gd name="connsiteY135" fmla="*/ 5202682 h 6858000"/>
+              <a:gd name="connsiteX136" fmla="*/ 269174 w 5734864"/>
+              <a:gd name="connsiteY136" fmla="*/ 5230835 h 6858000"/>
+              <a:gd name="connsiteX137" fmla="*/ 272679 w 5734864"/>
+              <a:gd name="connsiteY137" fmla="*/ 5232660 h 6858000"/>
+              <a:gd name="connsiteX138" fmla="*/ 272160 w 5734864"/>
+              <a:gd name="connsiteY138" fmla="*/ 5241150 h 6858000"/>
+              <a:gd name="connsiteX139" fmla="*/ 272760 w 5734864"/>
+              <a:gd name="connsiteY139" fmla="*/ 5243156 h 6858000"/>
+              <a:gd name="connsiteX140" fmla="*/ 275462 w 5734864"/>
+              <a:gd name="connsiteY140" fmla="*/ 5254919 h 6858000"/>
+              <a:gd name="connsiteX141" fmla="*/ 262897 w 5734864"/>
+              <a:gd name="connsiteY141" fmla="*/ 5286259 h 6858000"/>
+              <a:gd name="connsiteX142" fmla="*/ 252761 w 5734864"/>
+              <a:gd name="connsiteY142" fmla="*/ 5357801 h 6858000"/>
+              <a:gd name="connsiteX143" fmla="*/ 242360 w 5734864"/>
+              <a:gd name="connsiteY143" fmla="*/ 5460080 h 6858000"/>
+              <a:gd name="connsiteX144" fmla="*/ 229880 w 5734864"/>
+              <a:gd name="connsiteY144" fmla="*/ 5539714 h 6858000"/>
+              <a:gd name="connsiteX145" fmla="*/ 204283 w 5734864"/>
+              <a:gd name="connsiteY145" fmla="*/ 5639080 h 6858000"/>
+              <a:gd name="connsiteX146" fmla="*/ 198948 w 5734864"/>
+              <a:gd name="connsiteY146" fmla="*/ 5710958 h 6858000"/>
+              <a:gd name="connsiteX147" fmla="*/ 192367 w 5734864"/>
+              <a:gd name="connsiteY147" fmla="*/ 5719859 h 6858000"/>
+              <a:gd name="connsiteX148" fmla="*/ 188035 w 5734864"/>
+              <a:gd name="connsiteY148" fmla="*/ 5729935 h 6858000"/>
+              <a:gd name="connsiteX149" fmla="*/ 188428 w 5734864"/>
+              <a:gd name="connsiteY149" fmla="*/ 5731182 h 6858000"/>
+              <a:gd name="connsiteX150" fmla="*/ 181635 w 5734864"/>
+              <a:gd name="connsiteY150" fmla="*/ 5753538 h 6858000"/>
+              <a:gd name="connsiteX151" fmla="*/ 169744 w 5734864"/>
+              <a:gd name="connsiteY151" fmla="*/ 5796307 h 6858000"/>
+              <a:gd name="connsiteX152" fmla="*/ 170351 w 5734864"/>
+              <a:gd name="connsiteY152" fmla="*/ 5796644 h 6858000"/>
+              <a:gd name="connsiteX153" fmla="*/ 171559 w 5734864"/>
+              <a:gd name="connsiteY153" fmla="*/ 5803435 h 6858000"/>
+              <a:gd name="connsiteX154" fmla="*/ 172284 w 5734864"/>
+              <a:gd name="connsiteY154" fmla="*/ 5816391 h 6858000"/>
+              <a:gd name="connsiteX155" fmla="*/ 182542 w 5734864"/>
+              <a:gd name="connsiteY155" fmla="*/ 5846382 h 6858000"/>
+              <a:gd name="connsiteX156" fmla="*/ 175877 w 5734864"/>
+              <a:gd name="connsiteY156" fmla="*/ 5871336 h 6858000"/>
+              <a:gd name="connsiteX157" fmla="*/ 174910 w 5734864"/>
+              <a:gd name="connsiteY157" fmla="*/ 5876376 h 6858000"/>
+              <a:gd name="connsiteX158" fmla="*/ 175047 w 5734864"/>
+              <a:gd name="connsiteY158" fmla="*/ 5876483 h 6858000"/>
+              <a:gd name="connsiteX159" fmla="*/ 174335 w 5734864"/>
+              <a:gd name="connsiteY159" fmla="*/ 5881814 h 6858000"/>
+              <a:gd name="connsiteX160" fmla="*/ 171273 w 5734864"/>
+              <a:gd name="connsiteY160" fmla="*/ 5895339 h 6858000"/>
+              <a:gd name="connsiteX161" fmla="*/ 171658 w 5734864"/>
+              <a:gd name="connsiteY161" fmla="*/ 5898749 h 6858000"/>
+              <a:gd name="connsiteX162" fmla="*/ 174658 w 5734864"/>
+              <a:gd name="connsiteY162" fmla="*/ 5919558 h 6858000"/>
+              <a:gd name="connsiteX163" fmla="*/ 169099 w 5734864"/>
+              <a:gd name="connsiteY163" fmla="*/ 5984417 h 6858000"/>
+              <a:gd name="connsiteX164" fmla="*/ 162007 w 5734864"/>
+              <a:gd name="connsiteY164" fmla="*/ 6049043 h 6858000"/>
+              <a:gd name="connsiteX165" fmla="*/ 156875 w 5734864"/>
+              <a:gd name="connsiteY165" fmla="*/ 6114000 h 6858000"/>
+              <a:gd name="connsiteX166" fmla="*/ 165441 w 5734864"/>
+              <a:gd name="connsiteY166" fmla="*/ 6146938 h 6858000"/>
+              <a:gd name="connsiteX167" fmla="*/ 165177 w 5734864"/>
+              <a:gd name="connsiteY167" fmla="*/ 6150658 h 6858000"/>
+              <a:gd name="connsiteX168" fmla="*/ 161772 w 5734864"/>
+              <a:gd name="connsiteY168" fmla="*/ 6160011 h 6858000"/>
+              <a:gd name="connsiteX169" fmla="*/ 160051 w 5734864"/>
+              <a:gd name="connsiteY169" fmla="*/ 6163393 h 6858000"/>
+              <a:gd name="connsiteX170" fmla="*/ 158473 w 5734864"/>
+              <a:gd name="connsiteY170" fmla="*/ 6168628 h 6858000"/>
+              <a:gd name="connsiteX171" fmla="*/ 158573 w 5734864"/>
+              <a:gd name="connsiteY171" fmla="*/ 6168799 h 6858000"/>
+              <a:gd name="connsiteX172" fmla="*/ 146463 w 5734864"/>
+              <a:gd name="connsiteY172" fmla="*/ 6196671 h 6858000"/>
+              <a:gd name="connsiteX173" fmla="*/ 150209 w 5734864"/>
+              <a:gd name="connsiteY173" fmla="*/ 6232365 h 6858000"/>
+              <a:gd name="connsiteX174" fmla="*/ 148544 w 5734864"/>
+              <a:gd name="connsiteY174" fmla="*/ 6246162 h 6858000"/>
+              <a:gd name="connsiteX175" fmla="*/ 148403 w 5734864"/>
+              <a:gd name="connsiteY175" fmla="*/ 6253754 h 6858000"/>
+              <a:gd name="connsiteX176" fmla="*/ 138880 w 5734864"/>
+              <a:gd name="connsiteY176" fmla="*/ 6276449 h 6858000"/>
+              <a:gd name="connsiteX177" fmla="*/ 138683 w 5734864"/>
+              <a:gd name="connsiteY177" fmla="*/ 6279721 h 6858000"/>
+              <a:gd name="connsiteX178" fmla="*/ 130721 w 5734864"/>
+              <a:gd name="connsiteY178" fmla="*/ 6293675 h 6858000"/>
+              <a:gd name="connsiteX179" fmla="*/ 120717 w 5734864"/>
+              <a:gd name="connsiteY179" fmla="*/ 6313967 h 6858000"/>
+              <a:gd name="connsiteX180" fmla="*/ 120841 w 5734864"/>
+              <a:gd name="connsiteY180" fmla="*/ 6315437 h 6858000"/>
+              <a:gd name="connsiteX181" fmla="*/ 115208 w 5734864"/>
+              <a:gd name="connsiteY181" fmla="*/ 6324024 h 6858000"/>
+              <a:gd name="connsiteX182" fmla="*/ 101217 w 5734864"/>
+              <a:gd name="connsiteY182" fmla="*/ 6365923 h 6858000"/>
+              <a:gd name="connsiteX183" fmla="*/ 74946 w 5734864"/>
+              <a:gd name="connsiteY183" fmla="*/ 6556817 h 6858000"/>
+              <a:gd name="connsiteX184" fmla="*/ 16001 w 5734864"/>
+              <a:gd name="connsiteY184" fmla="*/ 6808678 h 6858000"/>
+              <a:gd name="connsiteX185" fmla="*/ 0 w 5734864"/>
+              <a:gd name="connsiteY185" fmla="*/ 6858000 h 6858000"/>
+              <a:gd name="connsiteX186" fmla="*/ 5734864 w 5734864"/>
+              <a:gd name="connsiteY186" fmla="*/ 6858000 h 6858000"/>
+              <a:gd name="connsiteX187" fmla="*/ 5734864 w 5734864"/>
+              <a:gd name="connsiteY187" fmla="*/ 0 h 6858000"/>
+            </a:gdLst>
+            <a:ahLst/>
+            <a:cxnLst>
+              <a:cxn ang="0">
+                <a:pos x="connsiteX0" y="connsiteY0"/>
+              </a:cxn>
+              <a:cxn ang="0">
+                <a:pos x="connsiteX1" y="connsiteY1"/>
+              </a:cxn>
+              <a:cxn ang="0">
+                <a:pos x="connsiteX2" y="connsiteY2"/>
+              </a:cxn>
+              <a:cxn ang="0">
+                <a:pos x="connsiteX3" y="connsiteY3"/>
+              </a:cxn>
+              <a:cxn ang="0">
+                <a:pos x="connsiteX4" y="connsiteY4"/>
+              </a:cxn>
+              <a:cxn ang="0">
+                <a:pos x="connsiteX5" y="connsiteY5"/>
+              </a:cxn>
+              <a:cxn ang="0">
+                <a:pos x="connsiteX6" y="connsiteY6"/>
+              </a:cxn>
+              <a:cxn ang="0">
+                <a:pos x="connsiteX7" y="connsiteY7"/>
+              </a:cxn>
+              <a:cxn ang="0">
+                <a:pos x="connsiteX8" y="connsiteY8"/>
+              </a:cxn>
+              <a:cxn ang="0">
+                <a:pos x="connsiteX9" y="connsiteY9"/>
+              </a:cxn>
+              <a:cxn ang="0">
+                <a:pos x="connsiteX10" y="connsiteY10"/>
+              </a:cxn>
+              <a:cxn ang="0">
+                <a:pos x="connsiteX11" y="connsiteY11"/>
+              </a:cxn>
+              <a:cxn ang="0">
+                <a:pos x="connsiteX12" y="connsiteY12"/>
+              </a:cxn>
+              <a:cxn ang="0">
+                <a:pos x="connsiteX13" y="connsiteY13"/>
+              </a:cxn>
+              <a:cxn ang="0">
+                <a:pos x="connsiteX14" y="connsiteY14"/>
+              </a:cxn>
+              <a:cxn ang="0">
+                <a:pos x="connsiteX15" y="connsiteY15"/>
+              </a:cxn>
+              <a:cxn ang="0">
+                <a:pos x="connsiteX16" y="connsiteY16"/>
+              </a:cxn>
+              <a:cxn ang="0">
+                <a:pos x="connsiteX17" y="connsiteY17"/>
+              </a:cxn>
+              <a:cxn ang="0">
+                <a:pos x="connsiteX18" y="connsiteY18"/>
+              </a:cxn>
+              <a:cxn ang="0">
+                <a:pos x="connsiteX19" y="connsiteY19"/>
+              </a:cxn>
+              <a:cxn ang="0">
+                <a:pos x="connsiteX20" y="connsiteY20"/>
+              </a:cxn>
+              <a:cxn ang="0">
+                <a:pos x="connsiteX21" y="connsiteY21"/>
+              </a:cxn>
+              <a:cxn ang="0">
+                <a:pos x="connsiteX22" y="connsiteY22"/>
+              </a:cxn>
+              <a:cxn ang="0">
+                <a:pos x="connsiteX23" y="connsiteY23"/>
+              </a:cxn>
+              <a:cxn ang="0">
+                <a:pos x="connsiteX24" y="connsiteY24"/>
+              </a:cxn>
+              <a:cxn ang="0">
+                <a:pos x="connsiteX25" y="connsiteY25"/>
+              </a:cxn>
+              <a:cxn ang="0">
+                <a:pos x="connsiteX26" y="connsiteY26"/>
+              </a:cxn>
+              <a:cxn ang="0">
+                <a:pos x="connsiteX27" y="connsiteY27"/>
+              </a:cxn>
+              <a:cxn ang="0">
+                <a:pos x="connsiteX28" y="connsiteY28"/>
+              </a:cxn>
+              <a:cxn ang="0">
+                <a:pos x="connsiteX29" y="connsiteY29"/>
+              </a:cxn>
+              <a:cxn ang="0">
+                <a:pos x="connsiteX30" y="connsiteY30"/>
+              </a:cxn>
+              <a:cxn ang="0">
+                <a:pos x="connsiteX31" y="connsiteY31"/>
+              </a:cxn>
+              <a:cxn ang="0">
+                <a:pos x="connsiteX32" y="connsiteY32"/>
+              </a:cxn>
+              <a:cxn ang="0">
+                <a:pos x="connsiteX33" y="connsiteY33"/>
+              </a:cxn>
+              <a:cxn ang="0">
+                <a:pos x="connsiteX34" y="connsiteY34"/>
+              </a:cxn>
+              <a:cxn ang="0">
+                <a:pos x="connsiteX35" y="connsiteY35"/>
+              </a:cxn>
+              <a:cxn ang="0">
+                <a:pos x="connsiteX36" y="connsiteY36"/>
+              </a:cxn>
+              <a:cxn ang="0">
+                <a:pos x="connsiteX37" y="connsiteY37"/>
+              </a:cxn>
+              <a:cxn ang="0">
+                <a:pos x="connsiteX38" y="connsiteY38"/>
+              </a:cxn>
+              <a:cxn ang="0">
+                <a:pos x="connsiteX39" y="connsiteY39"/>
+              </a:cxn>
+              <a:cxn ang="0">
+                <a:pos x="connsiteX40" y="connsiteY40"/>
+              </a:cxn>
+              <a:cxn ang="0">
+                <a:pos x="connsiteX41" y="connsiteY41"/>
+              </a:cxn>
+              <a:cxn ang="0">
+                <a:pos x="connsiteX42" y="connsiteY42"/>
+              </a:cxn>
+              <a:cxn ang="0">
+                <a:pos x="connsiteX43" y="connsiteY43"/>
+              </a:cxn>
+              <a:cxn ang="0">
+                <a:pos x="connsiteX44" y="connsiteY44"/>
+              </a:cxn>
+              <a:cxn ang="0">
+                <a:pos x="connsiteX45" y="connsiteY45"/>
+              </a:cxn>
+              <a:cxn ang="0">
+                <a:pos x="connsiteX46" y="connsiteY46"/>
+              </a:cxn>
+              <a:cxn ang="0">
+                <a:pos x="connsiteX47" y="connsiteY47"/>
+              </a:cxn>
+              <a:cxn ang="0">
+                <a:pos x="connsiteX48" y="connsiteY48"/>
+              </a:cxn>
+              <a:cxn ang="0">
+                <a:pos x="connsiteX49" y="connsiteY49"/>
+              </a:cxn>
+              <a:cxn ang="0">
+                <a:pos x="connsiteX50" y="connsiteY50"/>
+              </a:cxn>
+              <a:cxn ang="0">
+                <a:pos x="connsiteX51" y="connsiteY51"/>
+              </a:cxn>
+              <a:cxn ang="0">
+                <a:pos x="connsiteX52" y="connsiteY52"/>
+              </a:cxn>
+              <a:cxn ang="0">
+                <a:pos x="connsiteX53" y="connsiteY53"/>
+              </a:cxn>
+              <a:cxn ang="0">
+                <a:pos x="connsiteX54" y="connsiteY54"/>
+              </a:cxn>
+              <a:cxn ang="0">
+                <a:pos x="connsiteX55" y="connsiteY55"/>
+              </a:cxn>
+              <a:cxn ang="0">
+                <a:pos x="connsiteX56" y="connsiteY56"/>
+              </a:cxn>
+              <a:cxn ang="0">
+                <a:pos x="connsiteX57" y="connsiteY57"/>
+              </a:cxn>
+              <a:cxn ang="0">
+                <a:pos x="connsiteX58" y="connsiteY58"/>
+              </a:cxn>
+              <a:cxn ang="0">
+                <a:pos x="connsiteX59" y="connsiteY59"/>
+              </a:cxn>
+              <a:cxn ang="0">
+                <a:pos x="connsiteX60" y="connsiteY60"/>
+              </a:cxn>
+              <a:cxn ang="0">
+                <a:pos x="connsiteX61" y="connsiteY61"/>
+              </a:cxn>
+              <a:cxn ang="0">
+                <a:pos x="connsiteX62" y="connsiteY62"/>
+              </a:cxn>
+              <a:cxn ang="0">
+                <a:pos x="connsiteX63" y="connsiteY63"/>
+              </a:cxn>
+              <a:cxn ang="0">
+                <a:pos x="connsiteX64" y="connsiteY64"/>
+              </a:cxn>
+              <a:cxn ang="0">
+                <a:pos x="connsiteX65" y="connsiteY65"/>
+              </a:cxn>
+              <a:cxn ang="0">
+                <a:pos x="connsiteX66" y="connsiteY66"/>
+              </a:cxn>
+              <a:cxn ang="0">
+                <a:pos x="connsiteX67" y="connsiteY67"/>
+              </a:cxn>
+              <a:cxn ang="0">
+                <a:pos x="connsiteX68" y="connsiteY68"/>
+              </a:cxn>
+              <a:cxn ang="0">
+                <a:pos x="connsiteX69" y="connsiteY69"/>
+              </a:cxn>
+              <a:cxn ang="0">
+                <a:pos x="connsiteX70" y="connsiteY70"/>
+              </a:cxn>
+              <a:cxn ang="0">
+                <a:pos x="connsiteX71" y="connsiteY71"/>
+              </a:cxn>
+              <a:cxn ang="0">
+                <a:pos x="connsiteX72" y="connsiteY72"/>
+              </a:cxn>
+              <a:cxn ang="0">
+                <a:pos x="connsiteX73" y="connsiteY73"/>
+              </a:cxn>
+              <a:cxn ang="0">
+                <a:pos x="connsiteX74" y="connsiteY74"/>
+              </a:cxn>
+              <a:cxn ang="0">
+                <a:pos x="connsiteX75" y="connsiteY75"/>
+              </a:cxn>
+              <a:cxn ang="0">
+                <a:pos x="connsiteX76" y="connsiteY76"/>
+              </a:cxn>
+              <a:cxn ang="0">
+                <a:pos x="connsiteX77" y="connsiteY77"/>
+              </a:cxn>
+              <a:cxn ang="0">
+                <a:pos x="connsiteX78" y="connsiteY78"/>
+              </a:cxn>
+              <a:cxn ang="0">
+                <a:pos x="connsiteX79" y="connsiteY79"/>
+              </a:cxn>
+              <a:cxn ang="0">
+                <a:pos x="connsiteX80" y="connsiteY80"/>
+              </a:cxn>
+              <a:cxn ang="0">
+                <a:pos x="connsiteX81" y="connsiteY81"/>
+              </a:cxn>
+              <a:cxn ang="0">
+                <a:pos x="connsiteX82" y="connsiteY82"/>
+              </a:cxn>
+              <a:cxn ang="0">
+                <a:pos x="connsiteX83" y="connsiteY83"/>
+              </a:cxn>
+              <a:cxn ang="0">
+                <a:pos x="connsiteX84" y="connsiteY84"/>
+              </a:cxn>
+              <a:cxn ang="0">
+                <a:pos x="connsiteX85" y="connsiteY85"/>
+              </a:cxn>
+              <a:cxn ang="0">
+                <a:pos x="connsiteX86" y="connsiteY86"/>
+              </a:cxn>
+              <a:cxn ang="0">
+                <a:pos x="connsiteX87" y="connsiteY87"/>
+              </a:cxn>
+              <a:cxn ang="0">
+                <a:pos x="connsiteX88" y="connsiteY88"/>
+              </a:cxn>
+              <a:cxn ang="0">
+                <a:pos x="connsiteX89" y="connsiteY89"/>
+              </a:cxn>
+              <a:cxn ang="0">
+                <a:pos x="connsiteX90" y="connsiteY90"/>
+              </a:cxn>
+              <a:cxn ang="0">
+                <a:pos x="connsiteX91" y="connsiteY91"/>
+              </a:cxn>
+              <a:cxn ang="0">
+                <a:pos x="connsiteX92" y="connsiteY92"/>
+              </a:cxn>
+              <a:cxn ang="0">
+                <a:pos x="connsiteX93" y="connsiteY93"/>
+              </a:cxn>
+              <a:cxn ang="0">
+                <a:pos x="connsiteX94" y="connsiteY94"/>
+              </a:cxn>
+              <a:cxn ang="0">
+                <a:pos x="connsiteX95" y="connsiteY95"/>
+              </a:cxn>
+              <a:cxn ang="0">
+                <a:pos x="connsiteX96" y="connsiteY96"/>
+              </a:cxn>
+              <a:cxn ang="0">
+                <a:pos x="connsiteX97" y="connsiteY97"/>
+              </a:cxn>
+              <a:cxn ang="0">
+                <a:pos x="connsiteX98" y="connsiteY98"/>
+              </a:cxn>
+              <a:cxn ang="0">
+                <a:pos x="connsiteX99" y="connsiteY99"/>
+              </a:cxn>
+              <a:cxn ang="0">
+                <a:pos x="connsiteX100" y="connsiteY100"/>
+              </a:cxn>
+              <a:cxn ang="0">
+                <a:pos x="connsiteX101" y="connsiteY101"/>
+              </a:cxn>
+              <a:cxn ang="0">
+                <a:pos x="connsiteX102" y="connsiteY102"/>
+              </a:cxn>
+              <a:cxn ang="0">
+                <a:pos x="connsiteX103" y="connsiteY103"/>
+              </a:cxn>
+              <a:cxn ang="0">
+                <a:pos x="connsiteX104" y="connsiteY104"/>
+              </a:cxn>
+              <a:cxn ang="0">
+                <a:pos x="connsiteX105" y="connsiteY105"/>
+              </a:cxn>
+              <a:cxn ang="0">
+                <a:pos x="connsiteX106" y="connsiteY106"/>
+              </a:cxn>
+              <a:cxn ang="0">
+                <a:pos x="connsiteX107" y="connsiteY107"/>
+              </a:cxn>
+              <a:cxn ang="0">
+                <a:pos x="connsiteX108" y="connsiteY108"/>
+              </a:cxn>
+              <a:cxn ang="0">
+                <a:pos x="connsiteX109" y="connsiteY109"/>
+              </a:cxn>
+              <a:cxn ang="0">
+                <a:pos x="connsiteX110" y="connsiteY110"/>
+              </a:cxn>
+              <a:cxn ang="0">
+                <a:pos x="connsiteX111" y="connsiteY111"/>
+              </a:cxn>
+              <a:cxn ang="0">
+                <a:pos x="connsiteX112" y="connsiteY112"/>
+              </a:cxn>
+              <a:cxn ang="0">
+                <a:pos x="connsiteX113" y="connsiteY113"/>
+              </a:cxn>
+              <a:cxn ang="0">
+                <a:pos x="connsiteX114" y="connsiteY114"/>
+              </a:cxn>
+              <a:cxn ang="0">
+                <a:pos x="connsiteX115" y="connsiteY115"/>
+              </a:cxn>
+              <a:cxn ang="0">
+                <a:pos x="connsiteX116" y="connsiteY116"/>
+              </a:cxn>
+              <a:cxn ang="0">
+                <a:pos x="connsiteX117" y="connsiteY117"/>
+              </a:cxn>
+              <a:cxn ang="0">
+                <a:pos x="connsiteX118" y="connsiteY118"/>
+              </a:cxn>
+              <a:cxn ang="0">
+                <a:pos x="connsiteX119" y="connsiteY119"/>
+              </a:cxn>
+              <a:cxn ang="0">
+                <a:pos x="connsiteX120" y="connsiteY120"/>
+              </a:cxn>
+              <a:cxn ang="0">
+                <a:pos x="connsiteX121" y="connsiteY121"/>
+              </a:cxn>
+              <a:cxn ang="0">
+                <a:pos x="connsiteX122" y="connsiteY122"/>
+              </a:cxn>
+              <a:cxn ang="0">
+                <a:pos x="connsiteX123" y="connsiteY123"/>
+              </a:cxn>
+              <a:cxn ang="0">
+                <a:pos x="connsiteX124" y="connsiteY124"/>
+              </a:cxn>
+              <a:cxn ang="0">
+                <a:pos x="connsiteX125" y="connsiteY125"/>
+              </a:cxn>
+              <a:cxn ang="0">
+                <a:pos x="connsiteX126" y="connsiteY126"/>
+              </a:cxn>
+              <a:cxn ang="0">
+                <a:pos x="connsiteX127" y="connsiteY127"/>
+              </a:cxn>
+              <a:cxn ang="0">
+                <a:pos x="connsiteX128" y="connsiteY128"/>
+              </a:cxn>
+              <a:cxn ang="0">
+                <a:pos x="connsiteX129" y="connsiteY129"/>
+              </a:cxn>
+              <a:cxn ang="0">
+                <a:pos x="connsiteX130" y="connsiteY130"/>
+              </a:cxn>
+              <a:cxn ang="0">
+                <a:pos x="connsiteX131" y="connsiteY131"/>
+              </a:cxn>
+              <a:cxn ang="0">
+                <a:pos x="connsiteX132" y="connsiteY132"/>
+              </a:cxn>
+              <a:cxn ang="0">
+                <a:pos x="connsiteX133" y="connsiteY133"/>
+              </a:cxn>
+              <a:cxn ang="0">
+                <a:pos x="connsiteX134" y="connsiteY134"/>
+              </a:cxn>
+              <a:cxn ang="0">
+                <a:pos x="connsiteX135" y="connsiteY135"/>
+              </a:cxn>
+              <a:cxn ang="0">
+                <a:pos x="connsiteX136" y="connsiteY136"/>
+              </a:cxn>
+              <a:cxn ang="0">
+                <a:pos x="connsiteX137" y="connsiteY137"/>
+              </a:cxn>
+              <a:cxn ang="0">
+                <a:pos x="connsiteX138" y="connsiteY138"/>
+              </a:cxn>
+              <a:cxn ang="0">
+                <a:pos x="connsiteX139" y="connsiteY139"/>
+              </a:cxn>
+              <a:cxn ang="0">
+                <a:pos x="connsiteX140" y="connsiteY140"/>
+              </a:cxn>
+              <a:cxn ang="0">
+                <a:pos x="connsiteX141" y="connsiteY141"/>
+              </a:cxn>
+              <a:cxn ang="0">
+                <a:pos x="connsiteX142" y="connsiteY142"/>
+              </a:cxn>
+              <a:cxn ang="0">
+                <a:pos x="connsiteX143" y="connsiteY143"/>
+              </a:cxn>
+              <a:cxn ang="0">
+                <a:pos x="connsiteX144" y="connsiteY144"/>
+              </a:cxn>
+              <a:cxn ang="0">
+                <a:pos x="connsiteX145" y="connsiteY145"/>
+              </a:cxn>
+              <a:cxn ang="0">
+                <a:pos x="connsiteX146" y="connsiteY146"/>
+              </a:cxn>
+              <a:cxn ang="0">
+                <a:pos x="connsiteX147" y="connsiteY147"/>
+              </a:cxn>
+              <a:cxn ang="0">
+                <a:pos x="connsiteX148" y="connsiteY148"/>
+              </a:cxn>
+              <a:cxn ang="0">
+                <a:pos x="connsiteX149" y="connsiteY149"/>
+              </a:cxn>
+              <a:cxn ang="0">
+                <a:pos x="connsiteX150" y="connsiteY150"/>
+              </a:cxn>
+              <a:cxn ang="0">
+                <a:pos x="connsiteX151" y="connsiteY151"/>
+              </a:cxn>
+              <a:cxn ang="0">
+                <a:pos x="connsiteX152" y="connsiteY152"/>
+              </a:cxn>
+              <a:cxn ang="0">
+                <a:pos x="connsiteX153" y="connsiteY153"/>
+              </a:cxn>
+              <a:cxn ang="0">
+                <a:pos x="connsiteX154" y="connsiteY154"/>
+              </a:cxn>
+              <a:cxn ang="0">
+                <a:pos x="connsiteX155" y="connsiteY155"/>
+              </a:cxn>
+              <a:cxn ang="0">
+                <a:pos x="connsiteX156" y="connsiteY156"/>
+              </a:cxn>
+              <a:cxn ang="0">
+                <a:pos x="connsiteX157" y="connsiteY157"/>
+              </a:cxn>
+              <a:cxn ang="0">
+                <a:pos x="connsiteX158" y="connsiteY158"/>
+              </a:cxn>
+              <a:cxn ang="0">
+                <a:pos x="connsiteX159" y="connsiteY159"/>
+              </a:cxn>
+              <a:cxn ang="0">
+                <a:pos x="connsiteX160" y="connsiteY160"/>
+              </a:cxn>
+              <a:cxn ang="0">
+                <a:pos x="connsiteX161" y="connsiteY161"/>
+              </a:cxn>
+              <a:cxn ang="0">
+                <a:pos x="connsiteX162" y="connsiteY162"/>
+              </a:cxn>
+              <a:cxn ang="0">
+                <a:pos x="connsiteX163" y="connsiteY163"/>
+              </a:cxn>
+              <a:cxn ang="0">
+                <a:pos x="connsiteX164" y="connsiteY164"/>
+              </a:cxn>
+              <a:cxn ang="0">
+                <a:pos x="connsiteX165" y="connsiteY165"/>
+              </a:cxn>
+              <a:cxn ang="0">
+                <a:pos x="connsiteX166" y="connsiteY166"/>
+              </a:cxn>
+              <a:cxn ang="0">
+                <a:pos x="connsiteX167" y="connsiteY167"/>
+              </a:cxn>
+              <a:cxn ang="0">
+                <a:pos x="connsiteX168" y="connsiteY168"/>
+              </a:cxn>
+              <a:cxn ang="0">
+                <a:pos x="connsiteX169" y="connsiteY169"/>
+              </a:cxn>
+              <a:cxn ang="0">
+                <a:pos x="connsiteX170" y="connsiteY170"/>
+              </a:cxn>
+              <a:cxn ang="0">
+                <a:pos x="connsiteX171" y="connsiteY171"/>
+              </a:cxn>
+              <a:cxn ang="0">
+                <a:pos x="connsiteX172" y="connsiteY172"/>
+              </a:cxn>
+              <a:cxn ang="0">
+                <a:pos x="connsiteX173" y="connsiteY173"/>
+              </a:cxn>
+              <a:cxn ang="0">
+                <a:pos x="connsiteX174" y="connsiteY174"/>
+              </a:cxn>
+              <a:cxn ang="0">
+                <a:pos x="connsiteX175" y="connsiteY175"/>
+              </a:cxn>
+              <a:cxn ang="0">
+                <a:pos x="connsiteX176" y="connsiteY176"/>
+              </a:cxn>
+              <a:cxn ang="0">
+                <a:pos x="connsiteX177" y="connsiteY177"/>
+              </a:cxn>
+              <a:cxn ang="0">
+                <a:pos x="connsiteX178" y="connsiteY178"/>
+              </a:cxn>
+              <a:cxn ang="0">
+                <a:pos x="connsiteX179" y="connsiteY179"/>
+              </a:cxn>
+              <a:cxn ang="0">
+                <a:pos x="connsiteX180" y="connsiteY180"/>
+              </a:cxn>
+              <a:cxn ang="0">
+                <a:pos x="connsiteX181" y="connsiteY181"/>
+              </a:cxn>
+              <a:cxn ang="0">
+                <a:pos x="connsiteX182" y="connsiteY182"/>
+              </a:cxn>
+              <a:cxn ang="0">
+                <a:pos x="connsiteX183" y="connsiteY183"/>
+              </a:cxn>
+              <a:cxn ang="0">
+                <a:pos x="connsiteX184" y="connsiteY184"/>
+              </a:cxn>
+              <a:cxn ang="0">
+                <a:pos x="connsiteX185" y="connsiteY185"/>
+              </a:cxn>
+              <a:cxn ang="0">
+                <a:pos x="connsiteX186" y="connsiteY186"/>
+              </a:cxn>
+              <a:cxn ang="0">
+                <a:pos x="connsiteX187" y="connsiteY187"/>
+              </a:cxn>
+            </a:cxnLst>
+            <a:rect l="l" t="t" r="r" b="b"/>
+            <a:pathLst>
+              <a:path w="5734864" h="6858000">
+                <a:moveTo>
+                  <a:pt x="5734864" y="0"/>
+                </a:moveTo>
+                <a:lnTo>
+                  <a:pt x="771611" y="0"/>
+                </a:lnTo>
+                <a:cubicBezTo>
+                  <a:pt x="771634" y="16369"/>
+                  <a:pt x="771656" y="32739"/>
+                  <a:pt x="771679" y="49108"/>
+                </a:cubicBezTo>
+                <a:cubicBezTo>
+                  <a:pt x="775201" y="55622"/>
+                  <a:pt x="788724" y="196721"/>
+                  <a:pt x="794248" y="200968"/>
+                </a:cubicBezTo>
+                <a:lnTo>
+                  <a:pt x="801749" y="414071"/>
+                </a:lnTo>
+                <a:cubicBezTo>
+                  <a:pt x="807329" y="440933"/>
+                  <a:pt x="835107" y="598697"/>
+                  <a:pt x="818548" y="585467"/>
+                </a:cubicBezTo>
+                <a:cubicBezTo>
+                  <a:pt x="856197" y="664140"/>
+                  <a:pt x="837895" y="708473"/>
+                  <a:pt x="857476" y="800623"/>
+                </a:cubicBezTo>
+                <a:cubicBezTo>
+                  <a:pt x="822401" y="857344"/>
+                  <a:pt x="855723" y="824571"/>
+                  <a:pt x="851083" y="878903"/>
+                </a:cubicBezTo>
+                <a:cubicBezTo>
+                  <a:pt x="884811" y="859448"/>
+                  <a:pt x="834648" y="946397"/>
+                  <a:pt x="873564" y="943826"/>
+                </a:cubicBezTo>
+                <a:cubicBezTo>
+                  <a:pt x="871487" y="953795"/>
+                  <a:pt x="868248" y="963533"/>
+                  <a:pt x="864705" y="973328"/>
+                </a:cubicBezTo>
+                <a:lnTo>
+                  <a:pt x="862869" y="978457"/>
+                </a:lnTo>
+                <a:lnTo>
+                  <a:pt x="862233" y="998041"/>
+                </a:lnTo>
+                <a:lnTo>
+                  <a:pt x="853665" y="1004750"/>
+                </a:lnTo>
+                <a:lnTo>
+                  <a:pt x="847865" y="1070795"/>
+                </a:lnTo>
+                <a:cubicBezTo>
+                  <a:pt x="870234" y="1110486"/>
+                  <a:pt x="833172" y="1190441"/>
+                  <a:pt x="862786" y="1238994"/>
+                </a:cubicBezTo>
+                <a:cubicBezTo>
+                  <a:pt x="864699" y="1290599"/>
+                  <a:pt x="860615" y="1347716"/>
+                  <a:pt x="859345" y="1380427"/>
+                </a:cubicBezTo>
+                <a:cubicBezTo>
+                  <a:pt x="845703" y="1396391"/>
+                  <a:pt x="873184" y="1435525"/>
+                  <a:pt x="855172" y="1435262"/>
+                </a:cubicBezTo>
+                <a:lnTo>
+                  <a:pt x="860494" y="1453861"/>
+                </a:lnTo>
+                <a:lnTo>
+                  <a:pt x="853731" y="1467047"/>
+                </a:lnTo>
+                <a:cubicBezTo>
+                  <a:pt x="846549" y="1480528"/>
+                  <a:pt x="841728" y="1491093"/>
+                  <a:pt x="845847" y="1502307"/>
+                </a:cubicBezTo>
+                <a:lnTo>
+                  <a:pt x="817613" y="1565166"/>
+                </a:lnTo>
+                <a:cubicBezTo>
+                  <a:pt x="805468" y="1557258"/>
+                  <a:pt x="816534" y="1596564"/>
+                  <a:pt x="804223" y="1601941"/>
+                </a:cubicBezTo>
+                <a:cubicBezTo>
+                  <a:pt x="794287" y="1604654"/>
+                  <a:pt x="795328" y="1617209"/>
+                  <a:pt x="791773" y="1627005"/>
+                </a:cubicBezTo>
+                <a:cubicBezTo>
+                  <a:pt x="781684" y="1634393"/>
+                  <a:pt x="772978" y="1683187"/>
+                  <a:pt x="774645" y="1699922"/>
+                </a:cubicBezTo>
+                <a:cubicBezTo>
+                  <a:pt x="785341" y="1746767"/>
+                  <a:pt x="744845" y="1787099"/>
+                  <a:pt x="752343" y="1824604"/>
+                </a:cubicBezTo>
+                <a:cubicBezTo>
+                  <a:pt x="751502" y="1834578"/>
+                  <a:pt x="749297" y="1842929"/>
+                  <a:pt x="746254" y="1850222"/>
+                </a:cubicBezTo>
+                <a:lnTo>
+                  <a:pt x="728600" y="1869603"/>
+                </a:lnTo>
+                <a:lnTo>
+                  <a:pt x="724396" y="1883104"/>
+                </a:lnTo>
+                <a:lnTo>
+                  <a:pt x="722165" y="1885924"/>
+                </a:lnTo>
+                <a:lnTo>
+                  <a:pt x="721338" y="1887123"/>
+                </a:lnTo>
+                <a:lnTo>
+                  <a:pt x="714840" y="1902274"/>
+                </a:lnTo>
+                <a:lnTo>
+                  <a:pt x="722847" y="1929891"/>
+                </a:lnTo>
+                <a:lnTo>
+                  <a:pt x="714660" y="1982709"/>
+                </a:lnTo>
+                <a:cubicBezTo>
+                  <a:pt x="727725" y="2006201"/>
+                  <a:pt x="714739" y="1997091"/>
+                  <a:pt x="710759" y="2013010"/>
+                </a:cubicBezTo>
+                <a:cubicBezTo>
+                  <a:pt x="707970" y="2027531"/>
+                  <a:pt x="700788" y="2054714"/>
+                  <a:pt x="697927" y="2069833"/>
+                </a:cubicBezTo>
+                <a:cubicBezTo>
+                  <a:pt x="685211" y="2080229"/>
+                  <a:pt x="698762" y="2088241"/>
+                  <a:pt x="693594" y="2103731"/>
+                </a:cubicBezTo>
+                <a:cubicBezTo>
+                  <a:pt x="688481" y="2110649"/>
+                  <a:pt x="687183" y="2115973"/>
+                  <a:pt x="691109" y="2124027"/>
+                </a:cubicBezTo>
+                <a:cubicBezTo>
+                  <a:pt x="666413" y="2155740"/>
+                  <a:pt x="688031" y="2144874"/>
+                  <a:pt x="676593" y="2176182"/>
+                </a:cubicBezTo>
+                <a:cubicBezTo>
+                  <a:pt x="665190" y="2202944"/>
+                  <a:pt x="656416" y="2233857"/>
+                  <a:pt x="633227" y="2258036"/>
+                </a:cubicBezTo>
+                <a:cubicBezTo>
+                  <a:pt x="626930" y="2262191"/>
+                  <a:pt x="623498" y="2274069"/>
+                  <a:pt x="625564" y="2284567"/>
+                </a:cubicBezTo>
+                <a:cubicBezTo>
+                  <a:pt x="625918" y="2286374"/>
+                  <a:pt x="626427" y="2288071"/>
+                  <a:pt x="627074" y="2289605"/>
+                </a:cubicBezTo>
+                <a:cubicBezTo>
+                  <a:pt x="619029" y="2296628"/>
+                  <a:pt x="616453" y="2303188"/>
+                  <a:pt x="614574" y="2308717"/>
+                </a:cubicBezTo>
+                <a:lnTo>
+                  <a:pt x="606890" y="2320662"/>
+                </a:lnTo>
+                <a:lnTo>
+                  <a:pt x="605558" y="2327897"/>
+                </a:lnTo>
+                <a:lnTo>
+                  <a:pt x="602202" y="2357749"/>
+                </a:lnTo>
+                <a:lnTo>
+                  <a:pt x="600213" y="2364905"/>
+                </a:lnTo>
+                <a:lnTo>
+                  <a:pt x="597160" y="2388351"/>
+                </a:lnTo>
+                <a:lnTo>
+                  <a:pt x="597982" y="2402296"/>
+                </a:lnTo>
+                <a:lnTo>
+                  <a:pt x="593150" y="2420015"/>
+                </a:lnTo>
+                <a:cubicBezTo>
+                  <a:pt x="593044" y="2420926"/>
+                  <a:pt x="592939" y="2421838"/>
+                  <a:pt x="592833" y="2422749"/>
+                </a:cubicBezTo>
+                <a:lnTo>
+                  <a:pt x="594479" y="2426002"/>
+                </a:lnTo>
+                <a:cubicBezTo>
+                  <a:pt x="594168" y="2427683"/>
+                  <a:pt x="593118" y="2429721"/>
+                  <a:pt x="591963" y="2431950"/>
+                </a:cubicBezTo>
+                <a:cubicBezTo>
+                  <a:pt x="591823" y="2432599"/>
+                  <a:pt x="591684" y="2433248"/>
+                  <a:pt x="591544" y="2433897"/>
+                </a:cubicBezTo>
+                <a:lnTo>
+                  <a:pt x="589519" y="2451398"/>
+                </a:lnTo>
+                <a:cubicBezTo>
+                  <a:pt x="589692" y="2452777"/>
+                  <a:pt x="589864" y="2454157"/>
+                  <a:pt x="590037" y="2455536"/>
+                </a:cubicBezTo>
+                <a:lnTo>
+                  <a:pt x="588179" y="2462981"/>
+                </a:lnTo>
+                <a:lnTo>
+                  <a:pt x="583434" y="2503991"/>
+                </a:lnTo>
+                <a:cubicBezTo>
+                  <a:pt x="576530" y="2566058"/>
+                  <a:pt x="570433" y="2625224"/>
+                  <a:pt x="567942" y="2652936"/>
+                </a:cubicBezTo>
+                <a:cubicBezTo>
+                  <a:pt x="570864" y="2658290"/>
+                  <a:pt x="572739" y="2664095"/>
+                  <a:pt x="573869" y="2670188"/>
+                </a:cubicBezTo>
+                <a:lnTo>
+                  <a:pt x="575243" y="2688114"/>
+                </a:lnTo>
+                <a:lnTo>
+                  <a:pt x="573824" y="2689856"/>
+                </a:lnTo>
+                <a:cubicBezTo>
+                  <a:pt x="569972" y="2698471"/>
+                  <a:pt x="569572" y="2704494"/>
+                  <a:pt x="570699" y="2709353"/>
+                </a:cubicBezTo>
+                <a:lnTo>
+                  <a:pt x="573192" y="2714527"/>
+                </a:lnTo>
+                <a:cubicBezTo>
+                  <a:pt x="572809" y="2719080"/>
+                  <a:pt x="572427" y="2723634"/>
+                  <a:pt x="572044" y="2728187"/>
+                </a:cubicBezTo>
+                <a:cubicBezTo>
+                  <a:pt x="572184" y="2737412"/>
+                  <a:pt x="572325" y="2746638"/>
+                  <a:pt x="572465" y="2755863"/>
+                </a:cubicBezTo>
+                <a:lnTo>
+                  <a:pt x="570028" y="2760324"/>
+                </a:lnTo>
+                <a:lnTo>
+                  <a:pt x="566748" y="2800948"/>
+                </a:lnTo>
+                <a:lnTo>
+                  <a:pt x="565509" y="2801167"/>
+                </a:lnTo>
+                <a:cubicBezTo>
+                  <a:pt x="562655" y="2802587"/>
+                  <a:pt x="560408" y="2805381"/>
+                  <a:pt x="559367" y="2811129"/>
+                </a:cubicBezTo>
+                <a:cubicBezTo>
+                  <a:pt x="543471" y="2797318"/>
+                  <a:pt x="552020" y="2812773"/>
+                  <a:pt x="550354" y="2830949"/>
+                </a:cubicBezTo>
+                <a:cubicBezTo>
+                  <a:pt x="525292" y="2813553"/>
+                  <a:pt x="531129" y="2868192"/>
+                  <a:pt x="514795" y="2872433"/>
+                </a:cubicBezTo>
+                <a:lnTo>
+                  <a:pt x="509875" y="2923099"/>
+                </a:lnTo>
+                <a:lnTo>
+                  <a:pt x="509577" y="2923197"/>
+                </a:lnTo>
+                <a:cubicBezTo>
+                  <a:pt x="508704" y="2924865"/>
+                  <a:pt x="508038" y="2927556"/>
+                  <a:pt x="507597" y="2931868"/>
+                </a:cubicBezTo>
+                <a:cubicBezTo>
+                  <a:pt x="507524" y="2934019"/>
+                  <a:pt x="507452" y="2936171"/>
+                  <a:pt x="507379" y="2938322"/>
+                </a:cubicBezTo>
+                <a:lnTo>
+                  <a:pt x="504725" y="2954519"/>
+                </a:lnTo>
+                <a:lnTo>
+                  <a:pt x="502018" y="2959643"/>
+                </a:lnTo>
+                <a:lnTo>
+                  <a:pt x="498360" y="2961019"/>
+                </a:lnTo>
+                <a:lnTo>
+                  <a:pt x="498483" y="2962590"/>
+                </a:lnTo>
+                <a:cubicBezTo>
+                  <a:pt x="502388" y="2975027"/>
+                  <a:pt x="510202" y="2980016"/>
+                  <a:pt x="484403" y="2990538"/>
+                </a:cubicBezTo>
+                <a:cubicBezTo>
+                  <a:pt x="489425" y="3018352"/>
+                  <a:pt x="474337" y="3021029"/>
+                  <a:pt x="463075" y="3055956"/>
+                </a:cubicBezTo>
+                <a:cubicBezTo>
+                  <a:pt x="469487" y="3072485"/>
+                  <a:pt x="464165" y="3083955"/>
+                  <a:pt x="455013" y="3094482"/>
+                </a:cubicBezTo>
+                <a:cubicBezTo>
+                  <a:pt x="453131" y="3130054"/>
+                  <a:pt x="437643" y="3160106"/>
+                  <a:pt x="428391" y="3198850"/>
+                </a:cubicBezTo>
+                <a:lnTo>
+                  <a:pt x="401440" y="3307560"/>
+                </a:lnTo>
+                <a:lnTo>
+                  <a:pt x="386076" y="3373943"/>
+                </a:lnTo>
+                <a:cubicBezTo>
+                  <a:pt x="386236" y="3376061"/>
+                  <a:pt x="380537" y="3378856"/>
+                  <a:pt x="374726" y="3381364"/>
+                </a:cubicBezTo>
+                <a:lnTo>
+                  <a:pt x="369145" y="3383729"/>
+                </a:lnTo>
+                <a:lnTo>
+                  <a:pt x="364294" y="3414159"/>
+                </a:lnTo>
+                <a:lnTo>
+                  <a:pt x="366450" y="3436925"/>
+                </a:lnTo>
+                <a:lnTo>
+                  <a:pt x="351743" y="3521619"/>
+                </a:lnTo>
+                <a:lnTo>
+                  <a:pt x="345784" y="3603757"/>
+                </a:lnTo>
+                <a:cubicBezTo>
+                  <a:pt x="345255" y="3619979"/>
+                  <a:pt x="344727" y="3636202"/>
+                  <a:pt x="344198" y="3652424"/>
+                </a:cubicBezTo>
+                <a:lnTo>
+                  <a:pt x="352450" y="3665222"/>
+                </a:lnTo>
+                <a:lnTo>
+                  <a:pt x="342621" y="3700804"/>
+                </a:lnTo>
+                <a:lnTo>
+                  <a:pt x="341514" y="3734774"/>
+                </a:lnTo>
+                <a:cubicBezTo>
+                  <a:pt x="341212" y="3751567"/>
+                  <a:pt x="340909" y="3768360"/>
+                  <a:pt x="340607" y="3785153"/>
+                </a:cubicBezTo>
+                <a:cubicBezTo>
+                  <a:pt x="340640" y="3786161"/>
+                  <a:pt x="340674" y="3787169"/>
+                  <a:pt x="340707" y="3788177"/>
+                </a:cubicBezTo>
+                <a:cubicBezTo>
+                  <a:pt x="340592" y="3791719"/>
+                  <a:pt x="340476" y="3795261"/>
+                  <a:pt x="340361" y="3798803"/>
+                </a:cubicBezTo>
+                <a:cubicBezTo>
+                  <a:pt x="340121" y="3812119"/>
+                  <a:pt x="339882" y="3825434"/>
+                  <a:pt x="339642" y="3838750"/>
+                </a:cubicBezTo>
+                <a:cubicBezTo>
+                  <a:pt x="337363" y="3949044"/>
+                  <a:pt x="361794" y="3960437"/>
+                  <a:pt x="360295" y="4015196"/>
+                </a:cubicBezTo>
+                <a:lnTo>
+                  <a:pt x="339043" y="4052778"/>
+                </a:lnTo>
+                <a:lnTo>
+                  <a:pt x="339343" y="4096257"/>
+                </a:lnTo>
+                <a:cubicBezTo>
+                  <a:pt x="362058" y="4159145"/>
+                  <a:pt x="332404" y="4250479"/>
+                  <a:pt x="340786" y="4321136"/>
+                </a:cubicBezTo>
+                <a:cubicBezTo>
+                  <a:pt x="341421" y="4376624"/>
+                  <a:pt x="344189" y="4407708"/>
+                  <a:pt x="343158" y="4429174"/>
+                </a:cubicBezTo>
+                <a:cubicBezTo>
+                  <a:pt x="340948" y="4436304"/>
+                  <a:pt x="337887" y="4443121"/>
+                  <a:pt x="334599" y="4449938"/>
+                </a:cubicBezTo>
+                <a:lnTo>
+                  <a:pt x="332890" y="4453515"/>
+                </a:lnTo>
+                <a:lnTo>
+                  <a:pt x="331105" y="4467941"/>
+                </a:lnTo>
+                <a:lnTo>
+                  <a:pt x="324289" y="4471861"/>
+                </a:lnTo>
+                <a:lnTo>
+                  <a:pt x="317079" y="4493468"/>
+                </a:lnTo>
+                <a:cubicBezTo>
+                  <a:pt x="315353" y="4501584"/>
+                  <a:pt x="314639" y="4510343"/>
+                  <a:pt x="315557" y="4520067"/>
+                </a:cubicBezTo>
+                <a:cubicBezTo>
+                  <a:pt x="315451" y="4525669"/>
+                  <a:pt x="315346" y="4531270"/>
+                  <a:pt x="315240" y="4536872"/>
+                </a:cubicBezTo>
+                <a:lnTo>
+                  <a:pt x="316200" y="4538297"/>
+                </a:lnTo>
+                <a:cubicBezTo>
+                  <a:pt x="316738" y="4541182"/>
+                  <a:pt x="316785" y="4544563"/>
+                  <a:pt x="317507" y="4547582"/>
+                </a:cubicBezTo>
+                <a:cubicBezTo>
+                  <a:pt x="322716" y="4552468"/>
+                  <a:pt x="324912" y="4582137"/>
+                  <a:pt x="323078" y="4592102"/>
+                </a:cubicBezTo>
+                <a:cubicBezTo>
+                  <a:pt x="314597" y="4619728"/>
+                  <a:pt x="334923" y="4645745"/>
+                  <a:pt x="328722" y="4667914"/>
+                </a:cubicBezTo>
+                <a:cubicBezTo>
+                  <a:pt x="330810" y="4685069"/>
+                  <a:pt x="333803" y="4690356"/>
+                  <a:pt x="335597" y="4695035"/>
+                </a:cubicBezTo>
+                <a:lnTo>
+                  <a:pt x="339485" y="4695979"/>
+                </a:lnTo>
+                <a:lnTo>
+                  <a:pt x="341089" y="4704268"/>
+                </a:lnTo>
+                <a:lnTo>
+                  <a:pt x="342177" y="4706060"/>
+                </a:lnTo>
+                <a:cubicBezTo>
+                  <a:pt x="344268" y="4709474"/>
+                  <a:pt x="346234" y="4712931"/>
+                  <a:pt x="347751" y="4716754"/>
+                </a:cubicBezTo>
+                <a:lnTo>
+                  <a:pt x="344125" y="4764669"/>
+                </a:lnTo>
+                <a:lnTo>
+                  <a:pt x="340188" y="4779386"/>
+                </a:lnTo>
+                <a:lnTo>
+                  <a:pt x="335146" y="4787491"/>
+                </a:lnTo>
+                <a:lnTo>
+                  <a:pt x="319124" y="4843514"/>
+                </a:lnTo>
+                <a:lnTo>
+                  <a:pt x="305956" y="4881505"/>
+                </a:lnTo>
+                <a:lnTo>
+                  <a:pt x="301062" y="4889332"/>
+                </a:lnTo>
+                <a:lnTo>
+                  <a:pt x="302141" y="4899400"/>
+                </a:lnTo>
+                <a:cubicBezTo>
+                  <a:pt x="302767" y="4900706"/>
+                  <a:pt x="303536" y="4901803"/>
+                  <a:pt x="304424" y="4902664"/>
+                </a:cubicBezTo>
+                <a:lnTo>
+                  <a:pt x="293123" y="4932769"/>
+                </a:lnTo>
+                <a:lnTo>
+                  <a:pt x="292275" y="4936482"/>
+                </a:lnTo>
+                <a:lnTo>
+                  <a:pt x="288304" y="4962325"/>
+                </a:lnTo>
+                <a:cubicBezTo>
+                  <a:pt x="288009" y="4988948"/>
+                  <a:pt x="287715" y="5015570"/>
+                  <a:pt x="287420" y="5042193"/>
+                </a:cubicBezTo>
+                <a:cubicBezTo>
+                  <a:pt x="295373" y="5039737"/>
+                  <a:pt x="281659" y="5060438"/>
+                  <a:pt x="287020" y="5065655"/>
+                </a:cubicBezTo>
+                <a:cubicBezTo>
+                  <a:pt x="291675" y="5068928"/>
+                  <a:pt x="288601" y="5075970"/>
+                  <a:pt x="288488" y="5082216"/>
+                </a:cubicBezTo>
+                <a:cubicBezTo>
+                  <a:pt x="292282" y="5088207"/>
+                  <a:pt x="287008" y="5117775"/>
+                  <a:pt x="282763" y="5127114"/>
+                </a:cubicBezTo>
+                <a:cubicBezTo>
+                  <a:pt x="267723" y="5152218"/>
+                  <a:pt x="280799" y="5182399"/>
+                  <a:pt x="269316" y="5202682"/>
+                </a:cubicBezTo>
+                <a:cubicBezTo>
+                  <a:pt x="267050" y="5219969"/>
+                  <a:pt x="268614" y="5225841"/>
+                  <a:pt x="269174" y="5230835"/>
+                </a:cubicBezTo>
+                <a:lnTo>
+                  <a:pt x="272679" y="5232660"/>
+                </a:lnTo>
+                <a:lnTo>
+                  <a:pt x="272160" y="5241150"/>
+                </a:lnTo>
+                <a:lnTo>
+                  <a:pt x="272760" y="5243156"/>
+                </a:lnTo>
+                <a:cubicBezTo>
+                  <a:pt x="273922" y="5246984"/>
+                  <a:pt x="274952" y="5250824"/>
+                  <a:pt x="275462" y="5254919"/>
+                </a:cubicBezTo>
+                <a:cubicBezTo>
+                  <a:pt x="258407" y="5258851"/>
+                  <a:pt x="276976" y="5290392"/>
+                  <a:pt x="262897" y="5286259"/>
+                </a:cubicBezTo>
+                <a:cubicBezTo>
+                  <a:pt x="262724" y="5309439"/>
+                  <a:pt x="239612" y="5337531"/>
+                  <a:pt x="252761" y="5357801"/>
+                </a:cubicBezTo>
+                <a:cubicBezTo>
+                  <a:pt x="248775" y="5392256"/>
+                  <a:pt x="247799" y="5423412"/>
+                  <a:pt x="242360" y="5460080"/>
+                </a:cubicBezTo>
+                <a:cubicBezTo>
+                  <a:pt x="232632" y="5488478"/>
+                  <a:pt x="242025" y="5519143"/>
+                  <a:pt x="229880" y="5539714"/>
+                </a:cubicBezTo>
+                <a:cubicBezTo>
+                  <a:pt x="230558" y="5572454"/>
+                  <a:pt x="222150" y="5613340"/>
+                  <a:pt x="204283" y="5639080"/>
+                </a:cubicBezTo>
+                <a:cubicBezTo>
+                  <a:pt x="201596" y="5674226"/>
+                  <a:pt x="191051" y="5680198"/>
+                  <a:pt x="198948" y="5710958"/>
+                </a:cubicBezTo>
+                <a:cubicBezTo>
+                  <a:pt x="196338" y="5713534"/>
+                  <a:pt x="194185" y="5716550"/>
+                  <a:pt x="192367" y="5719859"/>
+                </a:cubicBezTo>
+                <a:lnTo>
+                  <a:pt x="188035" y="5729935"/>
+                </a:lnTo>
+                <a:lnTo>
+                  <a:pt x="188428" y="5731182"/>
+                </a:lnTo>
+                <a:lnTo>
+                  <a:pt x="181635" y="5753538"/>
+                </a:lnTo>
+                <a:lnTo>
+                  <a:pt x="169744" y="5796307"/>
+                </a:lnTo>
+                <a:lnTo>
+                  <a:pt x="170351" y="5796644"/>
+                </a:lnTo>
+                <a:cubicBezTo>
+                  <a:pt x="171558" y="5797954"/>
+                  <a:pt x="172173" y="5799948"/>
+                  <a:pt x="171559" y="5803435"/>
+                </a:cubicBezTo>
+                <a:cubicBezTo>
+                  <a:pt x="182664" y="5798231"/>
+                  <a:pt x="175075" y="5805646"/>
+                  <a:pt x="172284" y="5816391"/>
+                </a:cubicBezTo>
+                <a:cubicBezTo>
+                  <a:pt x="188911" y="5810703"/>
+                  <a:pt x="174844" y="5841128"/>
+                  <a:pt x="182542" y="5846382"/>
+                </a:cubicBezTo>
+                <a:cubicBezTo>
+                  <a:pt x="180118" y="5854404"/>
+                  <a:pt x="177856" y="5862781"/>
+                  <a:pt x="175877" y="5871336"/>
+                </a:cubicBezTo>
+                <a:lnTo>
+                  <a:pt x="174910" y="5876376"/>
+                </a:lnTo>
+                <a:lnTo>
+                  <a:pt x="175047" y="5876483"/>
+                </a:lnTo>
+                <a:cubicBezTo>
+                  <a:pt x="175167" y="5877594"/>
+                  <a:pt x="174973" y="5879257"/>
+                  <a:pt x="174335" y="5881814"/>
+                </a:cubicBezTo>
+                <a:lnTo>
+                  <a:pt x="171273" y="5895339"/>
+                </a:lnTo>
+                <a:cubicBezTo>
+                  <a:pt x="171401" y="5896476"/>
+                  <a:pt x="171530" y="5897612"/>
+                  <a:pt x="171658" y="5898749"/>
+                </a:cubicBezTo>
+                <a:lnTo>
+                  <a:pt x="174658" y="5919558"/>
+                </a:lnTo>
+                <a:cubicBezTo>
+                  <a:pt x="173958" y="5933601"/>
+                  <a:pt x="171208" y="5962838"/>
+                  <a:pt x="169099" y="5984417"/>
+                </a:cubicBezTo>
+                <a:cubicBezTo>
+                  <a:pt x="162916" y="6005205"/>
+                  <a:pt x="164971" y="6025162"/>
+                  <a:pt x="162007" y="6049043"/>
+                </a:cubicBezTo>
+                <a:cubicBezTo>
+                  <a:pt x="150795" y="6073830"/>
+                  <a:pt x="160091" y="6088483"/>
+                  <a:pt x="156875" y="6114000"/>
+                </a:cubicBezTo>
+                <a:cubicBezTo>
+                  <a:pt x="141597" y="6134477"/>
+                  <a:pt x="163381" y="6133378"/>
+                  <a:pt x="165441" y="6146938"/>
+                </a:cubicBezTo>
+                <a:lnTo>
+                  <a:pt x="165177" y="6150658"/>
+                </a:lnTo>
+                <a:lnTo>
+                  <a:pt x="161772" y="6160011"/>
+                </a:lnTo>
+                <a:lnTo>
+                  <a:pt x="160051" y="6163393"/>
+                </a:lnTo>
+                <a:cubicBezTo>
+                  <a:pt x="159032" y="6165775"/>
+                  <a:pt x="158564" y="6167421"/>
+                  <a:pt x="158473" y="6168628"/>
+                </a:cubicBezTo>
+                <a:cubicBezTo>
+                  <a:pt x="158506" y="6168685"/>
+                  <a:pt x="158540" y="6168742"/>
+                  <a:pt x="158573" y="6168799"/>
+                </a:cubicBezTo>
+                <a:lnTo>
+                  <a:pt x="146463" y="6196671"/>
+                </a:lnTo>
+                <a:cubicBezTo>
+                  <a:pt x="152348" y="6205503"/>
+                  <a:pt x="134460" y="6231012"/>
+                  <a:pt x="150209" y="6232365"/>
+                </a:cubicBezTo>
+                <a:cubicBezTo>
+                  <a:pt x="145821" y="6242321"/>
+                  <a:pt x="137774" y="6246719"/>
+                  <a:pt x="148544" y="6246162"/>
+                </a:cubicBezTo>
+                <a:cubicBezTo>
+                  <a:pt x="147378" y="6249522"/>
+                  <a:pt x="147566" y="6251866"/>
+                  <a:pt x="148403" y="6253754"/>
+                </a:cubicBezTo>
+                <a:lnTo>
+                  <a:pt x="138880" y="6276449"/>
+                </a:lnTo>
+                <a:cubicBezTo>
+                  <a:pt x="138814" y="6277540"/>
+                  <a:pt x="138749" y="6278630"/>
+                  <a:pt x="138683" y="6279721"/>
+                </a:cubicBezTo>
+                <a:lnTo>
+                  <a:pt x="130721" y="6293675"/>
+                </a:lnTo>
+                <a:lnTo>
+                  <a:pt x="120717" y="6313967"/>
+                </a:lnTo>
+                <a:cubicBezTo>
+                  <a:pt x="120758" y="6314457"/>
+                  <a:pt x="120800" y="6314947"/>
+                  <a:pt x="120841" y="6315437"/>
+                </a:cubicBezTo>
+                <a:lnTo>
+                  <a:pt x="115208" y="6324024"/>
+                </a:lnTo>
+                <a:cubicBezTo>
+                  <a:pt x="113007" y="6326672"/>
+                  <a:pt x="103991" y="6364381"/>
+                  <a:pt x="101217" y="6365923"/>
+                </a:cubicBezTo>
+                <a:lnTo>
+                  <a:pt x="74946" y="6556817"/>
+                </a:lnTo>
+                <a:cubicBezTo>
+                  <a:pt x="55357" y="6665926"/>
+                  <a:pt x="35695" y="6744075"/>
+                  <a:pt x="16001" y="6808678"/>
+                </a:cubicBezTo>
+                <a:lnTo>
+                  <a:pt x="0" y="6858000"/>
+                </a:lnTo>
+                <a:lnTo>
+                  <a:pt x="5734864" y="6858000"/>
+                </a:lnTo>
+                <a:lnTo>
+                  <a:pt x="5734864" y="0"/>
+                </a:lnTo>
+                <a:close/>
+              </a:path>
+            </a:pathLst>
+          </a:custGeom>
+          <a:solidFill>
+            <a:srgbClr val="82766A">
+              <a:alpha val="15000"/>
+            </a:srgbClr>
+          </a:solidFill>
+          <a:ln w="12700" cap="flat" cmpd="sng" algn="ctr">
+            <a:noFill/>
+            <a:prstDash val="solid"/>
+            <a:miter lim="800000"/>
+          </a:ln>
+          <a:effectLst/>
+        </p:spPr>
+        <p:style>
+          <a:lnRef idx="2">
+            <a:schemeClr val="accent1">
+              <a:shade val="50000"/>
+            </a:schemeClr>
+          </a:lnRef>
+          <a:fillRef idx="1">
+            <a:schemeClr val="accent1"/>
+          </a:fillRef>
+          <a:effectRef idx="0">
+            <a:schemeClr val="accent1"/>
+          </a:effectRef>
+          <a:fontRef idx="minor">
+            <a:schemeClr val="lt1"/>
+          </a:fontRef>
+        </p:style>
+        <p:txBody>
+          <a:bodyPr wrap="square" rtlCol="0" anchor="ctr">
+            <a:noAutofit/>
+          </a:bodyPr>
+          <a:lstStyle/>
+          <a:p>
+            <a:pPr algn="ctr"/>
+            <a:endParaRPr lang="en-US"/>
+          </a:p>
+        </p:txBody>
+      </p:sp>
       <p:sp>
         <p:nvSpPr>
           <p:cNvPr id="2" name="Title 1">
@@ -3337,52 +5951,96 @@
             </a:extLst>
           </p:cNvPr>
           <p:cNvSpPr>
+            <a:spLocks noGrp="1" noChangeAspect="1"/>
+          </p:cNvSpPr>
+          <p:nvPr>
+            <p:ph type="ctrTitle"/>
+          </p:nvPr>
+        </p:nvSpPr>
+        <p:spPr>
+          <a:xfrm>
+            <a:off x="773408" y="992094"/>
+            <a:ext cx="3616913" cy="2795160"/>
+          </a:xfrm>
+        </p:spPr>
+        <p:txBody>
+          <a:bodyPr>
+            <a:noAutofit/>
+          </a:bodyPr>
+          <a:lstStyle/>
+          <a:p>
+            <a:r>
+              <a:rPr lang="en-US" sz="2800" dirty="0"/>
+              <a:t>TITLE</a:t>
+            </a:r>
+          </a:p>
+        </p:txBody>
+      </p:sp>
+      <p:sp>
+        <p:nvSpPr>
+          <p:cNvPr id="3" name="Subtitle 2">
+            <a:extLst>
+              <a:ext uri="{FF2B5EF4-FFF2-40B4-BE49-F238E27FC236}">
+                <a16:creationId xmlns:a16="http://schemas.microsoft.com/office/drawing/2014/main" id="{FB50974B-0B16-3329-6F98-DBB7E420A510}"/>
+              </a:ext>
+            </a:extLst>
+          </p:cNvPr>
+          <p:cNvSpPr>
             <a:spLocks noGrp="1"/>
           </p:cNvSpPr>
           <p:nvPr>
-            <p:ph type="ctrTitle"/>
-          </p:nvPr>
-        </p:nvSpPr>
-        <p:spPr/>
-        <p:txBody>
-          <a:bodyPr/>
+            <p:ph type="subTitle" idx="1"/>
+          </p:nvPr>
+        </p:nvSpPr>
+        <p:spPr>
+          <a:xfrm>
+            <a:off x="1019195" y="5191432"/>
+            <a:ext cx="3125337" cy="555990"/>
+          </a:xfrm>
+        </p:spPr>
+        <p:txBody>
+          <a:bodyPr>
+            <a:normAutofit/>
+          </a:bodyPr>
           <a:lstStyle/>
           <a:p>
             <a:r>
-              <a:rPr lang="en-US" dirty="0"/>
-              <a:t>PRESENTATION TITLE</a:t>
-            </a:r>
-          </a:p>
-        </p:txBody>
-      </p:sp>
-      <p:sp>
-        <p:nvSpPr>
-          <p:cNvPr id="3" name="Subtitle 2">
-            <a:extLst>
-              <a:ext uri="{FF2B5EF4-FFF2-40B4-BE49-F238E27FC236}">
-                <a16:creationId xmlns:a16="http://schemas.microsoft.com/office/drawing/2014/main" id="{FB50974B-0B16-3329-6F98-DBB7E420A510}"/>
-              </a:ext>
-            </a:extLst>
-          </p:cNvPr>
-          <p:cNvSpPr>
-            <a:spLocks noGrp="1"/>
-          </p:cNvSpPr>
-          <p:nvPr>
-            <p:ph type="subTitle" idx="1"/>
-          </p:nvPr>
-        </p:nvSpPr>
-        <p:spPr/>
-        <p:txBody>
-          <a:bodyPr/>
-          <a:lstStyle/>
-          <a:p>
-            <a:r>
-              <a:rPr lang="en-US" dirty="0"/>
-              <a:t>Presentation subtitle</a:t>
-            </a:r>
-          </a:p>
-        </p:txBody>
-      </p:sp>
+              <a:rPr lang="en-US" sz="1800" dirty="0"/>
+              <a:t>SUBTITLE</a:t>
+            </a:r>
+          </a:p>
+        </p:txBody>
+      </p:sp>
+      <p:pic>
+        <p:nvPicPr>
+          <p:cNvPr id="7" name="Picture 6">
+            <a:extLst>
+              <a:ext uri="{FF2B5EF4-FFF2-40B4-BE49-F238E27FC236}">
+                <a16:creationId xmlns:a16="http://schemas.microsoft.com/office/drawing/2014/main" id="{FCADF782-7853-3B0A-919B-16EFC25897DB}"/>
+              </a:ext>
+            </a:extLst>
+          </p:cNvPr>
+          <p:cNvPicPr>
+            <a:picLocks noChangeAspect="1"/>
+          </p:cNvPicPr>
+          <p:nvPr/>
+        </p:nvPicPr>
+        <p:blipFill>
+          <a:blip r:embed="rId2"/>
+          <a:stretch>
+            <a:fillRect/>
+          </a:stretch>
+        </p:blipFill>
+        <p:spPr>
+          <a:xfrm>
+            <a:off x="5895751" y="1080602"/>
+            <a:ext cx="5708649" cy="4666820"/>
+          </a:xfrm>
+          <a:prstGeom prst="rect">
+            <a:avLst/>
+          </a:prstGeom>
+        </p:spPr>
+      </p:pic>
     </p:spTree>
     <p:extLst>
       <p:ext uri="{BB962C8B-B14F-4D97-AF65-F5344CB8AC3E}">
@@ -3436,7 +6094,7 @@
           <a:p>
             <a:r>
               <a:rPr lang="en-US" dirty="0"/>
-              <a:t>SLIDE TITLE	</a:t>
+              <a:t>SLIDE TITLE</a:t>
             </a:r>
           </a:p>
         </p:txBody>
@@ -3451,28 +6109,543 @@
             </a:extLst>
           </p:cNvPr>
           <p:cNvSpPr>
-            <a:spLocks noGrp="1"/>
+            <a:spLocks noGrp="1" noChangeAspect="1"/>
           </p:cNvSpPr>
           <p:nvPr>
             <p:ph idx="1"/>
           </p:nvPr>
         </p:nvSpPr>
-        <p:spPr/>
-        <p:txBody>
-          <a:bodyPr/>
+        <p:spPr>
+          <a:xfrm>
+            <a:off x="838200" y="2192594"/>
+            <a:ext cx="10515600" cy="3984369"/>
+          </a:xfrm>
+        </p:spPr>
+        <p:txBody>
+          <a:bodyPr>
+            <a:noAutofit/>
+          </a:bodyPr>
           <a:lstStyle/>
           <a:p>
-            <a:r>
-              <a:rPr lang="en-US" dirty="0"/>
-              <a:t>Slide Text Bullet List</a:t>
-            </a:r>
-          </a:p>
-        </p:txBody>
-      </p:sp>
+            <a:pPr marL="0" indent="0">
+              <a:buNone/>
+            </a:pPr>
+            <a:r>
+              <a:rPr lang="en-US" sz="1800" dirty="0"/>
+              <a:t>Answer details with text and bullet points</a:t>
+            </a:r>
+          </a:p>
+        </p:txBody>
+      </p:sp>
+      <p:sp>
+        <p:nvSpPr>
+          <p:cNvPr id="5" name="Title 1">
+            <a:extLst>
+              <a:ext uri="{FF2B5EF4-FFF2-40B4-BE49-F238E27FC236}">
+                <a16:creationId xmlns:a16="http://schemas.microsoft.com/office/drawing/2014/main" id="{0F88CF7A-6F7A-1C59-B925-0965125F7231}"/>
+              </a:ext>
+            </a:extLst>
+          </p:cNvPr>
+          <p:cNvSpPr txBox="1">
+            <a:spLocks/>
+          </p:cNvSpPr>
+          <p:nvPr/>
+        </p:nvSpPr>
+        <p:spPr>
+          <a:xfrm>
+            <a:off x="838200" y="1410481"/>
+            <a:ext cx="10515600" cy="560413"/>
+          </a:xfrm>
+          <a:prstGeom prst="rect">
+            <a:avLst/>
+          </a:prstGeom>
+        </p:spPr>
+        <p:txBody>
+          <a:bodyPr vert="horz" lIns="91440" tIns="45720" rIns="91440" bIns="45720" rtlCol="0" anchor="ctr">
+            <a:normAutofit/>
+          </a:bodyPr>
+          <a:lstStyle>
+            <a:lvl1pPr algn="l" defTabSz="914400" rtl="0" eaLnBrk="1" latinLnBrk="0" hangingPunct="1">
+              <a:lnSpc>
+                <a:spcPct val="90000"/>
+              </a:lnSpc>
+              <a:spcBef>
+                <a:spcPct val="0"/>
+              </a:spcBef>
+              <a:buNone/>
+              <a:defRPr sz="4400" kern="1200">
+                <a:solidFill>
+                  <a:schemeClr val="tx1"/>
+                </a:solidFill>
+                <a:latin typeface="+mj-lt"/>
+                <a:ea typeface="+mj-ea"/>
+                <a:cs typeface="+mj-cs"/>
+              </a:defRPr>
+            </a:lvl1pPr>
+          </a:lstStyle>
+          <a:p>
+            <a:pPr>
+              <a:lnSpc>
+                <a:spcPct val="100000"/>
+              </a:lnSpc>
+            </a:pPr>
+            <a:r>
+              <a:rPr lang="en-US" sz="2400" b="1" dirty="0">
+                <a:solidFill>
+                  <a:srgbClr val="47DD82"/>
+                </a:solidFill>
+              </a:rPr>
+              <a:t>Question</a:t>
+            </a:r>
+          </a:p>
+        </p:txBody>
+      </p:sp>
+      <p:pic>
+        <p:nvPicPr>
+          <p:cNvPr id="6" name="Picture 5">
+            <a:extLst>
+              <a:ext uri="{FF2B5EF4-FFF2-40B4-BE49-F238E27FC236}">
+                <a16:creationId xmlns:a16="http://schemas.microsoft.com/office/drawing/2014/main" id="{19D6D392-B9DA-9265-EF68-F408C251159B}"/>
+              </a:ext>
+            </a:extLst>
+          </p:cNvPr>
+          <p:cNvPicPr>
+            <a:picLocks noChangeAspect="1"/>
+          </p:cNvPicPr>
+          <p:nvPr/>
+        </p:nvPicPr>
+        <p:blipFill>
+          <a:blip r:embed="rId2"/>
+          <a:stretch>
+            <a:fillRect/>
+          </a:stretch>
+        </p:blipFill>
+        <p:spPr>
+          <a:xfrm>
+            <a:off x="11543532" y="6261151"/>
+            <a:ext cx="333375" cy="333375"/>
+          </a:xfrm>
+          <a:prstGeom prst="rect">
+            <a:avLst/>
+          </a:prstGeom>
+        </p:spPr>
+      </p:pic>
     </p:spTree>
     <p:extLst>
       <p:ext uri="{BB962C8B-B14F-4D97-AF65-F5344CB8AC3E}">
         <p14:creationId xmlns:p14="http://schemas.microsoft.com/office/powerpoint/2010/main" val="3535055859"/>
+      </p:ext>
+    </p:extLst>
+  </p:cSld>
+  <p:clrMapOvr>
+    <a:masterClrMapping/>
+  </p:clrMapOvr>
+</p:sld>
+</file>
+
+<file path=ppt/slides/slide3.xml><?xml version="1.0" encoding="utf-8"?>
+<p:sld xmlns:a="http://schemas.openxmlformats.org/drawingml/2006/main" xmlns:r="http://schemas.openxmlformats.org/officeDocument/2006/relationships" xmlns:p="http://schemas.openxmlformats.org/presentationml/2006/main">
+  <p:cSld>
+    <p:spTree>
+      <p:nvGrpSpPr>
+        <p:cNvPr id="1" name="">
+          <a:extLst>
+            <a:ext uri="{FF2B5EF4-FFF2-40B4-BE49-F238E27FC236}">
+              <a16:creationId xmlns:a16="http://schemas.microsoft.com/office/drawing/2014/main" id="{85CB7094-43FF-59EE-9F82-4B178272B234}"/>
+            </a:ext>
+          </a:extLst>
+        </p:cNvPr>
+        <p:cNvGrpSpPr/>
+        <p:nvPr/>
+      </p:nvGrpSpPr>
+      <p:grpSpPr>
+        <a:xfrm>
+          <a:off x="0" y="0"/>
+          <a:ext cx="0" cy="0"/>
+          <a:chOff x="0" y="0"/>
+          <a:chExt cx="0" cy="0"/>
+        </a:xfrm>
+      </p:grpSpPr>
+      <p:sp>
+        <p:nvSpPr>
+          <p:cNvPr id="2" name="Title 1">
+            <a:extLst>
+              <a:ext uri="{FF2B5EF4-FFF2-40B4-BE49-F238E27FC236}">
+                <a16:creationId xmlns:a16="http://schemas.microsoft.com/office/drawing/2014/main" id="{C7222F50-F406-BC20-9DC9-D6BB6CB84CD6}"/>
+              </a:ext>
+            </a:extLst>
+          </p:cNvPr>
+          <p:cNvSpPr>
+            <a:spLocks noGrp="1"/>
+          </p:cNvSpPr>
+          <p:nvPr>
+            <p:ph type="title"/>
+          </p:nvPr>
+        </p:nvSpPr>
+        <p:spPr/>
+        <p:txBody>
+          <a:bodyPr/>
+          <a:lstStyle/>
+          <a:p>
+            <a:r>
+              <a:rPr lang="en-US" dirty="0"/>
+              <a:t>SLIDE TITLE</a:t>
+            </a:r>
+          </a:p>
+        </p:txBody>
+      </p:sp>
+      <p:sp>
+        <p:nvSpPr>
+          <p:cNvPr id="3" name="Content Placeholder 2">
+            <a:extLst>
+              <a:ext uri="{FF2B5EF4-FFF2-40B4-BE49-F238E27FC236}">
+                <a16:creationId xmlns:a16="http://schemas.microsoft.com/office/drawing/2014/main" id="{E021EE09-29C5-B71C-C936-2F713951A953}"/>
+              </a:ext>
+            </a:extLst>
+          </p:cNvPr>
+          <p:cNvSpPr>
+            <a:spLocks noGrp="1" noChangeAspect="1"/>
+          </p:cNvSpPr>
+          <p:nvPr>
+            <p:ph idx="1"/>
+          </p:nvPr>
+        </p:nvSpPr>
+        <p:spPr>
+          <a:xfrm>
+            <a:off x="838201" y="2192594"/>
+            <a:ext cx="4785852" cy="3984369"/>
+          </a:xfrm>
+          <a:ln>
+            <a:solidFill>
+              <a:schemeClr val="bg1">
+                <a:lumMod val="85000"/>
+              </a:schemeClr>
+            </a:solidFill>
+          </a:ln>
+        </p:spPr>
+        <p:txBody>
+          <a:bodyPr>
+            <a:noAutofit/>
+          </a:bodyPr>
+          <a:lstStyle/>
+          <a:p>
+            <a:pPr marL="0" indent="0">
+              <a:buNone/>
+            </a:pPr>
+            <a:r>
+              <a:rPr lang="en-US" sz="1800" dirty="0"/>
+              <a:t>Element 1 detail</a:t>
+            </a:r>
+          </a:p>
+        </p:txBody>
+      </p:sp>
+      <p:sp>
+        <p:nvSpPr>
+          <p:cNvPr id="5" name="Title 1">
+            <a:extLst>
+              <a:ext uri="{FF2B5EF4-FFF2-40B4-BE49-F238E27FC236}">
+                <a16:creationId xmlns:a16="http://schemas.microsoft.com/office/drawing/2014/main" id="{3841E13A-D61F-E1C7-F1AB-27090AC21EEF}"/>
+              </a:ext>
+            </a:extLst>
+          </p:cNvPr>
+          <p:cNvSpPr txBox="1">
+            <a:spLocks/>
+          </p:cNvSpPr>
+          <p:nvPr/>
+        </p:nvSpPr>
+        <p:spPr>
+          <a:xfrm>
+            <a:off x="838200" y="1410481"/>
+            <a:ext cx="10515600" cy="560413"/>
+          </a:xfrm>
+          <a:prstGeom prst="rect">
+            <a:avLst/>
+          </a:prstGeom>
+        </p:spPr>
+        <p:txBody>
+          <a:bodyPr vert="horz" lIns="91440" tIns="45720" rIns="91440" bIns="45720" rtlCol="0" anchor="ctr">
+            <a:normAutofit/>
+          </a:bodyPr>
+          <a:lstStyle>
+            <a:lvl1pPr algn="l" defTabSz="914400" rtl="0" eaLnBrk="1" latinLnBrk="0" hangingPunct="1">
+              <a:lnSpc>
+                <a:spcPct val="90000"/>
+              </a:lnSpc>
+              <a:spcBef>
+                <a:spcPct val="0"/>
+              </a:spcBef>
+              <a:buNone/>
+              <a:defRPr sz="4400" kern="1200">
+                <a:solidFill>
+                  <a:schemeClr val="tx1"/>
+                </a:solidFill>
+                <a:latin typeface="+mj-lt"/>
+                <a:ea typeface="+mj-ea"/>
+                <a:cs typeface="+mj-cs"/>
+              </a:defRPr>
+            </a:lvl1pPr>
+          </a:lstStyle>
+          <a:p>
+            <a:pPr>
+              <a:lnSpc>
+                <a:spcPct val="100000"/>
+              </a:lnSpc>
+            </a:pPr>
+            <a:r>
+              <a:rPr lang="en-US" sz="2400" b="1" dirty="0">
+                <a:solidFill>
+                  <a:srgbClr val="47DD82"/>
+                </a:solidFill>
+              </a:rPr>
+              <a:t>Question to compare 2 elements</a:t>
+            </a:r>
+          </a:p>
+        </p:txBody>
+      </p:sp>
+      <p:pic>
+        <p:nvPicPr>
+          <p:cNvPr id="6" name="Picture 5">
+            <a:extLst>
+              <a:ext uri="{FF2B5EF4-FFF2-40B4-BE49-F238E27FC236}">
+                <a16:creationId xmlns:a16="http://schemas.microsoft.com/office/drawing/2014/main" id="{9FF53CBA-6972-D3D0-3E41-D5C5516E8626}"/>
+              </a:ext>
+            </a:extLst>
+          </p:cNvPr>
+          <p:cNvPicPr>
+            <a:picLocks noChangeAspect="1"/>
+          </p:cNvPicPr>
+          <p:nvPr/>
+        </p:nvPicPr>
+        <p:blipFill>
+          <a:blip r:embed="rId2"/>
+          <a:stretch>
+            <a:fillRect/>
+          </a:stretch>
+        </p:blipFill>
+        <p:spPr>
+          <a:xfrm>
+            <a:off x="11543532" y="6261151"/>
+            <a:ext cx="333375" cy="333375"/>
+          </a:xfrm>
+          <a:prstGeom prst="rect">
+            <a:avLst/>
+          </a:prstGeom>
+        </p:spPr>
+      </p:pic>
+      <p:sp>
+        <p:nvSpPr>
+          <p:cNvPr id="7" name="Content Placeholder 2">
+            <a:extLst>
+              <a:ext uri="{FF2B5EF4-FFF2-40B4-BE49-F238E27FC236}">
+                <a16:creationId xmlns:a16="http://schemas.microsoft.com/office/drawing/2014/main" id="{66B5E5ED-E522-EC8C-F97D-847187154643}"/>
+              </a:ext>
+            </a:extLst>
+          </p:cNvPr>
+          <p:cNvSpPr txBox="1">
+            <a:spLocks noChangeAspect="1"/>
+          </p:cNvSpPr>
+          <p:nvPr/>
+        </p:nvSpPr>
+        <p:spPr>
+          <a:xfrm>
+            <a:off x="6567949" y="2192593"/>
+            <a:ext cx="4785852" cy="3984369"/>
+          </a:xfrm>
+          <a:prstGeom prst="rect">
+            <a:avLst/>
+          </a:prstGeom>
+          <a:ln>
+            <a:solidFill>
+              <a:schemeClr val="bg1">
+                <a:lumMod val="85000"/>
+              </a:schemeClr>
+            </a:solidFill>
+          </a:ln>
+        </p:spPr>
+        <p:txBody>
+          <a:bodyPr vert="horz" lIns="91440" tIns="45720" rIns="91440" bIns="45720" rtlCol="0">
+            <a:noAutofit/>
+          </a:bodyPr>
+          <a:lstStyle>
+            <a:lvl1pPr marL="228600" indent="-228600" algn="l" defTabSz="914400" rtl="0" eaLnBrk="1" latinLnBrk="0" hangingPunct="1">
+              <a:lnSpc>
+                <a:spcPct val="90000"/>
+              </a:lnSpc>
+              <a:spcBef>
+                <a:spcPts val="1000"/>
+              </a:spcBef>
+              <a:buFont typeface="Arial" panose="020B0604020202020204" pitchFamily="34" charset="0"/>
+              <a:buChar char="•"/>
+              <a:defRPr sz="2800" kern="1200">
+                <a:solidFill>
+                  <a:schemeClr val="tx1"/>
+                </a:solidFill>
+                <a:latin typeface="+mn-lt"/>
+                <a:ea typeface="+mn-ea"/>
+                <a:cs typeface="+mn-cs"/>
+              </a:defRPr>
+            </a:lvl1pPr>
+            <a:lvl2pPr marL="685800" indent="-228600" algn="l" defTabSz="914400" rtl="0" eaLnBrk="1" latinLnBrk="0" hangingPunct="1">
+              <a:lnSpc>
+                <a:spcPct val="90000"/>
+              </a:lnSpc>
+              <a:spcBef>
+                <a:spcPts val="500"/>
+              </a:spcBef>
+              <a:buFont typeface="Arial" panose="020B0604020202020204" pitchFamily="34" charset="0"/>
+              <a:buChar char="•"/>
+              <a:defRPr sz="2400" kern="1200">
+                <a:solidFill>
+                  <a:schemeClr val="tx1"/>
+                </a:solidFill>
+                <a:latin typeface="+mn-lt"/>
+                <a:ea typeface="+mn-ea"/>
+                <a:cs typeface="+mn-cs"/>
+              </a:defRPr>
+            </a:lvl2pPr>
+            <a:lvl3pPr marL="1143000" indent="-228600" algn="l" defTabSz="914400" rtl="0" eaLnBrk="1" latinLnBrk="0" hangingPunct="1">
+              <a:lnSpc>
+                <a:spcPct val="90000"/>
+              </a:lnSpc>
+              <a:spcBef>
+                <a:spcPts val="500"/>
+              </a:spcBef>
+              <a:buFont typeface="Arial" panose="020B0604020202020204" pitchFamily="34" charset="0"/>
+              <a:buChar char="•"/>
+              <a:defRPr sz="2000" kern="1200">
+                <a:solidFill>
+                  <a:schemeClr val="tx1"/>
+                </a:solidFill>
+                <a:latin typeface="+mn-lt"/>
+                <a:ea typeface="+mn-ea"/>
+                <a:cs typeface="+mn-cs"/>
+              </a:defRPr>
+            </a:lvl3pPr>
+            <a:lvl4pPr marL="1600200" indent="-228600" algn="l" defTabSz="914400" rtl="0" eaLnBrk="1" latinLnBrk="0" hangingPunct="1">
+              <a:lnSpc>
+                <a:spcPct val="90000"/>
+              </a:lnSpc>
+              <a:spcBef>
+                <a:spcPts val="500"/>
+              </a:spcBef>
+              <a:buFont typeface="Arial" panose="020B0604020202020204" pitchFamily="34" charset="0"/>
+              <a:buChar char="•"/>
+              <a:defRPr sz="1800" kern="1200">
+                <a:solidFill>
+                  <a:schemeClr val="tx1"/>
+                </a:solidFill>
+                <a:latin typeface="+mn-lt"/>
+                <a:ea typeface="+mn-ea"/>
+                <a:cs typeface="+mn-cs"/>
+              </a:defRPr>
+            </a:lvl4pPr>
+            <a:lvl5pPr marL="2057400" indent="-228600" algn="l" defTabSz="914400" rtl="0" eaLnBrk="1" latinLnBrk="0" hangingPunct="1">
+              <a:lnSpc>
+                <a:spcPct val="90000"/>
+              </a:lnSpc>
+              <a:spcBef>
+                <a:spcPts val="500"/>
+              </a:spcBef>
+              <a:buFont typeface="Arial" panose="020B0604020202020204" pitchFamily="34" charset="0"/>
+              <a:buChar char="•"/>
+              <a:defRPr sz="1800" kern="1200">
+                <a:solidFill>
+                  <a:schemeClr val="tx1"/>
+                </a:solidFill>
+                <a:latin typeface="+mn-lt"/>
+                <a:ea typeface="+mn-ea"/>
+                <a:cs typeface="+mn-cs"/>
+              </a:defRPr>
+            </a:lvl5pPr>
+            <a:lvl6pPr marL="2514600" indent="-228600" algn="l" defTabSz="914400" rtl="0" eaLnBrk="1" latinLnBrk="0" hangingPunct="1">
+              <a:lnSpc>
+                <a:spcPct val="90000"/>
+              </a:lnSpc>
+              <a:spcBef>
+                <a:spcPts val="500"/>
+              </a:spcBef>
+              <a:buFont typeface="Arial" panose="020B0604020202020204" pitchFamily="34" charset="0"/>
+              <a:buChar char="•"/>
+              <a:defRPr sz="1800" kern="1200">
+                <a:solidFill>
+                  <a:schemeClr val="tx1"/>
+                </a:solidFill>
+                <a:latin typeface="+mn-lt"/>
+                <a:ea typeface="+mn-ea"/>
+                <a:cs typeface="+mn-cs"/>
+              </a:defRPr>
+            </a:lvl6pPr>
+            <a:lvl7pPr marL="2971800" indent="-228600" algn="l" defTabSz="914400" rtl="0" eaLnBrk="1" latinLnBrk="0" hangingPunct="1">
+              <a:lnSpc>
+                <a:spcPct val="90000"/>
+              </a:lnSpc>
+              <a:spcBef>
+                <a:spcPts val="500"/>
+              </a:spcBef>
+              <a:buFont typeface="Arial" panose="020B0604020202020204" pitchFamily="34" charset="0"/>
+              <a:buChar char="•"/>
+              <a:defRPr sz="1800" kern="1200">
+                <a:solidFill>
+                  <a:schemeClr val="tx1"/>
+                </a:solidFill>
+                <a:latin typeface="+mn-lt"/>
+                <a:ea typeface="+mn-ea"/>
+                <a:cs typeface="+mn-cs"/>
+              </a:defRPr>
+            </a:lvl7pPr>
+            <a:lvl8pPr marL="3429000" indent="-228600" algn="l" defTabSz="914400" rtl="0" eaLnBrk="1" latinLnBrk="0" hangingPunct="1">
+              <a:lnSpc>
+                <a:spcPct val="90000"/>
+              </a:lnSpc>
+              <a:spcBef>
+                <a:spcPts val="500"/>
+              </a:spcBef>
+              <a:buFont typeface="Arial" panose="020B0604020202020204" pitchFamily="34" charset="0"/>
+              <a:buChar char="•"/>
+              <a:defRPr sz="1800" kern="1200">
+                <a:solidFill>
+                  <a:schemeClr val="tx1"/>
+                </a:solidFill>
+                <a:latin typeface="+mn-lt"/>
+                <a:ea typeface="+mn-ea"/>
+                <a:cs typeface="+mn-cs"/>
+              </a:defRPr>
+            </a:lvl8pPr>
+            <a:lvl9pPr marL="3886200" indent="-228600" algn="l" defTabSz="914400" rtl="0" eaLnBrk="1" latinLnBrk="0" hangingPunct="1">
+              <a:lnSpc>
+                <a:spcPct val="90000"/>
+              </a:lnSpc>
+              <a:spcBef>
+                <a:spcPts val="500"/>
+              </a:spcBef>
+              <a:buFont typeface="Arial" panose="020B0604020202020204" pitchFamily="34" charset="0"/>
+              <a:buChar char="•"/>
+              <a:defRPr sz="1800" kern="1200">
+                <a:solidFill>
+                  <a:schemeClr val="tx1"/>
+                </a:solidFill>
+                <a:latin typeface="+mn-lt"/>
+                <a:ea typeface="+mn-ea"/>
+                <a:cs typeface="+mn-cs"/>
+              </a:defRPr>
+            </a:lvl9pPr>
+          </a:lstStyle>
+          <a:p>
+            <a:pPr marL="0" indent="0">
+              <a:buFont typeface="Arial" panose="020B0604020202020204" pitchFamily="34" charset="0"/>
+              <a:buNone/>
+            </a:pPr>
+            <a:r>
+              <a:rPr lang="en-US" sz="1800" dirty="0"/>
+              <a:t>Element 2 details</a:t>
+            </a:r>
+          </a:p>
+        </p:txBody>
+      </p:sp>
+    </p:spTree>
+    <p:extLst>
+      <p:ext uri="{BB962C8B-B14F-4D97-AF65-F5344CB8AC3E}">
+        <p14:creationId xmlns:p14="http://schemas.microsoft.com/office/powerpoint/2010/main" val="3148862244"/>
       </p:ext>
     </p:extLst>
   </p:cSld>

--- a/assets/PresentationTemplate.pptx
+++ b/assets/PresentationTemplate.pptx
@@ -7,7 +7,10 @@
   <p:sldIdLst>
     <p:sldId id="256" r:id="rId2"/>
     <p:sldId id="257" r:id="rId3"/>
-    <p:sldId id="258" r:id="rId4"/>
+    <p:sldId id="262" r:id="rId4"/>
+    <p:sldId id="263" r:id="rId5"/>
+    <p:sldId id="264" r:id="rId6"/>
+    <p:sldId id="261" r:id="rId7"/>
   </p:sldIdLst>
   <p:sldSz cx="12192000" cy="6858000"/>
   <p:notesSz cx="6858000" cy="9144000"/>
@@ -261,7 +264,7 @@
           <a:p>
             <a:fld id="{47BA2DA0-6B40-4D5C-959C-1829054D176C}" type="datetimeFigureOut">
               <a:rPr lang="en-US" smtClean="0"/>
-              <a:t>2/4/2025</a:t>
+              <a:t>2/6/2025</a:t>
             </a:fld>
             <a:endParaRPr lang="en-US"/>
           </a:p>
@@ -459,7 +462,7 @@
           <a:p>
             <a:fld id="{47BA2DA0-6B40-4D5C-959C-1829054D176C}" type="datetimeFigureOut">
               <a:rPr lang="en-US" smtClean="0"/>
-              <a:t>2/4/2025</a:t>
+              <a:t>2/6/2025</a:t>
             </a:fld>
             <a:endParaRPr lang="en-US"/>
           </a:p>
@@ -667,7 +670,7 @@
           <a:p>
             <a:fld id="{47BA2DA0-6B40-4D5C-959C-1829054D176C}" type="datetimeFigureOut">
               <a:rPr lang="en-US" smtClean="0"/>
-              <a:t>2/4/2025</a:t>
+              <a:t>2/6/2025</a:t>
             </a:fld>
             <a:endParaRPr lang="en-US"/>
           </a:p>
@@ -865,7 +868,7 @@
           <a:p>
             <a:fld id="{47BA2DA0-6B40-4D5C-959C-1829054D176C}" type="datetimeFigureOut">
               <a:rPr lang="en-US" smtClean="0"/>
-              <a:t>2/4/2025</a:t>
+              <a:t>2/6/2025</a:t>
             </a:fld>
             <a:endParaRPr lang="en-US"/>
           </a:p>
@@ -1140,7 +1143,7 @@
           <a:p>
             <a:fld id="{47BA2DA0-6B40-4D5C-959C-1829054D176C}" type="datetimeFigureOut">
               <a:rPr lang="en-US" smtClean="0"/>
-              <a:t>2/4/2025</a:t>
+              <a:t>2/6/2025</a:t>
             </a:fld>
             <a:endParaRPr lang="en-US"/>
           </a:p>
@@ -1405,7 +1408,7 @@
           <a:p>
             <a:fld id="{47BA2DA0-6B40-4D5C-959C-1829054D176C}" type="datetimeFigureOut">
               <a:rPr lang="en-US" smtClean="0"/>
-              <a:t>2/4/2025</a:t>
+              <a:t>2/6/2025</a:t>
             </a:fld>
             <a:endParaRPr lang="en-US"/>
           </a:p>
@@ -1817,7 +1820,7 @@
           <a:p>
             <a:fld id="{47BA2DA0-6B40-4D5C-959C-1829054D176C}" type="datetimeFigureOut">
               <a:rPr lang="en-US" smtClean="0"/>
-              <a:t>2/4/2025</a:t>
+              <a:t>2/6/2025</a:t>
             </a:fld>
             <a:endParaRPr lang="en-US"/>
           </a:p>
@@ -1958,7 +1961,7 @@
           <a:p>
             <a:fld id="{47BA2DA0-6B40-4D5C-959C-1829054D176C}" type="datetimeFigureOut">
               <a:rPr lang="en-US" smtClean="0"/>
-              <a:t>2/4/2025</a:t>
+              <a:t>2/6/2025</a:t>
             </a:fld>
             <a:endParaRPr lang="en-US"/>
           </a:p>
@@ -2071,7 +2074,7 @@
           <a:p>
             <a:fld id="{47BA2DA0-6B40-4D5C-959C-1829054D176C}" type="datetimeFigureOut">
               <a:rPr lang="en-US" smtClean="0"/>
-              <a:t>2/4/2025</a:t>
+              <a:t>2/6/2025</a:t>
             </a:fld>
             <a:endParaRPr lang="en-US"/>
           </a:p>
@@ -2382,7 +2385,7 @@
           <a:p>
             <a:fld id="{47BA2DA0-6B40-4D5C-959C-1829054D176C}" type="datetimeFigureOut">
               <a:rPr lang="en-US" smtClean="0"/>
-              <a:t>2/4/2025</a:t>
+              <a:t>2/6/2025</a:t>
             </a:fld>
             <a:endParaRPr lang="en-US"/>
           </a:p>
@@ -2670,7 +2673,7 @@
           <a:p>
             <a:fld id="{47BA2DA0-6B40-4D5C-959C-1829054D176C}" type="datetimeFigureOut">
               <a:rPr lang="en-US" smtClean="0"/>
-              <a:t>2/4/2025</a:t>
+              <a:t>2/6/2025</a:t>
             </a:fld>
             <a:endParaRPr lang="en-US"/>
           </a:p>
@@ -2911,7 +2914,7 @@
           <a:p>
             <a:fld id="{47BA2DA0-6B40-4D5C-959C-1829054D176C}" type="datetimeFigureOut">
               <a:rPr lang="en-US" smtClean="0"/>
-              <a:t>2/4/2025</a:t>
+              <a:t>2/6/2025</a:t>
             </a:fld>
             <a:endParaRPr lang="en-US"/>
           </a:p>
@@ -5960,7 +5963,7 @@
         <p:spPr>
           <a:xfrm>
             <a:off x="773408" y="992094"/>
-            <a:ext cx="3616913" cy="2795160"/>
+            <a:ext cx="3888533" cy="2795160"/>
           </a:xfrm>
         </p:spPr>
         <p:txBody>
@@ -5970,8 +5973,15 @@
           <a:lstStyle/>
           <a:p>
             <a:r>
-              <a:rPr lang="en-US" sz="2800" dirty="0"/>
-              <a:t>TITLE</a:t>
+              <a:rPr lang="en-US" sz="4000" dirty="0"/>
+              <a:t>&lt;PRESENTATION</a:t>
+            </a:r>
+            <a:br>
+              <a:rPr lang="en-US" sz="4000" dirty="0"/>
+            </a:br>
+            <a:r>
+              <a:rPr lang="en-US" sz="4000" dirty="0"/>
+              <a:t>TITLE&gt;</a:t>
             </a:r>
           </a:p>
         </p:txBody>
@@ -6006,7 +6016,7 @@
           <a:p>
             <a:r>
               <a:rPr lang="en-US" sz="1800" dirty="0"/>
-              <a:t>SUBTITLE</a:t>
+              <a:t>&lt;PRESENTATION SUBTITLE&gt;</a:t>
             </a:r>
           </a:p>
         </p:txBody>
@@ -6094,7 +6104,7 @@
           <a:p>
             <a:r>
               <a:rPr lang="en-US" dirty="0"/>
-              <a:t>SLIDE TITLE</a:t>
+              <a:t>&lt;SLIDE TITLE&gt;</a:t>
             </a:r>
           </a:p>
         </p:txBody>
@@ -6132,7 +6142,7 @@
             </a:pPr>
             <a:r>
               <a:rPr lang="en-US" sz="1800" dirty="0"/>
-              <a:t>Answer details with text and bullet points</a:t>
+              <a:t>&lt;Content:  Consists of text to convey specific information as part of a presentation. It must be clear and persuasive&gt;</a:t>
             </a:r>
           </a:p>
         </p:txBody>
@@ -6195,7 +6205,7 @@
                   <a:srgbClr val="47DD82"/>
                 </a:solidFill>
               </a:rPr>
-              <a:t>Question</a:t>
+              <a:t>&lt;Key Idea: Sentence &amp; Question&gt;</a:t>
             </a:r>
           </a:p>
         </p:txBody>
@@ -6251,7 +6261,7 @@
         <p:cNvPr id="1" name="">
           <a:extLst>
             <a:ext uri="{FF2B5EF4-FFF2-40B4-BE49-F238E27FC236}">
-              <a16:creationId xmlns:a16="http://schemas.microsoft.com/office/drawing/2014/main" id="{85CB7094-43FF-59EE-9F82-4B178272B234}"/>
+              <a16:creationId xmlns:a16="http://schemas.microsoft.com/office/drawing/2014/main" id="{DE2880D0-E211-38D8-17E0-4CAA0CA028A0}"/>
             </a:ext>
           </a:extLst>
         </p:cNvPr>
@@ -6271,7 +6281,7 @@
           <p:cNvPr id="2" name="Title 1">
             <a:extLst>
               <a:ext uri="{FF2B5EF4-FFF2-40B4-BE49-F238E27FC236}">
-                <a16:creationId xmlns:a16="http://schemas.microsoft.com/office/drawing/2014/main" id="{C7222F50-F406-BC20-9DC9-D6BB6CB84CD6}"/>
+                <a16:creationId xmlns:a16="http://schemas.microsoft.com/office/drawing/2014/main" id="{4A7CF3B6-A29B-ED22-C83B-0C04ED0B266D}"/>
               </a:ext>
             </a:extLst>
           </p:cNvPr>
@@ -6289,7 +6299,7 @@
           <a:p>
             <a:r>
               <a:rPr lang="en-US" dirty="0"/>
-              <a:t>SLIDE TITLE</a:t>
+              <a:t>&lt;SLIDE TITLE&gt;</a:t>
             </a:r>
           </a:p>
         </p:txBody>
@@ -6299,7 +6309,7 @@
           <p:cNvPr id="3" name="Content Placeholder 2">
             <a:extLst>
               <a:ext uri="{FF2B5EF4-FFF2-40B4-BE49-F238E27FC236}">
-                <a16:creationId xmlns:a16="http://schemas.microsoft.com/office/drawing/2014/main" id="{E021EE09-29C5-B71C-C936-2F713951A953}"/>
+                <a16:creationId xmlns:a16="http://schemas.microsoft.com/office/drawing/2014/main" id="{11BFC2FC-D0A7-3E33-0367-68B7A85628C2}"/>
               </a:ext>
             </a:extLst>
           </p:cNvPr>
@@ -6312,16 +6322,9 @@
         </p:nvSpPr>
         <p:spPr>
           <a:xfrm>
-            <a:off x="838201" y="2192594"/>
-            <a:ext cx="4785852" cy="3984369"/>
+            <a:off x="838200" y="2192594"/>
+            <a:ext cx="10515600" cy="3984369"/>
           </a:xfrm>
-          <a:ln>
-            <a:solidFill>
-              <a:schemeClr val="bg1">
-                <a:lumMod val="85000"/>
-              </a:schemeClr>
-            </a:solidFill>
-          </a:ln>
         </p:spPr>
         <p:txBody>
           <a:bodyPr>
@@ -6334,7 +6337,7 @@
             </a:pPr>
             <a:r>
               <a:rPr lang="en-US" sz="1800" dirty="0"/>
-              <a:t>Element 1 detail</a:t>
+              <a:t>&lt;Content:  Consists of text to convey specific information as part of a presentation. It must be clear and persuasive&gt;</a:t>
             </a:r>
           </a:p>
         </p:txBody>
@@ -6344,7 +6347,7 @@
           <p:cNvPr id="5" name="Title 1">
             <a:extLst>
               <a:ext uri="{FF2B5EF4-FFF2-40B4-BE49-F238E27FC236}">
-                <a16:creationId xmlns:a16="http://schemas.microsoft.com/office/drawing/2014/main" id="{3841E13A-D61F-E1C7-F1AB-27090AC21EEF}"/>
+                <a16:creationId xmlns:a16="http://schemas.microsoft.com/office/drawing/2014/main" id="{685CCCC6-F3CB-1C2D-2495-A4173C7A0AE1}"/>
               </a:ext>
             </a:extLst>
           </p:cNvPr>
@@ -6397,7 +6400,7 @@
                   <a:srgbClr val="47DD82"/>
                 </a:solidFill>
               </a:rPr>
-              <a:t>Question to compare 2 elements</a:t>
+              <a:t>&lt;Key Idea: Sentence &amp; Question&gt;</a:t>
             </a:r>
           </a:p>
         </p:txBody>
@@ -6407,7 +6410,7 @@
           <p:cNvPr id="6" name="Picture 5">
             <a:extLst>
               <a:ext uri="{FF2B5EF4-FFF2-40B4-BE49-F238E27FC236}">
-                <a16:creationId xmlns:a16="http://schemas.microsoft.com/office/drawing/2014/main" id="{9FF53CBA-6972-D3D0-3E41-D5C5516E8626}"/>
+                <a16:creationId xmlns:a16="http://schemas.microsoft.com/office/drawing/2014/main" id="{4960E885-133C-8514-4705-0202A233A5B6}"/>
               </a:ext>
             </a:extLst>
           </p:cNvPr>
@@ -6432,220 +6435,595 @@
           </a:prstGeom>
         </p:spPr>
       </p:pic>
-      <p:sp>
-        <p:nvSpPr>
-          <p:cNvPr id="7" name="Content Placeholder 2">
-            <a:extLst>
-              <a:ext uri="{FF2B5EF4-FFF2-40B4-BE49-F238E27FC236}">
-                <a16:creationId xmlns:a16="http://schemas.microsoft.com/office/drawing/2014/main" id="{66B5E5ED-E522-EC8C-F97D-847187154643}"/>
-              </a:ext>
-            </a:extLst>
-          </p:cNvPr>
-          <p:cNvSpPr txBox="1">
-            <a:spLocks noChangeAspect="1"/>
-          </p:cNvSpPr>
-          <p:nvPr/>
+    </p:spTree>
+    <p:extLst>
+      <p:ext uri="{BB962C8B-B14F-4D97-AF65-F5344CB8AC3E}">
+        <p14:creationId xmlns:p14="http://schemas.microsoft.com/office/powerpoint/2010/main" val="262664138"/>
+      </p:ext>
+    </p:extLst>
+  </p:cSld>
+  <p:clrMapOvr>
+    <a:masterClrMapping/>
+  </p:clrMapOvr>
+</p:sld>
+</file>
+
+<file path=ppt/slides/slide4.xml><?xml version="1.0" encoding="utf-8"?>
+<p:sld xmlns:a="http://schemas.openxmlformats.org/drawingml/2006/main" xmlns:r="http://schemas.openxmlformats.org/officeDocument/2006/relationships" xmlns:p="http://schemas.openxmlformats.org/presentationml/2006/main">
+  <p:cSld>
+    <p:spTree>
+      <p:nvGrpSpPr>
+        <p:cNvPr id="1" name="">
+          <a:extLst>
+            <a:ext uri="{FF2B5EF4-FFF2-40B4-BE49-F238E27FC236}">
+              <a16:creationId xmlns:a16="http://schemas.microsoft.com/office/drawing/2014/main" id="{DCE552DA-963E-04CC-2434-92C7BD5D676E}"/>
+            </a:ext>
+          </a:extLst>
+        </p:cNvPr>
+        <p:cNvGrpSpPr/>
+        <p:nvPr/>
+      </p:nvGrpSpPr>
+      <p:grpSpPr>
+        <a:xfrm>
+          <a:off x="0" y="0"/>
+          <a:ext cx="0" cy="0"/>
+          <a:chOff x="0" y="0"/>
+          <a:chExt cx="0" cy="0"/>
+        </a:xfrm>
+      </p:grpSpPr>
+      <p:sp>
+        <p:nvSpPr>
+          <p:cNvPr id="2" name="Title 1">
+            <a:extLst>
+              <a:ext uri="{FF2B5EF4-FFF2-40B4-BE49-F238E27FC236}">
+                <a16:creationId xmlns:a16="http://schemas.microsoft.com/office/drawing/2014/main" id="{79B2F025-6C35-A391-A590-9BEDF01CF58A}"/>
+              </a:ext>
+            </a:extLst>
+          </p:cNvPr>
+          <p:cNvSpPr>
+            <a:spLocks noGrp="1"/>
+          </p:cNvSpPr>
+          <p:nvPr>
+            <p:ph type="title"/>
+          </p:nvPr>
+        </p:nvSpPr>
+        <p:spPr/>
+        <p:txBody>
+          <a:bodyPr/>
+          <a:lstStyle/>
+          <a:p>
+            <a:r>
+              <a:rPr lang="en-US" dirty="0"/>
+              <a:t>&lt;SLIDE TITLE&gt;</a:t>
+            </a:r>
+          </a:p>
+        </p:txBody>
+      </p:sp>
+      <p:sp>
+        <p:nvSpPr>
+          <p:cNvPr id="3" name="Content Placeholder 2">
+            <a:extLst>
+              <a:ext uri="{FF2B5EF4-FFF2-40B4-BE49-F238E27FC236}">
+                <a16:creationId xmlns:a16="http://schemas.microsoft.com/office/drawing/2014/main" id="{ABCCB36A-55CB-DF5D-963F-D80730942845}"/>
+              </a:ext>
+            </a:extLst>
+          </p:cNvPr>
+          <p:cNvSpPr>
+            <a:spLocks noGrp="1" noChangeAspect="1"/>
+          </p:cNvSpPr>
+          <p:nvPr>
+            <p:ph idx="1"/>
+          </p:nvPr>
         </p:nvSpPr>
         <p:spPr>
           <a:xfrm>
-            <a:off x="6567949" y="2192593"/>
-            <a:ext cx="4785852" cy="3984369"/>
+            <a:off x="838200" y="2192594"/>
+            <a:ext cx="10515600" cy="3984369"/>
+          </a:xfrm>
+        </p:spPr>
+        <p:txBody>
+          <a:bodyPr>
+            <a:noAutofit/>
+          </a:bodyPr>
+          <a:lstStyle/>
+          <a:p>
+            <a:pPr marL="0" indent="0">
+              <a:buNone/>
+            </a:pPr>
+            <a:r>
+              <a:rPr lang="en-US" sz="1800" dirty="0"/>
+              <a:t>&lt;Content:  Consists of text to convey specific information as part of a presentation. It must be clear and persuasive&gt;</a:t>
+            </a:r>
+          </a:p>
+        </p:txBody>
+      </p:sp>
+      <p:sp>
+        <p:nvSpPr>
+          <p:cNvPr id="5" name="Title 1">
+            <a:extLst>
+              <a:ext uri="{FF2B5EF4-FFF2-40B4-BE49-F238E27FC236}">
+                <a16:creationId xmlns:a16="http://schemas.microsoft.com/office/drawing/2014/main" id="{74E5CDBD-4FC9-0D23-4BA4-C35FC4E667BB}"/>
+              </a:ext>
+            </a:extLst>
+          </p:cNvPr>
+          <p:cNvSpPr txBox="1">
+            <a:spLocks/>
+          </p:cNvSpPr>
+          <p:nvPr/>
+        </p:nvSpPr>
+        <p:spPr>
+          <a:xfrm>
+            <a:off x="838200" y="1410481"/>
+            <a:ext cx="10515600" cy="560413"/>
           </a:xfrm>
           <a:prstGeom prst="rect">
             <a:avLst/>
           </a:prstGeom>
-          <a:ln>
-            <a:solidFill>
-              <a:schemeClr val="bg1">
-                <a:lumMod val="85000"/>
-              </a:schemeClr>
-            </a:solidFill>
-          </a:ln>
         </p:spPr>
         <p:txBody>
-          <a:bodyPr vert="horz" lIns="91440" tIns="45720" rIns="91440" bIns="45720" rtlCol="0">
-            <a:noAutofit/>
+          <a:bodyPr vert="horz" lIns="91440" tIns="45720" rIns="91440" bIns="45720" rtlCol="0" anchor="ctr">
+            <a:normAutofit/>
           </a:bodyPr>
           <a:lstStyle>
-            <a:lvl1pPr marL="228600" indent="-228600" algn="l" defTabSz="914400" rtl="0" eaLnBrk="1" latinLnBrk="0" hangingPunct="1">
+            <a:lvl1pPr algn="l" defTabSz="914400" rtl="0" eaLnBrk="1" latinLnBrk="0" hangingPunct="1">
               <a:lnSpc>
                 <a:spcPct val="90000"/>
               </a:lnSpc>
               <a:spcBef>
-                <a:spcPts val="1000"/>
+                <a:spcPct val="0"/>
               </a:spcBef>
-              <a:buFont typeface="Arial" panose="020B0604020202020204" pitchFamily="34" charset="0"/>
-              <a:buChar char="•"/>
-              <a:defRPr sz="2800" kern="1200">
+              <a:buNone/>
+              <a:defRPr sz="4400" kern="1200">
                 <a:solidFill>
                   <a:schemeClr val="tx1"/>
                 </a:solidFill>
-                <a:latin typeface="+mn-lt"/>
-                <a:ea typeface="+mn-ea"/>
-                <a:cs typeface="+mn-cs"/>
+                <a:latin typeface="+mj-lt"/>
+                <a:ea typeface="+mj-ea"/>
+                <a:cs typeface="+mj-cs"/>
               </a:defRPr>
             </a:lvl1pPr>
-            <a:lvl2pPr marL="685800" indent="-228600" algn="l" defTabSz="914400" rtl="0" eaLnBrk="1" latinLnBrk="0" hangingPunct="1">
+          </a:lstStyle>
+          <a:p>
+            <a:pPr>
+              <a:lnSpc>
+                <a:spcPct val="100000"/>
+              </a:lnSpc>
+            </a:pPr>
+            <a:r>
+              <a:rPr lang="en-US" sz="2400" b="1" dirty="0">
+                <a:solidFill>
+                  <a:srgbClr val="47DD82"/>
+                </a:solidFill>
+              </a:rPr>
+              <a:t>&lt;Key Idea: Sentence &amp; Question&gt;</a:t>
+            </a:r>
+          </a:p>
+        </p:txBody>
+      </p:sp>
+      <p:pic>
+        <p:nvPicPr>
+          <p:cNvPr id="6" name="Picture 5">
+            <a:extLst>
+              <a:ext uri="{FF2B5EF4-FFF2-40B4-BE49-F238E27FC236}">
+                <a16:creationId xmlns:a16="http://schemas.microsoft.com/office/drawing/2014/main" id="{7047F23E-11CC-E0ED-01D1-ABE9AABE2038}"/>
+              </a:ext>
+            </a:extLst>
+          </p:cNvPr>
+          <p:cNvPicPr>
+            <a:picLocks noChangeAspect="1"/>
+          </p:cNvPicPr>
+          <p:nvPr/>
+        </p:nvPicPr>
+        <p:blipFill>
+          <a:blip r:embed="rId2"/>
+          <a:stretch>
+            <a:fillRect/>
+          </a:stretch>
+        </p:blipFill>
+        <p:spPr>
+          <a:xfrm>
+            <a:off x="11543532" y="6261151"/>
+            <a:ext cx="333375" cy="333375"/>
+          </a:xfrm>
+          <a:prstGeom prst="rect">
+            <a:avLst/>
+          </a:prstGeom>
+        </p:spPr>
+      </p:pic>
+    </p:spTree>
+    <p:extLst>
+      <p:ext uri="{BB962C8B-B14F-4D97-AF65-F5344CB8AC3E}">
+        <p14:creationId xmlns:p14="http://schemas.microsoft.com/office/powerpoint/2010/main" val="3300010885"/>
+      </p:ext>
+    </p:extLst>
+  </p:cSld>
+  <p:clrMapOvr>
+    <a:masterClrMapping/>
+  </p:clrMapOvr>
+</p:sld>
+</file>
+
+<file path=ppt/slides/slide5.xml><?xml version="1.0" encoding="utf-8"?>
+<p:sld xmlns:a="http://schemas.openxmlformats.org/drawingml/2006/main" xmlns:r="http://schemas.openxmlformats.org/officeDocument/2006/relationships" xmlns:p="http://schemas.openxmlformats.org/presentationml/2006/main">
+  <p:cSld>
+    <p:spTree>
+      <p:nvGrpSpPr>
+        <p:cNvPr id="1" name="">
+          <a:extLst>
+            <a:ext uri="{FF2B5EF4-FFF2-40B4-BE49-F238E27FC236}">
+              <a16:creationId xmlns:a16="http://schemas.microsoft.com/office/drawing/2014/main" id="{97A6E6F2-B52B-55DC-59C7-7FC78B0845E0}"/>
+            </a:ext>
+          </a:extLst>
+        </p:cNvPr>
+        <p:cNvGrpSpPr/>
+        <p:nvPr/>
+      </p:nvGrpSpPr>
+      <p:grpSpPr>
+        <a:xfrm>
+          <a:off x="0" y="0"/>
+          <a:ext cx="0" cy="0"/>
+          <a:chOff x="0" y="0"/>
+          <a:chExt cx="0" cy="0"/>
+        </a:xfrm>
+      </p:grpSpPr>
+      <p:sp>
+        <p:nvSpPr>
+          <p:cNvPr id="2" name="Title 1">
+            <a:extLst>
+              <a:ext uri="{FF2B5EF4-FFF2-40B4-BE49-F238E27FC236}">
+                <a16:creationId xmlns:a16="http://schemas.microsoft.com/office/drawing/2014/main" id="{E71858C3-D3F9-C011-64D4-7DFB82B697EF}"/>
+              </a:ext>
+            </a:extLst>
+          </p:cNvPr>
+          <p:cNvSpPr>
+            <a:spLocks noGrp="1"/>
+          </p:cNvSpPr>
+          <p:nvPr>
+            <p:ph type="title"/>
+          </p:nvPr>
+        </p:nvSpPr>
+        <p:spPr/>
+        <p:txBody>
+          <a:bodyPr/>
+          <a:lstStyle/>
+          <a:p>
+            <a:r>
+              <a:rPr lang="en-US" dirty="0"/>
+              <a:t>&lt;SLIDE TITLE&gt;</a:t>
+            </a:r>
+          </a:p>
+        </p:txBody>
+      </p:sp>
+      <p:sp>
+        <p:nvSpPr>
+          <p:cNvPr id="3" name="Content Placeholder 2">
+            <a:extLst>
+              <a:ext uri="{FF2B5EF4-FFF2-40B4-BE49-F238E27FC236}">
+                <a16:creationId xmlns:a16="http://schemas.microsoft.com/office/drawing/2014/main" id="{60CE39D5-6686-8C7E-0756-0321D9D2049A}"/>
+              </a:ext>
+            </a:extLst>
+          </p:cNvPr>
+          <p:cNvSpPr>
+            <a:spLocks noGrp="1" noChangeAspect="1"/>
+          </p:cNvSpPr>
+          <p:nvPr>
+            <p:ph idx="1"/>
+          </p:nvPr>
+        </p:nvSpPr>
+        <p:spPr>
+          <a:xfrm>
+            <a:off x="838200" y="2192594"/>
+            <a:ext cx="10515600" cy="3984369"/>
+          </a:xfrm>
+        </p:spPr>
+        <p:txBody>
+          <a:bodyPr>
+            <a:noAutofit/>
+          </a:bodyPr>
+          <a:lstStyle/>
+          <a:p>
+            <a:pPr marL="0" indent="0">
+              <a:buNone/>
+            </a:pPr>
+            <a:r>
+              <a:rPr lang="en-US" sz="1800" dirty="0"/>
+              <a:t>&lt;Content:  Consists of text to convey specific information as part of a presentation. It must start with engaging introduction, then concise and relevant information and finish with a conclusion that open the subject of the next slide. The maximum number of char are 1500&gt;</a:t>
+            </a:r>
+          </a:p>
+        </p:txBody>
+      </p:sp>
+      <p:sp>
+        <p:nvSpPr>
+          <p:cNvPr id="5" name="Title 1">
+            <a:extLst>
+              <a:ext uri="{FF2B5EF4-FFF2-40B4-BE49-F238E27FC236}">
+                <a16:creationId xmlns:a16="http://schemas.microsoft.com/office/drawing/2014/main" id="{EE433F43-F701-BBBF-DC87-CB808A48A46F}"/>
+              </a:ext>
+            </a:extLst>
+          </p:cNvPr>
+          <p:cNvSpPr txBox="1">
+            <a:spLocks/>
+          </p:cNvSpPr>
+          <p:nvPr/>
+        </p:nvSpPr>
+        <p:spPr>
+          <a:xfrm>
+            <a:off x="838200" y="1410481"/>
+            <a:ext cx="10515600" cy="560413"/>
+          </a:xfrm>
+          <a:prstGeom prst="rect">
+            <a:avLst/>
+          </a:prstGeom>
+        </p:spPr>
+        <p:txBody>
+          <a:bodyPr vert="horz" lIns="91440" tIns="45720" rIns="91440" bIns="45720" rtlCol="0" anchor="ctr">
+            <a:normAutofit/>
+          </a:bodyPr>
+          <a:lstStyle>
+            <a:lvl1pPr algn="l" defTabSz="914400" rtl="0" eaLnBrk="1" latinLnBrk="0" hangingPunct="1">
               <a:lnSpc>
                 <a:spcPct val="90000"/>
               </a:lnSpc>
               <a:spcBef>
-                <a:spcPts val="500"/>
+                <a:spcPct val="0"/>
               </a:spcBef>
-              <a:buFont typeface="Arial" panose="020B0604020202020204" pitchFamily="34" charset="0"/>
-              <a:buChar char="•"/>
-              <a:defRPr sz="2400" kern="1200">
+              <a:buNone/>
+              <a:defRPr sz="4400" kern="1200">
                 <a:solidFill>
                   <a:schemeClr val="tx1"/>
                 </a:solidFill>
-                <a:latin typeface="+mn-lt"/>
-                <a:ea typeface="+mn-ea"/>
-                <a:cs typeface="+mn-cs"/>
+                <a:latin typeface="+mj-lt"/>
+                <a:ea typeface="+mj-ea"/>
+                <a:cs typeface="+mj-cs"/>
               </a:defRPr>
-            </a:lvl2pPr>
-            <a:lvl3pPr marL="1143000" indent="-228600" algn="l" defTabSz="914400" rtl="0" eaLnBrk="1" latinLnBrk="0" hangingPunct="1">
+            </a:lvl1pPr>
+          </a:lstStyle>
+          <a:p>
+            <a:pPr>
+              <a:lnSpc>
+                <a:spcPct val="100000"/>
+              </a:lnSpc>
+            </a:pPr>
+            <a:r>
+              <a:rPr lang="en-US" sz="2400" b="1" dirty="0">
+                <a:solidFill>
+                  <a:srgbClr val="47DD82"/>
+                </a:solidFill>
+              </a:rPr>
+              <a:t>&lt;Key Idea: sentence or question&gt;</a:t>
+            </a:r>
+          </a:p>
+        </p:txBody>
+      </p:sp>
+      <p:pic>
+        <p:nvPicPr>
+          <p:cNvPr id="6" name="Picture 5">
+            <a:extLst>
+              <a:ext uri="{FF2B5EF4-FFF2-40B4-BE49-F238E27FC236}">
+                <a16:creationId xmlns:a16="http://schemas.microsoft.com/office/drawing/2014/main" id="{A4EC0D1C-B8DB-9E64-FFFA-34D40880F301}"/>
+              </a:ext>
+            </a:extLst>
+          </p:cNvPr>
+          <p:cNvPicPr>
+            <a:picLocks noChangeAspect="1"/>
+          </p:cNvPicPr>
+          <p:nvPr/>
+        </p:nvPicPr>
+        <p:blipFill>
+          <a:blip r:embed="rId2"/>
+          <a:stretch>
+            <a:fillRect/>
+          </a:stretch>
+        </p:blipFill>
+        <p:spPr>
+          <a:xfrm>
+            <a:off x="11543532" y="6261151"/>
+            <a:ext cx="333375" cy="333375"/>
+          </a:xfrm>
+          <a:prstGeom prst="rect">
+            <a:avLst/>
+          </a:prstGeom>
+        </p:spPr>
+      </p:pic>
+    </p:spTree>
+    <p:extLst>
+      <p:ext uri="{BB962C8B-B14F-4D97-AF65-F5344CB8AC3E}">
+        <p14:creationId xmlns:p14="http://schemas.microsoft.com/office/powerpoint/2010/main" val="1165519342"/>
+      </p:ext>
+    </p:extLst>
+  </p:cSld>
+  <p:clrMapOvr>
+    <a:masterClrMapping/>
+  </p:clrMapOvr>
+</p:sld>
+</file>
+
+<file path=ppt/slides/slide6.xml><?xml version="1.0" encoding="utf-8"?>
+<p:sld xmlns:a="http://schemas.openxmlformats.org/drawingml/2006/main" xmlns:r="http://schemas.openxmlformats.org/officeDocument/2006/relationships" xmlns:p="http://schemas.openxmlformats.org/presentationml/2006/main">
+  <p:cSld>
+    <p:spTree>
+      <p:nvGrpSpPr>
+        <p:cNvPr id="1" name="">
+          <a:extLst>
+            <a:ext uri="{FF2B5EF4-FFF2-40B4-BE49-F238E27FC236}">
+              <a16:creationId xmlns:a16="http://schemas.microsoft.com/office/drawing/2014/main" id="{64DB04F7-F552-29D5-4E1A-C40A7C67F8FF}"/>
+            </a:ext>
+          </a:extLst>
+        </p:cNvPr>
+        <p:cNvGrpSpPr/>
+        <p:nvPr/>
+      </p:nvGrpSpPr>
+      <p:grpSpPr>
+        <a:xfrm>
+          <a:off x="0" y="0"/>
+          <a:ext cx="0" cy="0"/>
+          <a:chOff x="0" y="0"/>
+          <a:chExt cx="0" cy="0"/>
+        </a:xfrm>
+      </p:grpSpPr>
+      <p:sp>
+        <p:nvSpPr>
+          <p:cNvPr id="2" name="Title 1">
+            <a:extLst>
+              <a:ext uri="{FF2B5EF4-FFF2-40B4-BE49-F238E27FC236}">
+                <a16:creationId xmlns:a16="http://schemas.microsoft.com/office/drawing/2014/main" id="{7BCB8E11-5484-116D-A339-D6965F0674F7}"/>
+              </a:ext>
+            </a:extLst>
+          </p:cNvPr>
+          <p:cNvSpPr>
+            <a:spLocks noGrp="1"/>
+          </p:cNvSpPr>
+          <p:nvPr>
+            <p:ph type="title"/>
+          </p:nvPr>
+        </p:nvSpPr>
+        <p:spPr/>
+        <p:txBody>
+          <a:bodyPr/>
+          <a:lstStyle/>
+          <a:p>
+            <a:r>
+              <a:rPr lang="en-US" dirty="0"/>
+              <a:t>SLIDE TITLE</a:t>
+            </a:r>
+          </a:p>
+        </p:txBody>
+      </p:sp>
+      <p:sp>
+        <p:nvSpPr>
+          <p:cNvPr id="3" name="Content Placeholder 2">
+            <a:extLst>
+              <a:ext uri="{FF2B5EF4-FFF2-40B4-BE49-F238E27FC236}">
+                <a16:creationId xmlns:a16="http://schemas.microsoft.com/office/drawing/2014/main" id="{4B79C3C9-057D-DE88-2067-D9C177145DF8}"/>
+              </a:ext>
+            </a:extLst>
+          </p:cNvPr>
+          <p:cNvSpPr>
+            <a:spLocks noGrp="1" noChangeAspect="1"/>
+          </p:cNvSpPr>
+          <p:nvPr>
+            <p:ph idx="1"/>
+          </p:nvPr>
+        </p:nvSpPr>
+        <p:spPr>
+          <a:xfrm>
+            <a:off x="838200" y="2192594"/>
+            <a:ext cx="10515600" cy="3984369"/>
+          </a:xfrm>
+        </p:spPr>
+        <p:txBody>
+          <a:bodyPr>
+            <a:noAutofit/>
+          </a:bodyPr>
+          <a:lstStyle/>
+          <a:p>
+            <a:pPr marL="0" indent="0">
+              <a:buNone/>
+            </a:pPr>
+            <a:r>
+              <a:rPr lang="en-US" sz="1800" dirty="0"/>
+              <a:t>Answer details with text and bullet points</a:t>
+            </a:r>
+          </a:p>
+        </p:txBody>
+      </p:sp>
+      <p:sp>
+        <p:nvSpPr>
+          <p:cNvPr id="5" name="Title 1">
+            <a:extLst>
+              <a:ext uri="{FF2B5EF4-FFF2-40B4-BE49-F238E27FC236}">
+                <a16:creationId xmlns:a16="http://schemas.microsoft.com/office/drawing/2014/main" id="{88A78BC9-4119-8B99-F6EB-0B0845F363F9}"/>
+              </a:ext>
+            </a:extLst>
+          </p:cNvPr>
+          <p:cNvSpPr txBox="1">
+            <a:spLocks/>
+          </p:cNvSpPr>
+          <p:nvPr/>
+        </p:nvSpPr>
+        <p:spPr>
+          <a:xfrm>
+            <a:off x="838200" y="1410481"/>
+            <a:ext cx="10515600" cy="560413"/>
+          </a:xfrm>
+          <a:prstGeom prst="rect">
+            <a:avLst/>
+          </a:prstGeom>
+        </p:spPr>
+        <p:txBody>
+          <a:bodyPr vert="horz" lIns="91440" tIns="45720" rIns="91440" bIns="45720" rtlCol="0" anchor="ctr">
+            <a:normAutofit/>
+          </a:bodyPr>
+          <a:lstStyle>
+            <a:lvl1pPr algn="l" defTabSz="914400" rtl="0" eaLnBrk="1" latinLnBrk="0" hangingPunct="1">
               <a:lnSpc>
                 <a:spcPct val="90000"/>
               </a:lnSpc>
               <a:spcBef>
-                <a:spcPts val="500"/>
+                <a:spcPct val="0"/>
               </a:spcBef>
-              <a:buFont typeface="Arial" panose="020B0604020202020204" pitchFamily="34" charset="0"/>
-              <a:buChar char="•"/>
-              <a:defRPr sz="2000" kern="1200">
+              <a:buNone/>
+              <a:defRPr sz="4400" kern="1200">
                 <a:solidFill>
                   <a:schemeClr val="tx1"/>
                 </a:solidFill>
-                <a:latin typeface="+mn-lt"/>
-                <a:ea typeface="+mn-ea"/>
-                <a:cs typeface="+mn-cs"/>
+                <a:latin typeface="+mj-lt"/>
+                <a:ea typeface="+mj-ea"/>
+                <a:cs typeface="+mj-cs"/>
               </a:defRPr>
-            </a:lvl3pPr>
-            <a:lvl4pPr marL="1600200" indent="-228600" algn="l" defTabSz="914400" rtl="0" eaLnBrk="1" latinLnBrk="0" hangingPunct="1">
+            </a:lvl1pPr>
+          </a:lstStyle>
+          <a:p>
+            <a:pPr>
               <a:lnSpc>
-                <a:spcPct val="90000"/>
+                <a:spcPct val="100000"/>
               </a:lnSpc>
-              <a:spcBef>
-                <a:spcPts val="500"/>
-              </a:spcBef>
-              <a:buFont typeface="Arial" panose="020B0604020202020204" pitchFamily="34" charset="0"/>
-              <a:buChar char="•"/>
-              <a:defRPr sz="1800" kern="1200">
+            </a:pPr>
+            <a:r>
+              <a:rPr lang="en-US" sz="2400" b="1" dirty="0">
                 <a:solidFill>
-                  <a:schemeClr val="tx1"/>
+                  <a:srgbClr val="47DD82"/>
                 </a:solidFill>
-                <a:latin typeface="+mn-lt"/>
-                <a:ea typeface="+mn-ea"/>
-                <a:cs typeface="+mn-cs"/>
-              </a:defRPr>
-            </a:lvl4pPr>
-            <a:lvl5pPr marL="2057400" indent="-228600" algn="l" defTabSz="914400" rtl="0" eaLnBrk="1" latinLnBrk="0" hangingPunct="1">
-              <a:lnSpc>
-                <a:spcPct val="90000"/>
-              </a:lnSpc>
-              <a:spcBef>
-                <a:spcPts val="500"/>
-              </a:spcBef>
-              <a:buFont typeface="Arial" panose="020B0604020202020204" pitchFamily="34" charset="0"/>
-              <a:buChar char="•"/>
-              <a:defRPr sz="1800" kern="1200">
-                <a:solidFill>
-                  <a:schemeClr val="tx1"/>
-                </a:solidFill>
-                <a:latin typeface="+mn-lt"/>
-                <a:ea typeface="+mn-ea"/>
-                <a:cs typeface="+mn-cs"/>
-              </a:defRPr>
-            </a:lvl5pPr>
-            <a:lvl6pPr marL="2514600" indent="-228600" algn="l" defTabSz="914400" rtl="0" eaLnBrk="1" latinLnBrk="0" hangingPunct="1">
-              <a:lnSpc>
-                <a:spcPct val="90000"/>
-              </a:lnSpc>
-              <a:spcBef>
-                <a:spcPts val="500"/>
-              </a:spcBef>
-              <a:buFont typeface="Arial" panose="020B0604020202020204" pitchFamily="34" charset="0"/>
-              <a:buChar char="•"/>
-              <a:defRPr sz="1800" kern="1200">
-                <a:solidFill>
-                  <a:schemeClr val="tx1"/>
-                </a:solidFill>
-                <a:latin typeface="+mn-lt"/>
-                <a:ea typeface="+mn-ea"/>
-                <a:cs typeface="+mn-cs"/>
-              </a:defRPr>
-            </a:lvl6pPr>
-            <a:lvl7pPr marL="2971800" indent="-228600" algn="l" defTabSz="914400" rtl="0" eaLnBrk="1" latinLnBrk="0" hangingPunct="1">
-              <a:lnSpc>
-                <a:spcPct val="90000"/>
-              </a:lnSpc>
-              <a:spcBef>
-                <a:spcPts val="500"/>
-              </a:spcBef>
-              <a:buFont typeface="Arial" panose="020B0604020202020204" pitchFamily="34" charset="0"/>
-              <a:buChar char="•"/>
-              <a:defRPr sz="1800" kern="1200">
-                <a:solidFill>
-                  <a:schemeClr val="tx1"/>
-                </a:solidFill>
-                <a:latin typeface="+mn-lt"/>
-                <a:ea typeface="+mn-ea"/>
-                <a:cs typeface="+mn-cs"/>
-              </a:defRPr>
-            </a:lvl7pPr>
-            <a:lvl8pPr marL="3429000" indent="-228600" algn="l" defTabSz="914400" rtl="0" eaLnBrk="1" latinLnBrk="0" hangingPunct="1">
-              <a:lnSpc>
-                <a:spcPct val="90000"/>
-              </a:lnSpc>
-              <a:spcBef>
-                <a:spcPts val="500"/>
-              </a:spcBef>
-              <a:buFont typeface="Arial" panose="020B0604020202020204" pitchFamily="34" charset="0"/>
-              <a:buChar char="•"/>
-              <a:defRPr sz="1800" kern="1200">
-                <a:solidFill>
-                  <a:schemeClr val="tx1"/>
-                </a:solidFill>
-                <a:latin typeface="+mn-lt"/>
-                <a:ea typeface="+mn-ea"/>
-                <a:cs typeface="+mn-cs"/>
-              </a:defRPr>
-            </a:lvl8pPr>
-            <a:lvl9pPr marL="3886200" indent="-228600" algn="l" defTabSz="914400" rtl="0" eaLnBrk="1" latinLnBrk="0" hangingPunct="1">
-              <a:lnSpc>
-                <a:spcPct val="90000"/>
-              </a:lnSpc>
-              <a:spcBef>
-                <a:spcPts val="500"/>
-              </a:spcBef>
-              <a:buFont typeface="Arial" panose="020B0604020202020204" pitchFamily="34" charset="0"/>
-              <a:buChar char="•"/>
-              <a:defRPr sz="1800" kern="1200">
-                <a:solidFill>
-                  <a:schemeClr val="tx1"/>
-                </a:solidFill>
-                <a:latin typeface="+mn-lt"/>
-                <a:ea typeface="+mn-ea"/>
-                <a:cs typeface="+mn-cs"/>
-              </a:defRPr>
-            </a:lvl9pPr>
-          </a:lstStyle>
-          <a:p>
-            <a:pPr marL="0" indent="0">
-              <a:buFont typeface="Arial" panose="020B0604020202020204" pitchFamily="34" charset="0"/>
-              <a:buNone/>
-            </a:pPr>
-            <a:r>
-              <a:rPr lang="en-US" sz="1800" dirty="0"/>
-              <a:t>Element 2 details</a:t>
-            </a:r>
-          </a:p>
-        </p:txBody>
-      </p:sp>
+              </a:rPr>
+              <a:t>Question</a:t>
+            </a:r>
+          </a:p>
+        </p:txBody>
+      </p:sp>
+      <p:pic>
+        <p:nvPicPr>
+          <p:cNvPr id="6" name="Picture 5">
+            <a:extLst>
+              <a:ext uri="{FF2B5EF4-FFF2-40B4-BE49-F238E27FC236}">
+                <a16:creationId xmlns:a16="http://schemas.microsoft.com/office/drawing/2014/main" id="{8C010C70-5E82-75A8-F784-724D619087D4}"/>
+              </a:ext>
+            </a:extLst>
+          </p:cNvPr>
+          <p:cNvPicPr>
+            <a:picLocks noChangeAspect="1"/>
+          </p:cNvPicPr>
+          <p:nvPr/>
+        </p:nvPicPr>
+        <p:blipFill>
+          <a:blip r:embed="rId2"/>
+          <a:stretch>
+            <a:fillRect/>
+          </a:stretch>
+        </p:blipFill>
+        <p:spPr>
+          <a:xfrm>
+            <a:off x="11543532" y="6261151"/>
+            <a:ext cx="333375" cy="333375"/>
+          </a:xfrm>
+          <a:prstGeom prst="rect">
+            <a:avLst/>
+          </a:prstGeom>
+        </p:spPr>
+      </p:pic>
     </p:spTree>
     <p:extLst>
       <p:ext uri="{BB962C8B-B14F-4D97-AF65-F5344CB8AC3E}">
-        <p14:creationId xmlns:p14="http://schemas.microsoft.com/office/powerpoint/2010/main" val="3148862244"/>
+        <p14:creationId xmlns:p14="http://schemas.microsoft.com/office/powerpoint/2010/main" val="1257384331"/>
       </p:ext>
     </p:extLst>
   </p:cSld>
